--- a/4 курс/2 семестр/ВКР/Презентация_Колбанов_6401.pptx
+++ b/4 курс/2 семестр/ВКР/Презентация_Колбанов_6401.pptx
@@ -5,28 +5,31 @@
     <p:sldMasterId id="2147483672" r:id="rId1"/>
   </p:sldMasterIdLst>
   <p:notesMasterIdLst>
-    <p:notesMasterId r:id="rId21"/>
+    <p:notesMasterId r:id="rId24"/>
   </p:notesMasterIdLst>
   <p:sldIdLst>
     <p:sldId id="289" r:id="rId2"/>
     <p:sldId id="312" r:id="rId3"/>
-    <p:sldId id="292" r:id="rId4"/>
-    <p:sldId id="293" r:id="rId5"/>
-    <p:sldId id="295" r:id="rId6"/>
-    <p:sldId id="296" r:id="rId7"/>
-    <p:sldId id="297" r:id="rId8"/>
-    <p:sldId id="294" r:id="rId9"/>
+    <p:sldId id="320" r:id="rId4"/>
+    <p:sldId id="292" r:id="rId5"/>
+    <p:sldId id="293" r:id="rId6"/>
+    <p:sldId id="295" r:id="rId7"/>
+    <p:sldId id="296" r:id="rId8"/>
+    <p:sldId id="297" r:id="rId9"/>
     <p:sldId id="314" r:id="rId10"/>
     <p:sldId id="315" r:id="rId11"/>
     <p:sldId id="316" r:id="rId12"/>
     <p:sldId id="310" r:id="rId13"/>
     <p:sldId id="313" r:id="rId14"/>
     <p:sldId id="311" r:id="rId15"/>
-    <p:sldId id="317" r:id="rId16"/>
-    <p:sldId id="309" r:id="rId17"/>
-    <p:sldId id="305" r:id="rId18"/>
-    <p:sldId id="318" r:id="rId19"/>
-    <p:sldId id="291" r:id="rId20"/>
+    <p:sldId id="309" r:id="rId16"/>
+    <p:sldId id="321" r:id="rId17"/>
+    <p:sldId id="322" r:id="rId18"/>
+    <p:sldId id="323" r:id="rId19"/>
+    <p:sldId id="324" r:id="rId20"/>
+    <p:sldId id="305" r:id="rId21"/>
+    <p:sldId id="318" r:id="rId22"/>
+    <p:sldId id="291" r:id="rId23"/>
   </p:sldIdLst>
   <p:sldSz cx="9144000" cy="6858000" type="screen4x3"/>
   <p:notesSz cx="6858000" cy="9144000"/>
@@ -136,20 +139,23 @@
         <p14:section name="Слайды презентации" id="{9DA68CF4-FCCC-4662-ABE9-17A6572EE01D}">
           <p14:sldIdLst>
             <p14:sldId id="312"/>
+            <p14:sldId id="320"/>
             <p14:sldId id="292"/>
             <p14:sldId id="293"/>
             <p14:sldId id="295"/>
             <p14:sldId id="296"/>
             <p14:sldId id="297"/>
-            <p14:sldId id="294"/>
             <p14:sldId id="314"/>
             <p14:sldId id="315"/>
             <p14:sldId id="316"/>
             <p14:sldId id="310"/>
             <p14:sldId id="313"/>
             <p14:sldId id="311"/>
-            <p14:sldId id="317"/>
             <p14:sldId id="309"/>
+            <p14:sldId id="321"/>
+            <p14:sldId id="322"/>
+            <p14:sldId id="323"/>
+            <p14:sldId id="324"/>
             <p14:sldId id="305"/>
             <p14:sldId id="318"/>
           </p14:sldIdLst>
@@ -266,7 +272,7 @@
           <a:p>
             <a:fld id="{77D36C68-DDAB-4D09-8E72-8E937BD7768C}" type="datetimeFigureOut">
               <a:rPr lang="ru-RU" smtClean="0"/>
-              <a:t>08.04.2025</a:t>
+              <a:t>04.05.2025</a:t>
             </a:fld>
             <a:endParaRPr lang="ru-RU"/>
           </a:p>
@@ -1057,7 +1063,7 @@
     </p:spTree>
     <p:extLst>
       <p:ext uri="{BB962C8B-B14F-4D97-AF65-F5344CB8AC3E}">
-        <p14:creationId xmlns:p14="http://schemas.microsoft.com/office/powerpoint/2010/main" val="339187930"/>
+        <p14:creationId xmlns:p14="http://schemas.microsoft.com/office/powerpoint/2010/main" val="4003731246"/>
       </p:ext>
     </p:extLst>
   </p:cSld>
@@ -1146,7 +1152,7 @@
     </p:spTree>
     <p:extLst>
       <p:ext uri="{BB962C8B-B14F-4D97-AF65-F5344CB8AC3E}">
-        <p14:creationId xmlns:p14="http://schemas.microsoft.com/office/powerpoint/2010/main" val="4003731246"/>
+        <p14:creationId xmlns:p14="http://schemas.microsoft.com/office/powerpoint/2010/main" val="1733584425"/>
       </p:ext>
     </p:extLst>
   </p:cSld>
@@ -1235,7 +1241,7 @@
     </p:spTree>
     <p:extLst>
       <p:ext uri="{BB962C8B-B14F-4D97-AF65-F5344CB8AC3E}">
-        <p14:creationId xmlns:p14="http://schemas.microsoft.com/office/powerpoint/2010/main" val="2993430676"/>
+        <p14:creationId xmlns:p14="http://schemas.microsoft.com/office/powerpoint/2010/main" val="3805420622"/>
       </p:ext>
     </p:extLst>
   </p:cSld>
@@ -1250,13 +1256,7 @@
   <p:cSld>
     <p:spTree>
       <p:nvGrpSpPr>
-        <p:cNvPr id="1" name="">
-          <a:extLst>
-            <a:ext uri="{FF2B5EF4-FFF2-40B4-BE49-F238E27FC236}">
-              <a16:creationId xmlns:a16="http://schemas.microsoft.com/office/drawing/2014/main" id="{91FEC4A6-5AE7-CF65-5554-908E2E97D713}"/>
-            </a:ext>
-          </a:extLst>
-        </p:cNvPr>
+        <p:cNvPr id="1" name=""/>
         <p:cNvGrpSpPr/>
         <p:nvPr/>
       </p:nvGrpSpPr>
@@ -1270,13 +1270,7 @@
       </p:grpSpPr>
       <p:sp>
         <p:nvSpPr>
-          <p:cNvPr id="2" name="Образ слайда 1">
-            <a:extLst>
-              <a:ext uri="{FF2B5EF4-FFF2-40B4-BE49-F238E27FC236}">
-                <a16:creationId xmlns:a16="http://schemas.microsoft.com/office/drawing/2014/main" id="{A9C9D4C4-C501-CD6D-7148-5B7E10EF393C}"/>
-              </a:ext>
-            </a:extLst>
-          </p:cNvPr>
+          <p:cNvPr id="2" name="Образ слайда 1"/>
           <p:cNvSpPr>
             <a:spLocks noGrp="1" noRot="1" noChangeAspect="1"/>
           </p:cNvSpPr>
@@ -1293,13 +1287,7 @@
       </p:sp>
       <p:sp>
         <p:nvSpPr>
-          <p:cNvPr id="3" name="Заметки 2">
-            <a:extLst>
-              <a:ext uri="{FF2B5EF4-FFF2-40B4-BE49-F238E27FC236}">
-                <a16:creationId xmlns:a16="http://schemas.microsoft.com/office/drawing/2014/main" id="{F916FD8F-DBAB-1D42-82BF-D3689A9D3FA4}"/>
-              </a:ext>
-            </a:extLst>
-          </p:cNvPr>
+          <p:cNvPr id="3" name="Заметки 2"/>
           <p:cNvSpPr>
             <a:spLocks noGrp="1"/>
           </p:cNvSpPr>
@@ -1318,13 +1306,7 @@
       </p:sp>
       <p:sp>
         <p:nvSpPr>
-          <p:cNvPr id="4" name="Номер слайда 3">
-            <a:extLst>
-              <a:ext uri="{FF2B5EF4-FFF2-40B4-BE49-F238E27FC236}">
-                <a16:creationId xmlns:a16="http://schemas.microsoft.com/office/drawing/2014/main" id="{0DEB34AE-5C26-250E-4D16-8B671523256E}"/>
-              </a:ext>
-            </a:extLst>
-          </p:cNvPr>
+          <p:cNvPr id="4" name="Номер слайда 3"/>
           <p:cNvSpPr>
             <a:spLocks noGrp="1"/>
           </p:cNvSpPr>
@@ -1348,7 +1330,7 @@
     </p:spTree>
     <p:extLst>
       <p:ext uri="{BB962C8B-B14F-4D97-AF65-F5344CB8AC3E}">
-        <p14:creationId xmlns:p14="http://schemas.microsoft.com/office/powerpoint/2010/main" val="3194584015"/>
+        <p14:creationId xmlns:p14="http://schemas.microsoft.com/office/powerpoint/2010/main" val="924943452"/>
       </p:ext>
     </p:extLst>
   </p:cSld>
@@ -1437,7 +1419,96 @@
     </p:spTree>
     <p:extLst>
       <p:ext uri="{BB962C8B-B14F-4D97-AF65-F5344CB8AC3E}">
-        <p14:creationId xmlns:p14="http://schemas.microsoft.com/office/powerpoint/2010/main" val="937986612"/>
+        <p14:creationId xmlns:p14="http://schemas.microsoft.com/office/powerpoint/2010/main" val="2607166464"/>
+      </p:ext>
+    </p:extLst>
+  </p:cSld>
+  <p:clrMapOvr>
+    <a:masterClrMapping/>
+  </p:clrMapOvr>
+</p:notes>
+</file>
+
+<file path=ppt/notesSlides/notesSlide19.xml><?xml version="1.0" encoding="utf-8"?>
+<p:notes xmlns:a="http://schemas.openxmlformats.org/drawingml/2006/main" xmlns:r="http://schemas.openxmlformats.org/officeDocument/2006/relationships" xmlns:p="http://schemas.openxmlformats.org/presentationml/2006/main">
+  <p:cSld>
+    <p:spTree>
+      <p:nvGrpSpPr>
+        <p:cNvPr id="1" name=""/>
+        <p:cNvGrpSpPr/>
+        <p:nvPr/>
+      </p:nvGrpSpPr>
+      <p:grpSpPr>
+        <a:xfrm>
+          <a:off x="0" y="0"/>
+          <a:ext cx="0" cy="0"/>
+          <a:chOff x="0" y="0"/>
+          <a:chExt cx="0" cy="0"/>
+        </a:xfrm>
+      </p:grpSpPr>
+      <p:sp>
+        <p:nvSpPr>
+          <p:cNvPr id="2" name="Образ слайда 1"/>
+          <p:cNvSpPr>
+            <a:spLocks noGrp="1" noRot="1" noChangeAspect="1"/>
+          </p:cNvSpPr>
+          <p:nvPr>
+            <p:ph type="sldImg"/>
+          </p:nvPr>
+        </p:nvSpPr>
+        <p:spPr>
+          <a:xfrm>
+            <a:off x="1143000" y="685800"/>
+            <a:ext cx="4572000" cy="3429000"/>
+          </a:xfrm>
+        </p:spPr>
+      </p:sp>
+      <p:sp>
+        <p:nvSpPr>
+          <p:cNvPr id="3" name="Заметки 2"/>
+          <p:cNvSpPr>
+            <a:spLocks noGrp="1"/>
+          </p:cNvSpPr>
+          <p:nvPr>
+            <p:ph type="body" idx="1"/>
+          </p:nvPr>
+        </p:nvSpPr>
+        <p:spPr/>
+        <p:txBody>
+          <a:bodyPr/>
+          <a:lstStyle/>
+          <a:p>
+            <a:endParaRPr lang="ru-RU"/>
+          </a:p>
+        </p:txBody>
+      </p:sp>
+      <p:sp>
+        <p:nvSpPr>
+          <p:cNvPr id="4" name="Номер слайда 3"/>
+          <p:cNvSpPr>
+            <a:spLocks noGrp="1"/>
+          </p:cNvSpPr>
+          <p:nvPr>
+            <p:ph type="sldNum" sz="quarter" idx="10"/>
+          </p:nvPr>
+        </p:nvSpPr>
+        <p:spPr/>
+        <p:txBody>
+          <a:bodyPr/>
+          <a:lstStyle/>
+          <a:p>
+            <a:fld id="{0048289E-2F4B-4BDB-9E3D-307BE649A8BF}" type="slidenum">
+              <a:rPr lang="ru-RU" smtClean="0"/>
+              <a:t>20</a:t>
+            </a:fld>
+            <a:endParaRPr lang="ru-RU"/>
+          </a:p>
+        </p:txBody>
+      </p:sp>
+    </p:spTree>
+    <p:extLst>
+      <p:ext uri="{BB962C8B-B14F-4D97-AF65-F5344CB8AC3E}">
+        <p14:creationId xmlns:p14="http://schemas.microsoft.com/office/powerpoint/2010/main" val="2993430676"/>
       </p:ext>
     </p:extLst>
   </p:cSld>
@@ -1526,7 +1597,209 @@
     </p:spTree>
     <p:extLst>
       <p:ext uri="{BB962C8B-B14F-4D97-AF65-F5344CB8AC3E}">
-        <p14:creationId xmlns:p14="http://schemas.microsoft.com/office/powerpoint/2010/main" val="843510554"/>
+        <p14:creationId xmlns:p14="http://schemas.microsoft.com/office/powerpoint/2010/main" val="1941154791"/>
+      </p:ext>
+    </p:extLst>
+  </p:cSld>
+  <p:clrMapOvr>
+    <a:masterClrMapping/>
+  </p:clrMapOvr>
+</p:notes>
+</file>
+
+<file path=ppt/notesSlides/notesSlide20.xml><?xml version="1.0" encoding="utf-8"?>
+<p:notes xmlns:a="http://schemas.openxmlformats.org/drawingml/2006/main" xmlns:r="http://schemas.openxmlformats.org/officeDocument/2006/relationships" xmlns:p="http://schemas.openxmlformats.org/presentationml/2006/main">
+  <p:cSld>
+    <p:spTree>
+      <p:nvGrpSpPr>
+        <p:cNvPr id="1" name="">
+          <a:extLst>
+            <a:ext uri="{FF2B5EF4-FFF2-40B4-BE49-F238E27FC236}">
+              <a16:creationId xmlns:a16="http://schemas.microsoft.com/office/drawing/2014/main" id="{91FEC4A6-5AE7-CF65-5554-908E2E97D713}"/>
+            </a:ext>
+          </a:extLst>
+        </p:cNvPr>
+        <p:cNvGrpSpPr/>
+        <p:nvPr/>
+      </p:nvGrpSpPr>
+      <p:grpSpPr>
+        <a:xfrm>
+          <a:off x="0" y="0"/>
+          <a:ext cx="0" cy="0"/>
+          <a:chOff x="0" y="0"/>
+          <a:chExt cx="0" cy="0"/>
+        </a:xfrm>
+      </p:grpSpPr>
+      <p:sp>
+        <p:nvSpPr>
+          <p:cNvPr id="2" name="Образ слайда 1">
+            <a:extLst>
+              <a:ext uri="{FF2B5EF4-FFF2-40B4-BE49-F238E27FC236}">
+                <a16:creationId xmlns:a16="http://schemas.microsoft.com/office/drawing/2014/main" id="{A9C9D4C4-C501-CD6D-7148-5B7E10EF393C}"/>
+              </a:ext>
+            </a:extLst>
+          </p:cNvPr>
+          <p:cNvSpPr>
+            <a:spLocks noGrp="1" noRot="1" noChangeAspect="1"/>
+          </p:cNvSpPr>
+          <p:nvPr>
+            <p:ph type="sldImg"/>
+          </p:nvPr>
+        </p:nvSpPr>
+        <p:spPr>
+          <a:xfrm>
+            <a:off x="1143000" y="685800"/>
+            <a:ext cx="4572000" cy="3429000"/>
+          </a:xfrm>
+        </p:spPr>
+      </p:sp>
+      <p:sp>
+        <p:nvSpPr>
+          <p:cNvPr id="3" name="Заметки 2">
+            <a:extLst>
+              <a:ext uri="{FF2B5EF4-FFF2-40B4-BE49-F238E27FC236}">
+                <a16:creationId xmlns:a16="http://schemas.microsoft.com/office/drawing/2014/main" id="{F916FD8F-DBAB-1D42-82BF-D3689A9D3FA4}"/>
+              </a:ext>
+            </a:extLst>
+          </p:cNvPr>
+          <p:cNvSpPr>
+            <a:spLocks noGrp="1"/>
+          </p:cNvSpPr>
+          <p:nvPr>
+            <p:ph type="body" idx="1"/>
+          </p:nvPr>
+        </p:nvSpPr>
+        <p:spPr/>
+        <p:txBody>
+          <a:bodyPr/>
+          <a:lstStyle/>
+          <a:p>
+            <a:endParaRPr lang="ru-RU"/>
+          </a:p>
+        </p:txBody>
+      </p:sp>
+      <p:sp>
+        <p:nvSpPr>
+          <p:cNvPr id="4" name="Номер слайда 3">
+            <a:extLst>
+              <a:ext uri="{FF2B5EF4-FFF2-40B4-BE49-F238E27FC236}">
+                <a16:creationId xmlns:a16="http://schemas.microsoft.com/office/drawing/2014/main" id="{0DEB34AE-5C26-250E-4D16-8B671523256E}"/>
+              </a:ext>
+            </a:extLst>
+          </p:cNvPr>
+          <p:cNvSpPr>
+            <a:spLocks noGrp="1"/>
+          </p:cNvSpPr>
+          <p:nvPr>
+            <p:ph type="sldNum" sz="quarter" idx="10"/>
+          </p:nvPr>
+        </p:nvSpPr>
+        <p:spPr/>
+        <p:txBody>
+          <a:bodyPr/>
+          <a:lstStyle/>
+          <a:p>
+            <a:fld id="{0048289E-2F4B-4BDB-9E3D-307BE649A8BF}" type="slidenum">
+              <a:rPr lang="ru-RU" smtClean="0"/>
+              <a:t>21</a:t>
+            </a:fld>
+            <a:endParaRPr lang="ru-RU"/>
+          </a:p>
+        </p:txBody>
+      </p:sp>
+    </p:spTree>
+    <p:extLst>
+      <p:ext uri="{BB962C8B-B14F-4D97-AF65-F5344CB8AC3E}">
+        <p14:creationId xmlns:p14="http://schemas.microsoft.com/office/powerpoint/2010/main" val="3194584015"/>
+      </p:ext>
+    </p:extLst>
+  </p:cSld>
+  <p:clrMapOvr>
+    <a:masterClrMapping/>
+  </p:clrMapOvr>
+</p:notes>
+</file>
+
+<file path=ppt/notesSlides/notesSlide21.xml><?xml version="1.0" encoding="utf-8"?>
+<p:notes xmlns:a="http://schemas.openxmlformats.org/drawingml/2006/main" xmlns:r="http://schemas.openxmlformats.org/officeDocument/2006/relationships" xmlns:p="http://schemas.openxmlformats.org/presentationml/2006/main">
+  <p:cSld>
+    <p:spTree>
+      <p:nvGrpSpPr>
+        <p:cNvPr id="1" name=""/>
+        <p:cNvGrpSpPr/>
+        <p:nvPr/>
+      </p:nvGrpSpPr>
+      <p:grpSpPr>
+        <a:xfrm>
+          <a:off x="0" y="0"/>
+          <a:ext cx="0" cy="0"/>
+          <a:chOff x="0" y="0"/>
+          <a:chExt cx="0" cy="0"/>
+        </a:xfrm>
+      </p:grpSpPr>
+      <p:sp>
+        <p:nvSpPr>
+          <p:cNvPr id="2" name="Образ слайда 1"/>
+          <p:cNvSpPr>
+            <a:spLocks noGrp="1" noRot="1" noChangeAspect="1"/>
+          </p:cNvSpPr>
+          <p:nvPr>
+            <p:ph type="sldImg"/>
+          </p:nvPr>
+        </p:nvSpPr>
+        <p:spPr>
+          <a:xfrm>
+            <a:off x="1143000" y="685800"/>
+            <a:ext cx="4572000" cy="3429000"/>
+          </a:xfrm>
+        </p:spPr>
+      </p:sp>
+      <p:sp>
+        <p:nvSpPr>
+          <p:cNvPr id="3" name="Заметки 2"/>
+          <p:cNvSpPr>
+            <a:spLocks noGrp="1"/>
+          </p:cNvSpPr>
+          <p:nvPr>
+            <p:ph type="body" idx="1"/>
+          </p:nvPr>
+        </p:nvSpPr>
+        <p:spPr/>
+        <p:txBody>
+          <a:bodyPr/>
+          <a:lstStyle/>
+          <a:p>
+            <a:endParaRPr lang="ru-RU"/>
+          </a:p>
+        </p:txBody>
+      </p:sp>
+      <p:sp>
+        <p:nvSpPr>
+          <p:cNvPr id="4" name="Номер слайда 3"/>
+          <p:cNvSpPr>
+            <a:spLocks noGrp="1"/>
+          </p:cNvSpPr>
+          <p:nvPr>
+            <p:ph type="sldNum" sz="quarter" idx="10"/>
+          </p:nvPr>
+        </p:nvSpPr>
+        <p:spPr/>
+        <p:txBody>
+          <a:bodyPr/>
+          <a:lstStyle/>
+          <a:p>
+            <a:fld id="{0048289E-2F4B-4BDB-9E3D-307BE649A8BF}" type="slidenum">
+              <a:rPr lang="ru-RU" smtClean="0"/>
+              <a:t>22</a:t>
+            </a:fld>
+            <a:endParaRPr lang="ru-RU"/>
+          </a:p>
+        </p:txBody>
+      </p:sp>
+    </p:spTree>
+    <p:extLst>
+      <p:ext uri="{BB962C8B-B14F-4D97-AF65-F5344CB8AC3E}">
+        <p14:creationId xmlns:p14="http://schemas.microsoft.com/office/powerpoint/2010/main" val="937986612"/>
       </p:ext>
     </p:extLst>
   </p:cSld>
@@ -1615,7 +1888,7 @@
     </p:spTree>
     <p:extLst>
       <p:ext uri="{BB962C8B-B14F-4D97-AF65-F5344CB8AC3E}">
-        <p14:creationId xmlns:p14="http://schemas.microsoft.com/office/powerpoint/2010/main" val="3321723246"/>
+        <p14:creationId xmlns:p14="http://schemas.microsoft.com/office/powerpoint/2010/main" val="843510554"/>
       </p:ext>
     </p:extLst>
   </p:cSld>
@@ -1704,7 +1977,7 @@
     </p:spTree>
     <p:extLst>
       <p:ext uri="{BB962C8B-B14F-4D97-AF65-F5344CB8AC3E}">
-        <p14:creationId xmlns:p14="http://schemas.microsoft.com/office/powerpoint/2010/main" val="3570983433"/>
+        <p14:creationId xmlns:p14="http://schemas.microsoft.com/office/powerpoint/2010/main" val="3321723246"/>
       </p:ext>
     </p:extLst>
   </p:cSld>
@@ -1793,7 +2066,7 @@
     </p:spTree>
     <p:extLst>
       <p:ext uri="{BB962C8B-B14F-4D97-AF65-F5344CB8AC3E}">
-        <p14:creationId xmlns:p14="http://schemas.microsoft.com/office/powerpoint/2010/main" val="1910497151"/>
+        <p14:creationId xmlns:p14="http://schemas.microsoft.com/office/powerpoint/2010/main" val="3570983433"/>
       </p:ext>
     </p:extLst>
   </p:cSld>
@@ -1882,7 +2155,7 @@
     </p:spTree>
     <p:extLst>
       <p:ext uri="{BB962C8B-B14F-4D97-AF65-F5344CB8AC3E}">
-        <p14:creationId xmlns:p14="http://schemas.microsoft.com/office/powerpoint/2010/main" val="3534952031"/>
+        <p14:creationId xmlns:p14="http://schemas.microsoft.com/office/powerpoint/2010/main" val="1910497151"/>
       </p:ext>
     </p:extLst>
   </p:cSld>
@@ -1971,7 +2244,7 @@
     </p:spTree>
     <p:extLst>
       <p:ext uri="{BB962C8B-B14F-4D97-AF65-F5344CB8AC3E}">
-        <p14:creationId xmlns:p14="http://schemas.microsoft.com/office/powerpoint/2010/main" val="540046742"/>
+        <p14:creationId xmlns:p14="http://schemas.microsoft.com/office/powerpoint/2010/main" val="3534952031"/>
       </p:ext>
     </p:extLst>
   </p:cSld>
@@ -2290,7 +2563,7 @@
           <a:p>
             <a:fld id="{0CD2006A-6BE7-43E8-8AD6-C09FC266B36F}" type="datetime1">
               <a:rPr lang="ru-RU" smtClean="0"/>
-              <a:t>08.04.2025</a:t>
+              <a:t>04.05.2025</a:t>
             </a:fld>
             <a:endParaRPr lang="ru-RU"/>
           </a:p>
@@ -2460,7 +2733,7 @@
           <a:p>
             <a:fld id="{DCFD85EE-4AB9-42CD-8126-E74FE77A9ED8}" type="datetime1">
               <a:rPr lang="ru-RU" smtClean="0"/>
-              <a:t>08.04.2025</a:t>
+              <a:t>04.05.2025</a:t>
             </a:fld>
             <a:endParaRPr lang="ru-RU"/>
           </a:p>
@@ -2640,7 +2913,7 @@
           <a:p>
             <a:fld id="{560B916C-83BE-4CC1-8A21-D05CD30C43DB}" type="datetime1">
               <a:rPr lang="ru-RU" smtClean="0"/>
-              <a:t>08.04.2025</a:t>
+              <a:t>04.05.2025</a:t>
             </a:fld>
             <a:endParaRPr lang="ru-RU"/>
           </a:p>
@@ -2810,7 +3083,7 @@
           <a:p>
             <a:fld id="{D2E13183-B2A1-4784-80CE-65A33D52CB0B}" type="datetime1">
               <a:rPr lang="ru-RU" smtClean="0"/>
-              <a:t>08.04.2025</a:t>
+              <a:t>04.05.2025</a:t>
             </a:fld>
             <a:endParaRPr lang="ru-RU"/>
           </a:p>
@@ -3056,7 +3329,7 @@
           <a:p>
             <a:fld id="{DEA388E9-D2C3-4436-BFEE-5F0C2E0896FE}" type="datetime1">
               <a:rPr lang="ru-RU" smtClean="0"/>
-              <a:t>08.04.2025</a:t>
+              <a:t>04.05.2025</a:t>
             </a:fld>
             <a:endParaRPr lang="ru-RU"/>
           </a:p>
@@ -3288,7 +3561,7 @@
           <a:p>
             <a:fld id="{13A15BC7-66CE-44BA-84C4-ADF5D358A8E5}" type="datetime1">
               <a:rPr lang="ru-RU" smtClean="0"/>
-              <a:t>08.04.2025</a:t>
+              <a:t>04.05.2025</a:t>
             </a:fld>
             <a:endParaRPr lang="ru-RU"/>
           </a:p>
@@ -3655,7 +3928,7 @@
           <a:p>
             <a:fld id="{8C55F641-8A7B-48BB-9924-29525D09D843}" type="datetime1">
               <a:rPr lang="ru-RU" smtClean="0"/>
-              <a:t>08.04.2025</a:t>
+              <a:t>04.05.2025</a:t>
             </a:fld>
             <a:endParaRPr lang="ru-RU"/>
           </a:p>
@@ -3773,7 +4046,7 @@
           <a:p>
             <a:fld id="{28C4CC1A-CDB1-4CBC-83A8-3EB958439194}" type="datetime1">
               <a:rPr lang="ru-RU" smtClean="0"/>
-              <a:t>08.04.2025</a:t>
+              <a:t>04.05.2025</a:t>
             </a:fld>
             <a:endParaRPr lang="ru-RU"/>
           </a:p>
@@ -3901,7 +4174,7 @@
           <a:p>
             <a:fld id="{DCA5C5F1-78C0-4305-B0EC-8CEF047F6C93}" type="datetime1">
               <a:rPr lang="ru-RU" smtClean="0"/>
-              <a:t>08.04.2025</a:t>
+              <a:t>04.05.2025</a:t>
             </a:fld>
             <a:endParaRPr lang="ru-RU"/>
           </a:p>
@@ -4178,7 +4451,7 @@
           <a:p>
             <a:fld id="{8FF670FB-17C0-4434-90C8-A4668EF13565}" type="datetime1">
               <a:rPr lang="ru-RU" smtClean="0"/>
-              <a:t>08.04.2025</a:t>
+              <a:t>04.05.2025</a:t>
             </a:fld>
             <a:endParaRPr lang="ru-RU"/>
           </a:p>
@@ -4435,7 +4708,7 @@
           <a:p>
             <a:fld id="{5FA5D1FD-3FC4-47EA-B2EB-FF46800F6009}" type="datetime1">
               <a:rPr lang="ru-RU" smtClean="0"/>
-              <a:t>08.04.2025</a:t>
+              <a:t>04.05.2025</a:t>
             </a:fld>
             <a:endParaRPr lang="ru-RU"/>
           </a:p>
@@ -4651,7 +4924,7 @@
           <a:p>
             <a:fld id="{6C109404-ED28-47FE-9DC5-C6BCEA110D1D}" type="datetime1">
               <a:rPr lang="ru-RU" smtClean="0"/>
-              <a:t>08.04.2025</a:t>
+              <a:t>04.05.2025</a:t>
             </a:fld>
             <a:endParaRPr lang="ru-RU"/>
           </a:p>
@@ -5473,7 +5746,7 @@
                 </a:solidFill>
                 <a:latin typeface="Elektra Text Pro"/>
               </a:rPr>
-              <a:t>Гордеева А.А.</a:t>
+              <a:t>Гордеева О.А.</a:t>
             </a:r>
           </a:p>
         </p:txBody>
@@ -6116,7 +6389,7 @@
                 <a:latin typeface="Elektra Text Pro"/>
                 <a:cs typeface="Arial" pitchFamily="34" charset="0"/>
               </a:rPr>
-              <a:t>ОБРАБОТКА ДАННЫХ</a:t>
+              <a:t>ПОДГОТОВКА ДАННЫХ</a:t>
             </a:r>
           </a:p>
         </p:txBody>
@@ -6129,8 +6402,8 @@
         </p:nvSpPr>
         <p:spPr>
           <a:xfrm>
-            <a:off x="8172400" y="6165306"/>
-            <a:ext cx="700277" cy="646331"/>
+            <a:off x="8100392" y="6165306"/>
+            <a:ext cx="772285" cy="369332"/>
           </a:xfrm>
           <a:prstGeom prst="rect">
             <a:avLst/>
@@ -6155,7 +6428,7 @@
             </a:r>
             <a:r>
               <a:rPr lang="en-US" dirty="0"/>
-              <a:t>19</a:t>
+              <a:t>22</a:t>
             </a:r>
             <a:endParaRPr lang="ru-RU" dirty="0"/>
           </a:p>
@@ -6240,56 +6513,95 @@
         <p:spPr>
           <a:xfrm>
             <a:off x="276080" y="1197335"/>
-            <a:ext cx="8639999" cy="1727609"/>
+            <a:ext cx="8639999" cy="2698392"/>
           </a:xfrm>
         </p:spPr>
         <p:txBody>
           <a:bodyPr>
-            <a:normAutofit/>
+            <a:normAutofit lnSpcReduction="10000"/>
           </a:bodyPr>
           <a:lstStyle/>
           <a:p>
-            <a:pPr marL="457200" indent="-457200" algn="l">
-              <a:buAutoNum type="arabicPeriod"/>
+            <a:pPr marL="0" indent="0" algn="l">
+              <a:buNone/>
             </a:pPr>
             <a:r>
               <a:rPr lang="ru-RU" sz="2100" dirty="0">
                 <a:latin typeface="Elektra Text Pro" panose="02000503030000020004"/>
               </a:rPr>
-              <a:t>Очистка данных ;</a:t>
-            </a:r>
-          </a:p>
-          <a:p>
-            <a:pPr marL="457200" indent="-457200" algn="l">
-              <a:buAutoNum type="arabicPeriod"/>
-            </a:pPr>
+              <a:t>1. Очистка данных:</a:t>
+            </a:r>
+          </a:p>
+          <a:p>
+            <a:pPr marL="717550" indent="-265113"/>
             <a:r>
               <a:rPr lang="ru-RU" sz="2100" dirty="0">
                 <a:latin typeface="Elektra Text Pro" panose="02000503030000020004"/>
               </a:rPr>
-              <a:t>Преобразование категориальных признаков;</a:t>
-            </a:r>
-          </a:p>
-          <a:p>
-            <a:pPr marL="457200" indent="-457200" algn="l">
-              <a:buAutoNum type="arabicPeriod"/>
-            </a:pPr>
+              <a:t>изначальная выборка – 22994 объекта;</a:t>
+            </a:r>
+          </a:p>
+          <a:p>
+            <a:pPr marL="717550" indent="-265113"/>
             <a:r>
               <a:rPr lang="ru-RU" sz="2100" dirty="0">
                 <a:latin typeface="Elektra Text Pro" panose="02000503030000020004"/>
               </a:rPr>
-              <a:t>Анализ значимости признаков;</a:t>
-            </a:r>
-          </a:p>
-          <a:p>
-            <a:pPr marL="457200" indent="-457200" algn="l">
-              <a:buAutoNum type="arabicPeriod"/>
-            </a:pPr>
+              <a:t>после удаления дубликатов – 18996 объектов;</a:t>
+            </a:r>
+          </a:p>
+          <a:p>
+            <a:pPr marL="717550" indent="-265113"/>
             <a:r>
               <a:rPr lang="ru-RU" sz="2100" dirty="0">
                 <a:latin typeface="Elektra Text Pro" panose="02000503030000020004"/>
               </a:rPr>
-              <a:t>Разбиение на обучающую и тестовую выборки.</a:t>
+              <a:t>после удаления выбросов – </a:t>
+            </a:r>
+            <a:r>
+              <a:rPr lang="en-US" sz="2100" dirty="0">
+                <a:latin typeface="Elektra Text Pro" panose="02000503030000020004"/>
+              </a:rPr>
+              <a:t>17082 </a:t>
+            </a:r>
+            <a:r>
+              <a:rPr lang="ru-RU" sz="2100" dirty="0">
+                <a:latin typeface="Elektra Text Pro" panose="02000503030000020004"/>
+              </a:rPr>
+              <a:t>объекта.</a:t>
+            </a:r>
+          </a:p>
+          <a:p>
+            <a:pPr marL="0" indent="0" algn="l">
+              <a:buNone/>
+            </a:pPr>
+            <a:r>
+              <a:rPr lang="ru-RU" sz="2100" dirty="0">
+                <a:latin typeface="Elektra Text Pro" panose="02000503030000020004"/>
+              </a:rPr>
+              <a:t>2. Преобразование категориальных признаков;</a:t>
+            </a:r>
+          </a:p>
+          <a:p>
+            <a:pPr marL="0" indent="0" algn="l">
+              <a:buNone/>
+            </a:pPr>
+            <a:r>
+              <a:rPr lang="ru-RU" sz="2100" dirty="0">
+                <a:latin typeface="Elektra Text Pro" panose="02000503030000020004"/>
+              </a:rPr>
+              <a:t>3. Анализ значимости признаков;</a:t>
+            </a:r>
+          </a:p>
+          <a:p>
+            <a:pPr marL="0" indent="0" algn="l">
+              <a:buNone/>
+            </a:pPr>
+            <a:r>
+              <a:rPr lang="ru-RU" sz="2100" dirty="0">
+                <a:latin typeface="Elektra Text Pro" panose="02000503030000020004"/>
+              </a:rPr>
+              <a:t>4. Разбиение на обучающую и тестовую выборки (соотношение 80/20).</a:t>
             </a:r>
           </a:p>
           <a:p>
@@ -6324,7 +6636,7 @@
         </p:blipFill>
         <p:spPr>
           <a:xfrm>
-            <a:off x="251519" y="3335171"/>
+            <a:off x="251519" y="3994384"/>
             <a:ext cx="8784016" cy="1792160"/>
           </a:xfrm>
           <a:prstGeom prst="rect">
@@ -6478,7 +6790,7 @@
                 <a:latin typeface="Elektra Text Pro"/>
                 <a:cs typeface="Arial" pitchFamily="34" charset="0"/>
               </a:rPr>
-              <a:t>ОБРАБОТКА ДАННЫХ</a:t>
+              <a:t>ДАННЫЕ ПОСЛЕ ОБРАБОТКИ</a:t>
             </a:r>
           </a:p>
         </p:txBody>
@@ -6491,8 +6803,8 @@
         </p:nvSpPr>
         <p:spPr>
           <a:xfrm>
-            <a:off x="8172400" y="6165306"/>
-            <a:ext cx="700277" cy="646331"/>
+            <a:off x="8028384" y="6165306"/>
+            <a:ext cx="844293" cy="369332"/>
           </a:xfrm>
           <a:prstGeom prst="rect">
             <a:avLst/>
@@ -6517,7 +6829,7 @@
             </a:r>
             <a:r>
               <a:rPr lang="en-US" dirty="0"/>
-              <a:t>19</a:t>
+              <a:t>22</a:t>
             </a:r>
             <a:endParaRPr lang="ru-RU" dirty="0"/>
           </a:p>
@@ -6936,8 +7248,8 @@
         </p:nvSpPr>
         <p:spPr>
           <a:xfrm>
-            <a:off x="8172400" y="6165306"/>
-            <a:ext cx="700277" cy="646331"/>
+            <a:off x="7956376" y="6165306"/>
+            <a:ext cx="916301" cy="369332"/>
           </a:xfrm>
           <a:prstGeom prst="rect">
             <a:avLst/>
@@ -6962,7 +7274,7 @@
             </a:r>
             <a:r>
               <a:rPr lang="en-US" dirty="0"/>
-              <a:t>19</a:t>
+              <a:t>22</a:t>
             </a:r>
             <a:endParaRPr lang="ru-RU" dirty="0"/>
           </a:p>
@@ -7420,7 +7732,7 @@
             </a:r>
             <a:r>
               <a:rPr lang="en-US" dirty="0"/>
-              <a:t>19</a:t>
+              <a:t>22</a:t>
             </a:r>
             <a:endParaRPr lang="ru-RU" dirty="0"/>
           </a:p>
@@ -7731,7 +8043,7 @@
             </a:r>
             <a:r>
               <a:rPr lang="en-US" dirty="0"/>
-              <a:t>19</a:t>
+              <a:t>22</a:t>
             </a:r>
             <a:endParaRPr lang="ru-RU" dirty="0"/>
           </a:p>
@@ -8100,7 +8412,7 @@
                 <a:latin typeface="Elektra Text Pro"/>
                 <a:cs typeface="Arial" pitchFamily="34" charset="0"/>
               </a:rPr>
-              <a:t>ОЦЕНКА ТОЧНОСТИ АЛГОРИТМОВ</a:t>
+              <a:t>РЕЗУЛЬТАТЫ ОЦЕНКИ</a:t>
             </a:r>
           </a:p>
         </p:txBody>
@@ -8113,8 +8425,8 @@
         </p:nvSpPr>
         <p:spPr>
           <a:xfrm>
-            <a:off x="8028384" y="6165306"/>
-            <a:ext cx="844293" cy="369332"/>
+            <a:off x="8100393" y="6165306"/>
+            <a:ext cx="791128" cy="369332"/>
           </a:xfrm>
           <a:prstGeom prst="rect">
             <a:avLst/>
@@ -8135,13 +8447,8 @@
             </a:fld>
             <a:r>
               <a:rPr lang="ru-RU" dirty="0"/>
-              <a:t>/</a:t>
-            </a:r>
-            <a:r>
-              <a:rPr lang="en-US" dirty="0"/>
-              <a:t>19</a:t>
-            </a:r>
-            <a:endParaRPr lang="ru-RU" dirty="0"/>
+              <a:t>/22</a:t>
+            </a:r>
           </a:p>
         </p:txBody>
       </p:sp>
@@ -8205,49 +8512,12 @@
           </a:p>
         </p:txBody>
       </p:sp>
-      <p:sp>
-        <p:nvSpPr>
-          <p:cNvPr id="4" name="TextBox 3">
+      <p:pic>
+        <p:nvPicPr>
+          <p:cNvPr id="4" name="Рисунок 3">
             <a:extLst>
               <a:ext uri="{FF2B5EF4-FFF2-40B4-BE49-F238E27FC236}">
-                <a16:creationId xmlns:a16="http://schemas.microsoft.com/office/drawing/2014/main" id="{4DECB4EF-B5E6-A6EF-FA56-6605CBE28E8C}"/>
-              </a:ext>
-            </a:extLst>
-          </p:cNvPr>
-          <p:cNvSpPr txBox="1"/>
-          <p:nvPr/>
-        </p:nvSpPr>
-        <p:spPr>
-          <a:xfrm>
-            <a:off x="585457" y="1293763"/>
-            <a:ext cx="7973085" cy="646331"/>
-          </a:xfrm>
-          <a:prstGeom prst="rect">
-            <a:avLst/>
-          </a:prstGeom>
-          <a:noFill/>
-        </p:spPr>
-        <p:txBody>
-          <a:bodyPr wrap="square" rtlCol="0">
-            <a:spAutoFit/>
-          </a:bodyPr>
-          <a:lstStyle/>
-          <a:p>
-            <a:r>
-              <a:rPr lang="ru-RU" dirty="0">
-                <a:latin typeface="Elektra Text Pro" panose="02000503030000020004"/>
-              </a:rPr>
-              <a:t>Для определения точности прогнозирования стоимости автомобиля использовались следующие метрики:</a:t>
-            </a:r>
-          </a:p>
-        </p:txBody>
-      </p:sp>
-      <p:pic>
-        <p:nvPicPr>
-          <p:cNvPr id="5" name="Рисунок 4">
-            <a:extLst>
-              <a:ext uri="{FF2B5EF4-FFF2-40B4-BE49-F238E27FC236}">
-                <a16:creationId xmlns:a16="http://schemas.microsoft.com/office/drawing/2014/main" id="{D2BB6FAF-0D42-4785-A084-7114FA5C5CCE}"/>
+                <a16:creationId xmlns:a16="http://schemas.microsoft.com/office/drawing/2014/main" id="{B3D88659-B858-468B-B803-4CD3A7481B23}"/>
               </a:ext>
             </a:extLst>
           </p:cNvPr>
@@ -8264,98 +8534,8 @@
         </p:blipFill>
         <p:spPr>
           <a:xfrm>
-            <a:off x="585457" y="2157527"/>
-            <a:ext cx="1971950" cy="724001"/>
-          </a:xfrm>
-          <a:prstGeom prst="rect">
-            <a:avLst/>
-          </a:prstGeom>
-        </p:spPr>
-      </p:pic>
-      <p:pic>
-        <p:nvPicPr>
-          <p:cNvPr id="13" name="Рисунок 12">
-            <a:extLst>
-              <a:ext uri="{FF2B5EF4-FFF2-40B4-BE49-F238E27FC236}">
-                <a16:creationId xmlns:a16="http://schemas.microsoft.com/office/drawing/2014/main" id="{83E14580-36E8-4C3E-9ECB-6A339AD11A3E}"/>
-              </a:ext>
-            </a:extLst>
-          </p:cNvPr>
-          <p:cNvPicPr>
-            <a:picLocks noChangeAspect="1"/>
-          </p:cNvPicPr>
-          <p:nvPr/>
-        </p:nvPicPr>
-        <p:blipFill>
-          <a:blip r:embed="rId4"/>
-          <a:stretch>
-            <a:fillRect/>
-          </a:stretch>
-        </p:blipFill>
-        <p:spPr>
-          <a:xfrm>
-            <a:off x="3059832" y="2124184"/>
-            <a:ext cx="2172003" cy="790685"/>
-          </a:xfrm>
-          <a:prstGeom prst="rect">
-            <a:avLst/>
-          </a:prstGeom>
-        </p:spPr>
-      </p:pic>
-      <p:pic>
-        <p:nvPicPr>
-          <p:cNvPr id="15" name="Рисунок 14">
-            <a:extLst>
-              <a:ext uri="{FF2B5EF4-FFF2-40B4-BE49-F238E27FC236}">
-                <a16:creationId xmlns:a16="http://schemas.microsoft.com/office/drawing/2014/main" id="{F52EB39C-5C8F-468C-AE6A-9F073BF050F6}"/>
-              </a:ext>
-            </a:extLst>
-          </p:cNvPr>
-          <p:cNvPicPr>
-            <a:picLocks noChangeAspect="1"/>
-          </p:cNvPicPr>
-          <p:nvPr/>
-        </p:nvPicPr>
-        <p:blipFill>
-          <a:blip r:embed="rId5"/>
-          <a:stretch>
-            <a:fillRect/>
-          </a:stretch>
-        </p:blipFill>
-        <p:spPr>
-          <a:xfrm>
-            <a:off x="5734260" y="2199324"/>
-            <a:ext cx="2524477" cy="743054"/>
-          </a:xfrm>
-          <a:prstGeom prst="rect">
-            <a:avLst/>
-          </a:prstGeom>
-        </p:spPr>
-      </p:pic>
-      <p:pic>
-        <p:nvPicPr>
-          <p:cNvPr id="17" name="Рисунок 16">
-            <a:extLst>
-              <a:ext uri="{FF2B5EF4-FFF2-40B4-BE49-F238E27FC236}">
-                <a16:creationId xmlns:a16="http://schemas.microsoft.com/office/drawing/2014/main" id="{083AB794-5597-45B7-B1A7-3170CD79ABA3}"/>
-              </a:ext>
-            </a:extLst>
-          </p:cNvPr>
-          <p:cNvPicPr>
-            <a:picLocks noChangeAspect="1"/>
-          </p:cNvPicPr>
-          <p:nvPr/>
-        </p:nvPicPr>
-        <p:blipFill>
-          <a:blip r:embed="rId6"/>
-          <a:stretch>
-            <a:fillRect/>
-          </a:stretch>
-        </p:blipFill>
-        <p:spPr>
-          <a:xfrm>
-            <a:off x="585457" y="3450852"/>
-            <a:ext cx="3591426" cy="1467055"/>
+            <a:off x="672047" y="1957320"/>
+            <a:ext cx="7799905" cy="2943360"/>
           </a:xfrm>
           <a:prstGeom prst="rect">
             <a:avLst/>
@@ -8365,7 +8545,7 @@
     </p:spTree>
     <p:extLst>
       <p:ext uri="{BB962C8B-B14F-4D97-AF65-F5344CB8AC3E}">
-        <p14:creationId xmlns:p14="http://schemas.microsoft.com/office/powerpoint/2010/main" val="681397812"/>
+        <p14:creationId xmlns:p14="http://schemas.microsoft.com/office/powerpoint/2010/main" val="2602512621"/>
       </p:ext>
     </p:extLst>
   </p:cSld>
@@ -8508,7 +8688,7 @@
                 <a:latin typeface="Elektra Text Pro"/>
                 <a:cs typeface="Arial" pitchFamily="34" charset="0"/>
               </a:rPr>
-              <a:t>РЕЗУЛЬТАТЫ ОЦЕНКИ</a:t>
+              <a:t>ОШИБКИ СИСТЕМЫ</a:t>
             </a:r>
           </a:p>
         </p:txBody>
@@ -8543,7 +8723,7 @@
             </a:fld>
             <a:r>
               <a:rPr lang="ru-RU" dirty="0"/>
-              <a:t>/19</a:t>
+              <a:t>/22</a:t>
             </a:r>
           </a:p>
         </p:txBody>
@@ -8608,12 +8788,47 @@
           </a:p>
         </p:txBody>
       </p:sp>
+      <p:sp>
+        <p:nvSpPr>
+          <p:cNvPr id="3" name="TextBox 2">
+            <a:extLst>
+              <a:ext uri="{FF2B5EF4-FFF2-40B4-BE49-F238E27FC236}">
+                <a16:creationId xmlns:a16="http://schemas.microsoft.com/office/drawing/2014/main" id="{3D5C646E-6034-41B1-BE54-88C038B83991}"/>
+              </a:ext>
+            </a:extLst>
+          </p:cNvPr>
+          <p:cNvSpPr txBox="1"/>
+          <p:nvPr/>
+        </p:nvSpPr>
+        <p:spPr>
+          <a:xfrm>
+            <a:off x="277018" y="1471314"/>
+            <a:ext cx="8853722" cy="400110"/>
+          </a:xfrm>
+          <a:prstGeom prst="rect">
+            <a:avLst/>
+          </a:prstGeom>
+          <a:noFill/>
+        </p:spPr>
+        <p:txBody>
+          <a:bodyPr wrap="square" rtlCol="0">
+            <a:spAutoFit/>
+          </a:bodyPr>
+          <a:lstStyle/>
+          <a:p>
+            <a:r>
+              <a:rPr lang="ru-RU" sz="2000" dirty="0"/>
+              <a:t>Наибольшие ошибки – у эксклюзивных и премиальных автомобилей:</a:t>
+            </a:r>
+          </a:p>
+        </p:txBody>
+      </p:sp>
       <p:pic>
         <p:nvPicPr>
-          <p:cNvPr id="4" name="Рисунок 3">
+          <p:cNvPr id="7" name="Рисунок 6">
             <a:extLst>
               <a:ext uri="{FF2B5EF4-FFF2-40B4-BE49-F238E27FC236}">
-                <a16:creationId xmlns:a16="http://schemas.microsoft.com/office/drawing/2014/main" id="{B3D88659-B858-468B-B803-4CD3A7481B23}"/>
+                <a16:creationId xmlns:a16="http://schemas.microsoft.com/office/drawing/2014/main" id="{B2C4E0C3-AF23-4A02-87D9-0054B5F388BF}"/>
               </a:ext>
             </a:extLst>
           </p:cNvPr>
@@ -8630,8 +8845,38 @@
         </p:blipFill>
         <p:spPr>
           <a:xfrm>
-            <a:off x="672047" y="1957320"/>
-            <a:ext cx="7799905" cy="2943360"/>
+            <a:off x="107504" y="2206159"/>
+            <a:ext cx="5831212" cy="2951512"/>
+          </a:xfrm>
+          <a:prstGeom prst="rect">
+            <a:avLst/>
+          </a:prstGeom>
+        </p:spPr>
+      </p:pic>
+      <p:pic>
+        <p:nvPicPr>
+          <p:cNvPr id="12" name="Рисунок 11">
+            <a:extLst>
+              <a:ext uri="{FF2B5EF4-FFF2-40B4-BE49-F238E27FC236}">
+                <a16:creationId xmlns:a16="http://schemas.microsoft.com/office/drawing/2014/main" id="{09D308EB-C7A2-469B-A6BB-55797F7C180A}"/>
+              </a:ext>
+            </a:extLst>
+          </p:cNvPr>
+          <p:cNvPicPr>
+            <a:picLocks noChangeAspect="1"/>
+          </p:cNvPicPr>
+          <p:nvPr/>
+        </p:nvPicPr>
+        <p:blipFill>
+          <a:blip r:embed="rId4"/>
+          <a:stretch>
+            <a:fillRect/>
+          </a:stretch>
+        </p:blipFill>
+        <p:spPr>
+          <a:xfrm>
+            <a:off x="4977260" y="3005545"/>
+            <a:ext cx="4153480" cy="1352739"/>
           </a:xfrm>
           <a:prstGeom prst="rect">
             <a:avLst/>
@@ -8641,7 +8886,7 @@
     </p:spTree>
     <p:extLst>
       <p:ext uri="{BB962C8B-B14F-4D97-AF65-F5344CB8AC3E}">
-        <p14:creationId xmlns:p14="http://schemas.microsoft.com/office/powerpoint/2010/main" val="2602512621"/>
+        <p14:creationId xmlns:p14="http://schemas.microsoft.com/office/powerpoint/2010/main" val="1695126567"/>
       </p:ext>
     </p:extLst>
   </p:cSld>
@@ -8784,7 +9029,7 @@
                 <a:latin typeface="Elektra Text Pro"/>
                 <a:cs typeface="Arial" pitchFamily="34" charset="0"/>
               </a:rPr>
-              <a:t>ЭКРАННАЯ ФОРМА</a:t>
+              <a:t>СТРУКТУРНАЯ СХЕМА СИСТЕМЫ</a:t>
             </a:r>
           </a:p>
         </p:txBody>
@@ -8797,8 +9042,8 @@
         </p:nvSpPr>
         <p:spPr>
           <a:xfrm>
-            <a:off x="7956376" y="6165306"/>
-            <a:ext cx="916301" cy="369332"/>
+            <a:off x="8100393" y="6165306"/>
+            <a:ext cx="791128" cy="369332"/>
           </a:xfrm>
           <a:prstGeom prst="rect">
             <a:avLst/>
@@ -8819,7 +9064,7 @@
             </a:fld>
             <a:r>
               <a:rPr lang="ru-RU" dirty="0"/>
-              <a:t>/19</a:t>
+              <a:t>/22</a:t>
             </a:r>
           </a:p>
         </p:txBody>
@@ -8889,7 +9134,7 @@
           <p:cNvPr id="5" name="Рисунок 4">
             <a:extLst>
               <a:ext uri="{FF2B5EF4-FFF2-40B4-BE49-F238E27FC236}">
-                <a16:creationId xmlns:a16="http://schemas.microsoft.com/office/drawing/2014/main" id="{A0054E4B-FFFD-4579-B7BA-1BE37B3D0549}"/>
+                <a16:creationId xmlns:a16="http://schemas.microsoft.com/office/drawing/2014/main" id="{139B1644-46B2-45DC-8298-F9E57AF4A5DD}"/>
               </a:ext>
             </a:extLst>
           </p:cNvPr>
@@ -8906,8 +9151,8 @@
         </p:blipFill>
         <p:spPr>
           <a:xfrm>
-            <a:off x="593331" y="1128738"/>
-            <a:ext cx="7956376" cy="4928551"/>
+            <a:off x="575705" y="1857155"/>
+            <a:ext cx="7992590" cy="3143689"/>
           </a:xfrm>
           <a:prstGeom prst="rect">
             <a:avLst/>
@@ -8917,7 +9162,7 @@
     </p:spTree>
     <p:extLst>
       <p:ext uri="{BB962C8B-B14F-4D97-AF65-F5344CB8AC3E}">
-        <p14:creationId xmlns:p14="http://schemas.microsoft.com/office/powerpoint/2010/main" val="2198158696"/>
+        <p14:creationId xmlns:p14="http://schemas.microsoft.com/office/powerpoint/2010/main" val="1229579044"/>
       </p:ext>
     </p:extLst>
   </p:cSld>
@@ -8932,13 +9177,7 @@
   <p:cSld>
     <p:spTree>
       <p:nvGrpSpPr>
-        <p:cNvPr id="1" name="">
-          <a:extLst>
-            <a:ext uri="{FF2B5EF4-FFF2-40B4-BE49-F238E27FC236}">
-              <a16:creationId xmlns:a16="http://schemas.microsoft.com/office/drawing/2014/main" id="{9C021088-9979-3297-05B4-024523158C40}"/>
-            </a:ext>
-          </a:extLst>
-        </p:cNvPr>
+        <p:cNvPr id="1" name=""/>
         <p:cNvGrpSpPr/>
         <p:nvPr/>
       </p:nvGrpSpPr>
@@ -8952,13 +9191,7 @@
       </p:grpSpPr>
       <p:sp>
         <p:nvSpPr>
-          <p:cNvPr id="10" name="Нижний колонтитул 9">
-            <a:extLst>
-              <a:ext uri="{FF2B5EF4-FFF2-40B4-BE49-F238E27FC236}">
-                <a16:creationId xmlns:a16="http://schemas.microsoft.com/office/drawing/2014/main" id="{227729D0-5232-6312-77D0-100FA508D3DE}"/>
-              </a:ext>
-            </a:extLst>
-          </p:cNvPr>
+          <p:cNvPr id="10" name="Нижний колонтитул 9"/>
           <p:cNvSpPr>
             <a:spLocks noGrp="1"/>
           </p:cNvSpPr>
@@ -8995,13 +9228,7 @@
       </p:sp>
       <p:sp>
         <p:nvSpPr>
-          <p:cNvPr id="6" name="Прямоугольник 5">
-            <a:extLst>
-              <a:ext uri="{FF2B5EF4-FFF2-40B4-BE49-F238E27FC236}">
-                <a16:creationId xmlns:a16="http://schemas.microsoft.com/office/drawing/2014/main" id="{BE31CD7A-93C1-C01A-2183-B6BAFD644C7D}"/>
-              </a:ext>
-            </a:extLst>
-          </p:cNvPr>
+          <p:cNvPr id="6" name="Прямоугольник 5"/>
           <p:cNvSpPr/>
           <p:nvPr/>
         </p:nvSpPr>
@@ -9049,13 +9276,7 @@
       </p:sp>
       <p:sp>
         <p:nvSpPr>
-          <p:cNvPr id="2" name="Заголовок 1">
-            <a:extLst>
-              <a:ext uri="{FF2B5EF4-FFF2-40B4-BE49-F238E27FC236}">
-                <a16:creationId xmlns:a16="http://schemas.microsoft.com/office/drawing/2014/main" id="{33FC3FC9-C003-ACE0-0930-1195F5008B87}"/>
-              </a:ext>
-            </a:extLst>
-          </p:cNvPr>
+          <p:cNvPr id="2" name="Заголовок 1"/>
           <p:cNvSpPr>
             <a:spLocks noGrp="1"/>
           </p:cNvSpPr>
@@ -9084,27 +9305,21 @@
                 <a:latin typeface="Elektra Text Pro"/>
                 <a:cs typeface="Arial" pitchFamily="34" charset="0"/>
               </a:rPr>
-              <a:t>ЭКРАННАЯ ФОРМА</a:t>
-            </a:r>
-          </a:p>
-        </p:txBody>
-      </p:sp>
-      <p:sp>
-        <p:nvSpPr>
-          <p:cNvPr id="9" name="TextBox 8">
-            <a:extLst>
-              <a:ext uri="{FF2B5EF4-FFF2-40B4-BE49-F238E27FC236}">
-                <a16:creationId xmlns:a16="http://schemas.microsoft.com/office/drawing/2014/main" id="{534AD733-89AD-0FA3-9A38-9831BCC70B86}"/>
-              </a:ext>
-            </a:extLst>
-          </p:cNvPr>
+              <a:t>ДИАГРАММА ВАРИАНТОВ ИСПОЛЬЗОВАНИЯ</a:t>
+            </a:r>
+          </a:p>
+        </p:txBody>
+      </p:sp>
+      <p:sp>
+        <p:nvSpPr>
+          <p:cNvPr id="9" name="TextBox 8"/>
           <p:cNvSpPr txBox="1"/>
           <p:nvPr/>
         </p:nvSpPr>
         <p:spPr>
           <a:xfrm>
-            <a:off x="7956376" y="6165306"/>
-            <a:ext cx="916301" cy="369332"/>
+            <a:off x="8100393" y="6165306"/>
+            <a:ext cx="791128" cy="369332"/>
           </a:xfrm>
           <a:prstGeom prst="rect">
             <a:avLst/>
@@ -9125,20 +9340,14 @@
             </a:fld>
             <a:r>
               <a:rPr lang="ru-RU" dirty="0"/>
-              <a:t>/19</a:t>
-            </a:r>
-          </a:p>
-        </p:txBody>
-      </p:sp>
-      <p:sp>
-        <p:nvSpPr>
-          <p:cNvPr id="11" name="Заголовок 1">
-            <a:extLst>
-              <a:ext uri="{FF2B5EF4-FFF2-40B4-BE49-F238E27FC236}">
-                <a16:creationId xmlns:a16="http://schemas.microsoft.com/office/drawing/2014/main" id="{F8B64A0F-7C28-498F-AE82-B6C49B5DB168}"/>
-              </a:ext>
-            </a:extLst>
-          </p:cNvPr>
+              <a:t>/22</a:t>
+            </a:r>
+          </a:p>
+        </p:txBody>
+      </p:sp>
+      <p:sp>
+        <p:nvSpPr>
+          <p:cNvPr id="11" name="Заголовок 1"/>
           <p:cNvSpPr txBox="1">
             <a:spLocks/>
           </p:cNvSpPr>
@@ -9198,10 +9407,10 @@
       </p:sp>
       <p:pic>
         <p:nvPicPr>
-          <p:cNvPr id="4" name="Рисунок 3">
+          <p:cNvPr id="8" name="Рисунок 7">
             <a:extLst>
               <a:ext uri="{FF2B5EF4-FFF2-40B4-BE49-F238E27FC236}">
-                <a16:creationId xmlns:a16="http://schemas.microsoft.com/office/drawing/2014/main" id="{54600216-65C4-2B2F-7C80-5B7CFAC7C267}"/>
+                <a16:creationId xmlns:a16="http://schemas.microsoft.com/office/drawing/2014/main" id="{F223A095-487F-4D31-A38C-22BB18C2EE0E}"/>
               </a:ext>
             </a:extLst>
           </p:cNvPr>
@@ -9218,8 +9427,8 @@
         </p:blipFill>
         <p:spPr>
           <a:xfrm>
-            <a:off x="3317270" y="1114790"/>
-            <a:ext cx="2508497" cy="4959195"/>
+            <a:off x="275625" y="1256997"/>
+            <a:ext cx="8592749" cy="4344006"/>
           </a:xfrm>
           <a:prstGeom prst="rect">
             <a:avLst/>
@@ -9229,7 +9438,7 @@
     </p:spTree>
     <p:extLst>
       <p:ext uri="{BB962C8B-B14F-4D97-AF65-F5344CB8AC3E}">
-        <p14:creationId xmlns:p14="http://schemas.microsoft.com/office/powerpoint/2010/main" val="1713537609"/>
+        <p14:creationId xmlns:p14="http://schemas.microsoft.com/office/powerpoint/2010/main" val="2317276453"/>
       </p:ext>
     </p:extLst>
   </p:cSld>
@@ -9280,19 +9489,16 @@
           <a:lstStyle/>
           <a:p>
             <a:pPr algn="l"/>
-            <a:r>
-              <a:rPr lang="ru-RU" sz="1400" dirty="0">
-                <a:solidFill>
-                  <a:schemeClr val="tx1">
-                    <a:lumMod val="75000"/>
-                    <a:lumOff val="25000"/>
-                  </a:schemeClr>
-                </a:solidFill>
-                <a:latin typeface="Elektra Text Pro"/>
-                <a:cs typeface="Arial" pitchFamily="34" charset="0"/>
-              </a:rPr>
-              <a:t>Веб-приложение прогнозирования стоимости легкового автомобиля</a:t>
-            </a:r>
+            <a:endParaRPr lang="ru-RU" sz="1400" b="1" dirty="0">
+              <a:solidFill>
+                <a:schemeClr val="tx1">
+                  <a:lumMod val="50000"/>
+                  <a:lumOff val="50000"/>
+                </a:schemeClr>
+              </a:solidFill>
+              <a:latin typeface="Arial" pitchFamily="34" charset="0"/>
+              <a:cs typeface="Arial" pitchFamily="34" charset="0"/>
+            </a:endParaRPr>
           </a:p>
         </p:txBody>
       </p:sp>
@@ -9311,7 +9517,9 @@
             <a:avLst/>
           </a:prstGeom>
           <a:solidFill>
-            <a:srgbClr val="E6E6E6"/>
+            <a:schemeClr val="bg1">
+              <a:lumMod val="85000"/>
+            </a:schemeClr>
           </a:solidFill>
           <a:ln>
             <a:noFill/>
@@ -9354,6 +9562,1263 @@
         </p:nvSpPr>
         <p:spPr>
           <a:xfrm>
+            <a:off x="251519" y="355605"/>
+            <a:ext cx="8640001" cy="720725"/>
+          </a:xfrm>
+          <a:solidFill>
+            <a:srgbClr val="E6E6E6"/>
+          </a:solidFill>
+        </p:spPr>
+        <p:txBody>
+          <a:bodyPr>
+            <a:noAutofit/>
+          </a:bodyPr>
+          <a:lstStyle/>
+          <a:p>
+            <a:pPr algn="ctr"/>
+            <a:r>
+              <a:rPr lang="ru-RU" sz="1800" b="1" dirty="0">
+                <a:latin typeface="Elektra Text Pro"/>
+                <a:cs typeface="Arial" pitchFamily="34" charset="0"/>
+              </a:rPr>
+              <a:t>ДИАГРАММА ДЕЯТЕЛЬНОСТИ</a:t>
+            </a:r>
+          </a:p>
+        </p:txBody>
+      </p:sp>
+      <p:sp>
+        <p:nvSpPr>
+          <p:cNvPr id="9" name="TextBox 8"/>
+          <p:cNvSpPr txBox="1"/>
+          <p:nvPr/>
+        </p:nvSpPr>
+        <p:spPr>
+          <a:xfrm>
+            <a:off x="8100393" y="6165306"/>
+            <a:ext cx="791128" cy="369332"/>
+          </a:xfrm>
+          <a:prstGeom prst="rect">
+            <a:avLst/>
+          </a:prstGeom>
+          <a:noFill/>
+        </p:spPr>
+        <p:txBody>
+          <a:bodyPr wrap="square" rtlCol="0">
+            <a:spAutoFit/>
+          </a:bodyPr>
+          <a:lstStyle/>
+          <a:p>
+            <a:pPr algn="r"/>
+            <a:fld id="{249A5D52-88F9-4971-91E7-95B02B6DE201}" type="slidenum">
+              <a:rPr lang="ru-RU" smtClean="0"/>
+              <a:pPr algn="r"/>
+              <a:t>19</a:t>
+            </a:fld>
+            <a:r>
+              <a:rPr lang="ru-RU" dirty="0"/>
+              <a:t>/22</a:t>
+            </a:r>
+          </a:p>
+        </p:txBody>
+      </p:sp>
+      <p:sp>
+        <p:nvSpPr>
+          <p:cNvPr id="11" name="Заголовок 1"/>
+          <p:cNvSpPr txBox="1">
+            <a:spLocks/>
+          </p:cNvSpPr>
+          <p:nvPr/>
+        </p:nvSpPr>
+        <p:spPr>
+          <a:xfrm>
+            <a:off x="251520" y="6112445"/>
+            <a:ext cx="7200800" cy="520850"/>
+          </a:xfrm>
+          <a:prstGeom prst="rect">
+            <a:avLst/>
+          </a:prstGeom>
+          <a:solidFill>
+            <a:srgbClr val="E6E6E6"/>
+          </a:solidFill>
+        </p:spPr>
+        <p:txBody>
+          <a:bodyPr vert="horz" lIns="91440" tIns="45720" rIns="91440" bIns="45720" rtlCol="0" anchor="ctr">
+            <a:noAutofit/>
+          </a:bodyPr>
+          <a:lstStyle>
+            <a:lvl1pPr algn="l" defTabSz="914400" rtl="0" eaLnBrk="1" latinLnBrk="0" hangingPunct="1">
+              <a:lnSpc>
+                <a:spcPct val="90000"/>
+              </a:lnSpc>
+              <a:spcBef>
+                <a:spcPct val="0"/>
+              </a:spcBef>
+              <a:buNone/>
+              <a:defRPr sz="4400" kern="1200">
+                <a:solidFill>
+                  <a:schemeClr val="tx1"/>
+                </a:solidFill>
+                <a:latin typeface="+mj-lt"/>
+                <a:ea typeface="+mj-ea"/>
+                <a:cs typeface="+mj-cs"/>
+              </a:defRPr>
+            </a:lvl1pPr>
+          </a:lstStyle>
+          <a:p>
+            <a:r>
+              <a:rPr lang="ru-RU" sz="1400" dirty="0">
+                <a:solidFill>
+                  <a:schemeClr val="tx1">
+                    <a:lumMod val="75000"/>
+                    <a:lumOff val="25000"/>
+                  </a:schemeClr>
+                </a:solidFill>
+                <a:latin typeface="Elektra Text Pro"/>
+                <a:cs typeface="Arial" pitchFamily="34" charset="0"/>
+              </a:rPr>
+              <a:t>Веб-приложение прогнозирования стоимости легкового автомобиля</a:t>
+            </a:r>
+          </a:p>
+        </p:txBody>
+      </p:sp>
+      <p:pic>
+        <p:nvPicPr>
+          <p:cNvPr id="4" name="Рисунок 3">
+            <a:extLst>
+              <a:ext uri="{FF2B5EF4-FFF2-40B4-BE49-F238E27FC236}">
+                <a16:creationId xmlns:a16="http://schemas.microsoft.com/office/drawing/2014/main" id="{949C61B5-814B-460F-AD87-9B6EB6CF8CAF}"/>
+              </a:ext>
+            </a:extLst>
+          </p:cNvPr>
+          <p:cNvPicPr>
+            <a:picLocks noChangeAspect="1"/>
+          </p:cNvPicPr>
+          <p:nvPr/>
+        </p:nvPicPr>
+        <p:blipFill>
+          <a:blip r:embed="rId3"/>
+          <a:stretch>
+            <a:fillRect/>
+          </a:stretch>
+        </p:blipFill>
+        <p:spPr>
+          <a:xfrm>
+            <a:off x="1166337" y="1261760"/>
+            <a:ext cx="6811326" cy="4334480"/>
+          </a:xfrm>
+          <a:prstGeom prst="rect">
+            <a:avLst/>
+          </a:prstGeom>
+        </p:spPr>
+      </p:pic>
+    </p:spTree>
+    <p:extLst>
+      <p:ext uri="{BB962C8B-B14F-4D97-AF65-F5344CB8AC3E}">
+        <p14:creationId xmlns:p14="http://schemas.microsoft.com/office/powerpoint/2010/main" val="336376215"/>
+      </p:ext>
+    </p:extLst>
+  </p:cSld>
+  <p:clrMapOvr>
+    <a:masterClrMapping/>
+  </p:clrMapOvr>
+</p:sld>
+</file>
+
+<file path=ppt/slides/slide2.xml><?xml version="1.0" encoding="utf-8"?>
+<p:sld xmlns:a="http://schemas.openxmlformats.org/drawingml/2006/main" xmlns:r="http://schemas.openxmlformats.org/officeDocument/2006/relationships" xmlns:p="http://schemas.openxmlformats.org/presentationml/2006/main">
+  <p:cSld>
+    <p:spTree>
+      <p:nvGrpSpPr>
+        <p:cNvPr id="1" name=""/>
+        <p:cNvGrpSpPr/>
+        <p:nvPr/>
+      </p:nvGrpSpPr>
+      <p:grpSpPr>
+        <a:xfrm>
+          <a:off x="0" y="0"/>
+          <a:ext cx="0" cy="0"/>
+          <a:chOff x="0" y="0"/>
+          <a:chExt cx="0" cy="0"/>
+        </a:xfrm>
+      </p:grpSpPr>
+      <p:sp>
+        <p:nvSpPr>
+          <p:cNvPr id="10" name="Нижний колонтитул 9"/>
+          <p:cNvSpPr>
+            <a:spLocks noGrp="1"/>
+          </p:cNvSpPr>
+          <p:nvPr>
+            <p:ph type="ftr" sz="quarter" idx="11"/>
+          </p:nvPr>
+        </p:nvSpPr>
+        <p:spPr>
+          <a:xfrm>
+            <a:off x="251520" y="6093295"/>
+            <a:ext cx="8640000" cy="540000"/>
+          </a:xfrm>
+          <a:solidFill>
+            <a:srgbClr val="E6E6E6"/>
+          </a:solidFill>
+        </p:spPr>
+        <p:txBody>
+          <a:bodyPr/>
+          <a:lstStyle/>
+          <a:p>
+            <a:pPr algn="l"/>
+            <a:endParaRPr lang="ru-RU" sz="1400" b="1" dirty="0">
+              <a:solidFill>
+                <a:schemeClr val="tx1">
+                  <a:lumMod val="50000"/>
+                  <a:lumOff val="50000"/>
+                </a:schemeClr>
+              </a:solidFill>
+              <a:latin typeface="Arial" pitchFamily="34" charset="0"/>
+              <a:cs typeface="Arial" pitchFamily="34" charset="0"/>
+            </a:endParaRPr>
+          </a:p>
+        </p:txBody>
+      </p:sp>
+      <p:sp>
+        <p:nvSpPr>
+          <p:cNvPr id="6" name="Прямоугольник 5"/>
+          <p:cNvSpPr/>
+          <p:nvPr/>
+        </p:nvSpPr>
+        <p:spPr>
+          <a:xfrm>
+            <a:off x="251520" y="342900"/>
+            <a:ext cx="8640000" cy="720000"/>
+          </a:xfrm>
+          <a:prstGeom prst="rect">
+            <a:avLst/>
+          </a:prstGeom>
+          <a:solidFill>
+            <a:schemeClr val="bg1">
+              <a:lumMod val="85000"/>
+            </a:schemeClr>
+          </a:solidFill>
+          <a:ln>
+            <a:noFill/>
+          </a:ln>
+        </p:spPr>
+        <p:style>
+          <a:lnRef idx="2">
+            <a:schemeClr val="accent1">
+              <a:shade val="50000"/>
+            </a:schemeClr>
+          </a:lnRef>
+          <a:fillRef idx="1">
+            <a:schemeClr val="accent1"/>
+          </a:fillRef>
+          <a:effectRef idx="0">
+            <a:schemeClr val="accent1"/>
+          </a:effectRef>
+          <a:fontRef idx="minor">
+            <a:schemeClr val="lt1"/>
+          </a:fontRef>
+        </p:style>
+        <p:txBody>
+          <a:bodyPr rtlCol="0" anchor="ctr"/>
+          <a:lstStyle/>
+          <a:p>
+            <a:pPr algn="ctr"/>
+            <a:endParaRPr lang="ru-RU"/>
+          </a:p>
+        </p:txBody>
+      </p:sp>
+      <p:sp>
+        <p:nvSpPr>
+          <p:cNvPr id="2" name="Заголовок 1"/>
+          <p:cNvSpPr>
+            <a:spLocks noGrp="1"/>
+          </p:cNvSpPr>
+          <p:nvPr>
+            <p:ph type="title"/>
+          </p:nvPr>
+        </p:nvSpPr>
+        <p:spPr>
+          <a:xfrm>
+            <a:off x="251519" y="355605"/>
+            <a:ext cx="8640001" cy="720725"/>
+          </a:xfrm>
+          <a:solidFill>
+            <a:srgbClr val="E6E6E6"/>
+          </a:solidFill>
+        </p:spPr>
+        <p:txBody>
+          <a:bodyPr>
+            <a:noAutofit/>
+          </a:bodyPr>
+          <a:lstStyle/>
+          <a:p>
+            <a:pPr algn="ctr"/>
+            <a:r>
+              <a:rPr lang="ru-RU" sz="1800" b="1" dirty="0">
+                <a:latin typeface="Elektra Text Pro"/>
+                <a:cs typeface="Arial" pitchFamily="34" charset="0"/>
+              </a:rPr>
+              <a:t>ЦЕЛЬ И ЗАДАЧИ</a:t>
+            </a:r>
+          </a:p>
+        </p:txBody>
+      </p:sp>
+      <p:sp>
+        <p:nvSpPr>
+          <p:cNvPr id="3" name="Объект 2"/>
+          <p:cNvSpPr>
+            <a:spLocks noGrp="1"/>
+          </p:cNvSpPr>
+          <p:nvPr>
+            <p:ph idx="1"/>
+          </p:nvPr>
+        </p:nvSpPr>
+        <p:spPr>
+          <a:xfrm>
+            <a:off x="251520" y="1268760"/>
+            <a:ext cx="8640000" cy="4610099"/>
+          </a:xfrm>
+        </p:spPr>
+        <p:txBody>
+          <a:bodyPr>
+            <a:normAutofit/>
+          </a:bodyPr>
+          <a:lstStyle/>
+          <a:p>
+            <a:pPr marL="0" indent="0">
+              <a:buNone/>
+            </a:pPr>
+            <a:r>
+              <a:rPr lang="ru-RU" sz="1800" b="1" dirty="0">
+                <a:latin typeface="Elektra Text Pro" panose="02000503030000020004"/>
+              </a:rPr>
+              <a:t>Цель работы </a:t>
+            </a:r>
+            <a:r>
+              <a:rPr lang="ru-RU" sz="1800" dirty="0">
+                <a:latin typeface="Elektra Text Pro" panose="02000503030000020004"/>
+              </a:rPr>
+              <a:t>-  разработать веб-приложение для прогнозирования стоимости легкового автомобиля с использованием нескольких алгоритмов машинного обучения и провести сравнительный анализ их эффективности.</a:t>
+            </a:r>
+          </a:p>
+          <a:p>
+            <a:pPr marL="0" indent="0">
+              <a:buNone/>
+            </a:pPr>
+            <a:endParaRPr lang="ru-RU" sz="1800" dirty="0">
+              <a:latin typeface="Elektra Text Pro" panose="02000503030000020004"/>
+            </a:endParaRPr>
+          </a:p>
+          <a:p>
+            <a:pPr marL="0" indent="0">
+              <a:buNone/>
+            </a:pPr>
+            <a:r>
+              <a:rPr lang="ru-RU" sz="1800" b="1" dirty="0">
+                <a:latin typeface="Elektra Text Pro" panose="02000503030000020004"/>
+              </a:rPr>
+              <a:t>Задачи:</a:t>
+            </a:r>
+          </a:p>
+          <a:p>
+            <a:r>
+              <a:rPr lang="ru-RU" sz="1800" dirty="0">
+                <a:latin typeface="Elektra Text Pro" panose="02000503030000020004"/>
+              </a:rPr>
+              <a:t>Провести анализ предметной области;</a:t>
+            </a:r>
+          </a:p>
+          <a:p>
+            <a:r>
+              <a:rPr lang="ru-RU" sz="1800" dirty="0">
+                <a:latin typeface="Elektra Text Pro" panose="02000503030000020004"/>
+              </a:rPr>
+              <a:t>Сделать обзор систем-аналогов в области прогнозирования стоимости автомобилей;</a:t>
+            </a:r>
+          </a:p>
+          <a:p>
+            <a:r>
+              <a:rPr lang="ru-RU" sz="1800" dirty="0">
+                <a:latin typeface="Elektra Text Pro" panose="02000503030000020004"/>
+              </a:rPr>
+              <a:t>Найти данные для обучения моделей машинного обучения;</a:t>
+            </a:r>
+          </a:p>
+          <a:p>
+            <a:r>
+              <a:rPr lang="ru-RU" sz="1800" dirty="0">
+                <a:latin typeface="Elektra Text Pro" panose="02000503030000020004"/>
+              </a:rPr>
+              <a:t>Провести сравнительный анализ примененных алгоритмов </a:t>
+            </a:r>
+            <a:r>
+              <a:rPr lang="ru-RU" sz="1800" dirty="0">
+                <a:solidFill>
+                  <a:schemeClr val="tx1">
+                    <a:lumMod val="75000"/>
+                    <a:lumOff val="25000"/>
+                  </a:schemeClr>
+                </a:solidFill>
+                <a:latin typeface="Elektra Text Pro"/>
+                <a:cs typeface="Arial" pitchFamily="34" charset="0"/>
+              </a:rPr>
+              <a:t>прогнозирования стоимости легкового автомобиля;</a:t>
+            </a:r>
+            <a:endParaRPr lang="ru-RU" sz="1800" dirty="0">
+              <a:latin typeface="Elektra Text Pro" panose="02000503030000020004"/>
+            </a:endParaRPr>
+          </a:p>
+          <a:p>
+            <a:r>
+              <a:rPr lang="ru-RU" sz="1800" dirty="0">
+                <a:latin typeface="Elektra Text Pro" panose="02000503030000020004"/>
+              </a:rPr>
+              <a:t>Разработать и реализовать информационное и программное обеспечение;</a:t>
+            </a:r>
+          </a:p>
+          <a:p>
+            <a:r>
+              <a:rPr lang="ru-RU" sz="1800" dirty="0">
+                <a:latin typeface="Elektra Text Pro" panose="02000503030000020004"/>
+              </a:rPr>
+              <a:t>Провести тестирование и отладку разработанного веб-приложения.</a:t>
+            </a:r>
+          </a:p>
+          <a:p>
+            <a:pPr marL="0" indent="0">
+              <a:buNone/>
+            </a:pPr>
+            <a:endParaRPr lang="ru-RU" sz="1800" dirty="0">
+              <a:latin typeface="Elektra Text Pro" panose="02000503030000020004"/>
+            </a:endParaRPr>
+          </a:p>
+        </p:txBody>
+      </p:sp>
+      <p:sp>
+        <p:nvSpPr>
+          <p:cNvPr id="9" name="TextBox 8"/>
+          <p:cNvSpPr txBox="1"/>
+          <p:nvPr/>
+        </p:nvSpPr>
+        <p:spPr>
+          <a:xfrm>
+            <a:off x="8172400" y="6165306"/>
+            <a:ext cx="700277" cy="369332"/>
+          </a:xfrm>
+          <a:prstGeom prst="rect">
+            <a:avLst/>
+          </a:prstGeom>
+          <a:noFill/>
+        </p:spPr>
+        <p:txBody>
+          <a:bodyPr wrap="square" rtlCol="0">
+            <a:spAutoFit/>
+          </a:bodyPr>
+          <a:lstStyle/>
+          <a:p>
+            <a:pPr algn="r"/>
+            <a:fld id="{249A5D52-88F9-4971-91E7-95B02B6DE201}" type="slidenum">
+              <a:rPr lang="ru-RU" smtClean="0"/>
+              <a:pPr algn="r"/>
+              <a:t>2</a:t>
+            </a:fld>
+            <a:r>
+              <a:rPr lang="ru-RU" dirty="0"/>
+              <a:t>/</a:t>
+            </a:r>
+            <a:r>
+              <a:rPr lang="en-US" dirty="0"/>
+              <a:t>22</a:t>
+            </a:r>
+            <a:endParaRPr lang="ru-RU" dirty="0"/>
+          </a:p>
+        </p:txBody>
+      </p:sp>
+      <p:sp>
+        <p:nvSpPr>
+          <p:cNvPr id="11" name="Заголовок 1"/>
+          <p:cNvSpPr txBox="1">
+            <a:spLocks/>
+          </p:cNvSpPr>
+          <p:nvPr/>
+        </p:nvSpPr>
+        <p:spPr>
+          <a:xfrm>
+            <a:off x="251520" y="6112445"/>
+            <a:ext cx="7200800" cy="520850"/>
+          </a:xfrm>
+          <a:prstGeom prst="rect">
+            <a:avLst/>
+          </a:prstGeom>
+          <a:solidFill>
+            <a:srgbClr val="E6E6E6"/>
+          </a:solidFill>
+        </p:spPr>
+        <p:txBody>
+          <a:bodyPr vert="horz" lIns="91440" tIns="45720" rIns="91440" bIns="45720" rtlCol="0" anchor="ctr">
+            <a:noAutofit/>
+          </a:bodyPr>
+          <a:lstStyle>
+            <a:lvl1pPr algn="l" defTabSz="914400" rtl="0" eaLnBrk="1" latinLnBrk="0" hangingPunct="1">
+              <a:lnSpc>
+                <a:spcPct val="90000"/>
+              </a:lnSpc>
+              <a:spcBef>
+                <a:spcPct val="0"/>
+              </a:spcBef>
+              <a:buNone/>
+              <a:defRPr sz="4400" kern="1200">
+                <a:solidFill>
+                  <a:schemeClr val="tx1"/>
+                </a:solidFill>
+                <a:latin typeface="+mj-lt"/>
+                <a:ea typeface="+mj-ea"/>
+                <a:cs typeface="+mj-cs"/>
+              </a:defRPr>
+            </a:lvl1pPr>
+          </a:lstStyle>
+          <a:p>
+            <a:r>
+              <a:rPr lang="ru-RU" sz="1400" dirty="0">
+                <a:solidFill>
+                  <a:schemeClr val="tx1">
+                    <a:lumMod val="75000"/>
+                    <a:lumOff val="25000"/>
+                  </a:schemeClr>
+                </a:solidFill>
+                <a:latin typeface="Elektra Text Pro"/>
+                <a:cs typeface="Arial" pitchFamily="34" charset="0"/>
+              </a:rPr>
+              <a:t>Веб-приложение прогнозирования стоимости легкового автомобиля</a:t>
+            </a:r>
+          </a:p>
+        </p:txBody>
+      </p:sp>
+    </p:spTree>
+    <p:extLst>
+      <p:ext uri="{BB962C8B-B14F-4D97-AF65-F5344CB8AC3E}">
+        <p14:creationId xmlns:p14="http://schemas.microsoft.com/office/powerpoint/2010/main" val="1665863790"/>
+      </p:ext>
+    </p:extLst>
+  </p:cSld>
+  <p:clrMapOvr>
+    <a:masterClrMapping/>
+  </p:clrMapOvr>
+</p:sld>
+</file>
+
+<file path=ppt/slides/slide20.xml><?xml version="1.0" encoding="utf-8"?>
+<p:sld xmlns:a="http://schemas.openxmlformats.org/drawingml/2006/main" xmlns:r="http://schemas.openxmlformats.org/officeDocument/2006/relationships" xmlns:p="http://schemas.openxmlformats.org/presentationml/2006/main">
+  <p:cSld>
+    <p:spTree>
+      <p:nvGrpSpPr>
+        <p:cNvPr id="1" name=""/>
+        <p:cNvGrpSpPr/>
+        <p:nvPr/>
+      </p:nvGrpSpPr>
+      <p:grpSpPr>
+        <a:xfrm>
+          <a:off x="0" y="0"/>
+          <a:ext cx="0" cy="0"/>
+          <a:chOff x="0" y="0"/>
+          <a:chExt cx="0" cy="0"/>
+        </a:xfrm>
+      </p:grpSpPr>
+      <p:sp>
+        <p:nvSpPr>
+          <p:cNvPr id="10" name="Нижний колонтитул 9"/>
+          <p:cNvSpPr>
+            <a:spLocks noGrp="1"/>
+          </p:cNvSpPr>
+          <p:nvPr>
+            <p:ph type="ftr" sz="quarter" idx="11"/>
+          </p:nvPr>
+        </p:nvSpPr>
+        <p:spPr>
+          <a:xfrm>
+            <a:off x="251520" y="6093295"/>
+            <a:ext cx="8640000" cy="540000"/>
+          </a:xfrm>
+          <a:solidFill>
+            <a:srgbClr val="E6E6E6"/>
+          </a:solidFill>
+        </p:spPr>
+        <p:txBody>
+          <a:bodyPr/>
+          <a:lstStyle/>
+          <a:p>
+            <a:pPr algn="l"/>
+            <a:endParaRPr lang="ru-RU" sz="1400" b="1" dirty="0">
+              <a:solidFill>
+                <a:schemeClr val="tx1">
+                  <a:lumMod val="50000"/>
+                  <a:lumOff val="50000"/>
+                </a:schemeClr>
+              </a:solidFill>
+              <a:latin typeface="Arial" pitchFamily="34" charset="0"/>
+              <a:cs typeface="Arial" pitchFamily="34" charset="0"/>
+            </a:endParaRPr>
+          </a:p>
+        </p:txBody>
+      </p:sp>
+      <p:sp>
+        <p:nvSpPr>
+          <p:cNvPr id="6" name="Прямоугольник 5"/>
+          <p:cNvSpPr/>
+          <p:nvPr/>
+        </p:nvSpPr>
+        <p:spPr>
+          <a:xfrm>
+            <a:off x="251520" y="342900"/>
+            <a:ext cx="8640000" cy="720000"/>
+          </a:xfrm>
+          <a:prstGeom prst="rect">
+            <a:avLst/>
+          </a:prstGeom>
+          <a:solidFill>
+            <a:schemeClr val="bg1">
+              <a:lumMod val="85000"/>
+            </a:schemeClr>
+          </a:solidFill>
+          <a:ln>
+            <a:noFill/>
+          </a:ln>
+        </p:spPr>
+        <p:style>
+          <a:lnRef idx="2">
+            <a:schemeClr val="accent1">
+              <a:shade val="50000"/>
+            </a:schemeClr>
+          </a:lnRef>
+          <a:fillRef idx="1">
+            <a:schemeClr val="accent1"/>
+          </a:fillRef>
+          <a:effectRef idx="0">
+            <a:schemeClr val="accent1"/>
+          </a:effectRef>
+          <a:fontRef idx="minor">
+            <a:schemeClr val="lt1"/>
+          </a:fontRef>
+        </p:style>
+        <p:txBody>
+          <a:bodyPr rtlCol="0" anchor="ctr"/>
+          <a:lstStyle/>
+          <a:p>
+            <a:pPr algn="ctr"/>
+            <a:endParaRPr lang="ru-RU"/>
+          </a:p>
+        </p:txBody>
+      </p:sp>
+      <p:sp>
+        <p:nvSpPr>
+          <p:cNvPr id="2" name="Заголовок 1"/>
+          <p:cNvSpPr>
+            <a:spLocks noGrp="1"/>
+          </p:cNvSpPr>
+          <p:nvPr>
+            <p:ph type="title"/>
+          </p:nvPr>
+        </p:nvSpPr>
+        <p:spPr>
+          <a:xfrm>
+            <a:off x="251519" y="355605"/>
+            <a:ext cx="8640001" cy="720725"/>
+          </a:xfrm>
+          <a:solidFill>
+            <a:srgbClr val="E6E6E6"/>
+          </a:solidFill>
+        </p:spPr>
+        <p:txBody>
+          <a:bodyPr>
+            <a:noAutofit/>
+          </a:bodyPr>
+          <a:lstStyle/>
+          <a:p>
+            <a:pPr algn="ctr"/>
+            <a:r>
+              <a:rPr lang="ru-RU" sz="1800" b="1" dirty="0">
+                <a:latin typeface="Elektra Text Pro"/>
+                <a:cs typeface="Arial" pitchFamily="34" charset="0"/>
+              </a:rPr>
+              <a:t>ЭКРАННАЯ ФОРМА</a:t>
+            </a:r>
+          </a:p>
+        </p:txBody>
+      </p:sp>
+      <p:sp>
+        <p:nvSpPr>
+          <p:cNvPr id="9" name="TextBox 8"/>
+          <p:cNvSpPr txBox="1"/>
+          <p:nvPr/>
+        </p:nvSpPr>
+        <p:spPr>
+          <a:xfrm>
+            <a:off x="7956376" y="6165306"/>
+            <a:ext cx="916301" cy="369332"/>
+          </a:xfrm>
+          <a:prstGeom prst="rect">
+            <a:avLst/>
+          </a:prstGeom>
+          <a:noFill/>
+        </p:spPr>
+        <p:txBody>
+          <a:bodyPr wrap="square" rtlCol="0">
+            <a:spAutoFit/>
+          </a:bodyPr>
+          <a:lstStyle/>
+          <a:p>
+            <a:pPr algn="r"/>
+            <a:fld id="{249A5D52-88F9-4971-91E7-95B02B6DE201}" type="slidenum">
+              <a:rPr lang="ru-RU" smtClean="0"/>
+              <a:pPr algn="r"/>
+              <a:t>20</a:t>
+            </a:fld>
+            <a:r>
+              <a:rPr lang="ru-RU" dirty="0"/>
+              <a:t>/22</a:t>
+            </a:r>
+          </a:p>
+        </p:txBody>
+      </p:sp>
+      <p:sp>
+        <p:nvSpPr>
+          <p:cNvPr id="11" name="Заголовок 1"/>
+          <p:cNvSpPr txBox="1">
+            <a:spLocks/>
+          </p:cNvSpPr>
+          <p:nvPr/>
+        </p:nvSpPr>
+        <p:spPr>
+          <a:xfrm>
+            <a:off x="251520" y="6112445"/>
+            <a:ext cx="7200800" cy="520850"/>
+          </a:xfrm>
+          <a:prstGeom prst="rect">
+            <a:avLst/>
+          </a:prstGeom>
+          <a:solidFill>
+            <a:srgbClr val="E6E6E6"/>
+          </a:solidFill>
+        </p:spPr>
+        <p:txBody>
+          <a:bodyPr vert="horz" lIns="91440" tIns="45720" rIns="91440" bIns="45720" rtlCol="0" anchor="ctr">
+            <a:noAutofit/>
+          </a:bodyPr>
+          <a:lstStyle>
+            <a:lvl1pPr algn="l" defTabSz="914400" rtl="0" eaLnBrk="1" latinLnBrk="0" hangingPunct="1">
+              <a:lnSpc>
+                <a:spcPct val="90000"/>
+              </a:lnSpc>
+              <a:spcBef>
+                <a:spcPct val="0"/>
+              </a:spcBef>
+              <a:buNone/>
+              <a:defRPr sz="4400" kern="1200">
+                <a:solidFill>
+                  <a:schemeClr val="tx1"/>
+                </a:solidFill>
+                <a:latin typeface="+mj-lt"/>
+                <a:ea typeface="+mj-ea"/>
+                <a:cs typeface="+mj-cs"/>
+              </a:defRPr>
+            </a:lvl1pPr>
+          </a:lstStyle>
+          <a:p>
+            <a:r>
+              <a:rPr lang="ru-RU" sz="1400" dirty="0">
+                <a:solidFill>
+                  <a:schemeClr val="tx1">
+                    <a:lumMod val="75000"/>
+                    <a:lumOff val="25000"/>
+                  </a:schemeClr>
+                </a:solidFill>
+                <a:latin typeface="Elektra Text Pro"/>
+                <a:cs typeface="Arial" pitchFamily="34" charset="0"/>
+              </a:rPr>
+              <a:t>Веб-приложение прогнозирования стоимости легкового автомобиля</a:t>
+            </a:r>
+          </a:p>
+        </p:txBody>
+      </p:sp>
+      <p:pic>
+        <p:nvPicPr>
+          <p:cNvPr id="5" name="Рисунок 4">
+            <a:extLst>
+              <a:ext uri="{FF2B5EF4-FFF2-40B4-BE49-F238E27FC236}">
+                <a16:creationId xmlns:a16="http://schemas.microsoft.com/office/drawing/2014/main" id="{A0054E4B-FFFD-4579-B7BA-1BE37B3D0549}"/>
+              </a:ext>
+            </a:extLst>
+          </p:cNvPr>
+          <p:cNvPicPr>
+            <a:picLocks noChangeAspect="1"/>
+          </p:cNvPicPr>
+          <p:nvPr/>
+        </p:nvPicPr>
+        <p:blipFill>
+          <a:blip r:embed="rId3"/>
+          <a:stretch>
+            <a:fillRect/>
+          </a:stretch>
+        </p:blipFill>
+        <p:spPr>
+          <a:xfrm>
+            <a:off x="593331" y="1128738"/>
+            <a:ext cx="7956376" cy="4928551"/>
+          </a:xfrm>
+          <a:prstGeom prst="rect">
+            <a:avLst/>
+          </a:prstGeom>
+        </p:spPr>
+      </p:pic>
+    </p:spTree>
+    <p:extLst>
+      <p:ext uri="{BB962C8B-B14F-4D97-AF65-F5344CB8AC3E}">
+        <p14:creationId xmlns:p14="http://schemas.microsoft.com/office/powerpoint/2010/main" val="2198158696"/>
+      </p:ext>
+    </p:extLst>
+  </p:cSld>
+  <p:clrMapOvr>
+    <a:masterClrMapping/>
+  </p:clrMapOvr>
+</p:sld>
+</file>
+
+<file path=ppt/slides/slide21.xml><?xml version="1.0" encoding="utf-8"?>
+<p:sld xmlns:a="http://schemas.openxmlformats.org/drawingml/2006/main" xmlns:r="http://schemas.openxmlformats.org/officeDocument/2006/relationships" xmlns:p="http://schemas.openxmlformats.org/presentationml/2006/main">
+  <p:cSld>
+    <p:spTree>
+      <p:nvGrpSpPr>
+        <p:cNvPr id="1" name="">
+          <a:extLst>
+            <a:ext uri="{FF2B5EF4-FFF2-40B4-BE49-F238E27FC236}">
+              <a16:creationId xmlns:a16="http://schemas.microsoft.com/office/drawing/2014/main" id="{9C021088-9979-3297-05B4-024523158C40}"/>
+            </a:ext>
+          </a:extLst>
+        </p:cNvPr>
+        <p:cNvGrpSpPr/>
+        <p:nvPr/>
+      </p:nvGrpSpPr>
+      <p:grpSpPr>
+        <a:xfrm>
+          <a:off x="0" y="0"/>
+          <a:ext cx="0" cy="0"/>
+          <a:chOff x="0" y="0"/>
+          <a:chExt cx="0" cy="0"/>
+        </a:xfrm>
+      </p:grpSpPr>
+      <p:sp>
+        <p:nvSpPr>
+          <p:cNvPr id="10" name="Нижний колонтитул 9">
+            <a:extLst>
+              <a:ext uri="{FF2B5EF4-FFF2-40B4-BE49-F238E27FC236}">
+                <a16:creationId xmlns:a16="http://schemas.microsoft.com/office/drawing/2014/main" id="{227729D0-5232-6312-77D0-100FA508D3DE}"/>
+              </a:ext>
+            </a:extLst>
+          </p:cNvPr>
+          <p:cNvSpPr>
+            <a:spLocks noGrp="1"/>
+          </p:cNvSpPr>
+          <p:nvPr>
+            <p:ph type="ftr" sz="quarter" idx="11"/>
+          </p:nvPr>
+        </p:nvSpPr>
+        <p:spPr>
+          <a:xfrm>
+            <a:off x="251520" y="6093295"/>
+            <a:ext cx="8640000" cy="540000"/>
+          </a:xfrm>
+          <a:solidFill>
+            <a:srgbClr val="E6E6E6"/>
+          </a:solidFill>
+        </p:spPr>
+        <p:txBody>
+          <a:bodyPr/>
+          <a:lstStyle/>
+          <a:p>
+            <a:pPr algn="l"/>
+            <a:endParaRPr lang="ru-RU" sz="1400" b="1" dirty="0">
+              <a:solidFill>
+                <a:schemeClr val="tx1">
+                  <a:lumMod val="50000"/>
+                  <a:lumOff val="50000"/>
+                </a:schemeClr>
+              </a:solidFill>
+              <a:latin typeface="Arial" pitchFamily="34" charset="0"/>
+              <a:cs typeface="Arial" pitchFamily="34" charset="0"/>
+            </a:endParaRPr>
+          </a:p>
+        </p:txBody>
+      </p:sp>
+      <p:sp>
+        <p:nvSpPr>
+          <p:cNvPr id="6" name="Прямоугольник 5">
+            <a:extLst>
+              <a:ext uri="{FF2B5EF4-FFF2-40B4-BE49-F238E27FC236}">
+                <a16:creationId xmlns:a16="http://schemas.microsoft.com/office/drawing/2014/main" id="{BE31CD7A-93C1-C01A-2183-B6BAFD644C7D}"/>
+              </a:ext>
+            </a:extLst>
+          </p:cNvPr>
+          <p:cNvSpPr/>
+          <p:nvPr/>
+        </p:nvSpPr>
+        <p:spPr>
+          <a:xfrm>
+            <a:off x="251520" y="342900"/>
+            <a:ext cx="8640000" cy="720000"/>
+          </a:xfrm>
+          <a:prstGeom prst="rect">
+            <a:avLst/>
+          </a:prstGeom>
+          <a:solidFill>
+            <a:schemeClr val="bg1">
+              <a:lumMod val="85000"/>
+            </a:schemeClr>
+          </a:solidFill>
+          <a:ln>
+            <a:noFill/>
+          </a:ln>
+        </p:spPr>
+        <p:style>
+          <a:lnRef idx="2">
+            <a:schemeClr val="accent1">
+              <a:shade val="50000"/>
+            </a:schemeClr>
+          </a:lnRef>
+          <a:fillRef idx="1">
+            <a:schemeClr val="accent1"/>
+          </a:fillRef>
+          <a:effectRef idx="0">
+            <a:schemeClr val="accent1"/>
+          </a:effectRef>
+          <a:fontRef idx="minor">
+            <a:schemeClr val="lt1"/>
+          </a:fontRef>
+        </p:style>
+        <p:txBody>
+          <a:bodyPr rtlCol="0" anchor="ctr"/>
+          <a:lstStyle/>
+          <a:p>
+            <a:pPr algn="ctr"/>
+            <a:endParaRPr lang="ru-RU"/>
+          </a:p>
+        </p:txBody>
+      </p:sp>
+      <p:sp>
+        <p:nvSpPr>
+          <p:cNvPr id="2" name="Заголовок 1">
+            <a:extLst>
+              <a:ext uri="{FF2B5EF4-FFF2-40B4-BE49-F238E27FC236}">
+                <a16:creationId xmlns:a16="http://schemas.microsoft.com/office/drawing/2014/main" id="{33FC3FC9-C003-ACE0-0930-1195F5008B87}"/>
+              </a:ext>
+            </a:extLst>
+          </p:cNvPr>
+          <p:cNvSpPr>
+            <a:spLocks noGrp="1"/>
+          </p:cNvSpPr>
+          <p:nvPr>
+            <p:ph type="title"/>
+          </p:nvPr>
+        </p:nvSpPr>
+        <p:spPr>
+          <a:xfrm>
+            <a:off x="251519" y="355605"/>
+            <a:ext cx="8640001" cy="720725"/>
+          </a:xfrm>
+          <a:solidFill>
+            <a:srgbClr val="E6E6E6"/>
+          </a:solidFill>
+        </p:spPr>
+        <p:txBody>
+          <a:bodyPr>
+            <a:noAutofit/>
+          </a:bodyPr>
+          <a:lstStyle/>
+          <a:p>
+            <a:pPr algn="ctr"/>
+            <a:r>
+              <a:rPr lang="ru-RU" sz="1800" b="1" dirty="0">
+                <a:latin typeface="Elektra Text Pro"/>
+                <a:cs typeface="Arial" pitchFamily="34" charset="0"/>
+              </a:rPr>
+              <a:t>ЭКРАННАЯ ФОРМА</a:t>
+            </a:r>
+          </a:p>
+        </p:txBody>
+      </p:sp>
+      <p:sp>
+        <p:nvSpPr>
+          <p:cNvPr id="9" name="TextBox 8">
+            <a:extLst>
+              <a:ext uri="{FF2B5EF4-FFF2-40B4-BE49-F238E27FC236}">
+                <a16:creationId xmlns:a16="http://schemas.microsoft.com/office/drawing/2014/main" id="{534AD733-89AD-0FA3-9A38-9831BCC70B86}"/>
+              </a:ext>
+            </a:extLst>
+          </p:cNvPr>
+          <p:cNvSpPr txBox="1"/>
+          <p:nvPr/>
+        </p:nvSpPr>
+        <p:spPr>
+          <a:xfrm>
+            <a:off x="7956376" y="6165306"/>
+            <a:ext cx="916301" cy="369332"/>
+          </a:xfrm>
+          <a:prstGeom prst="rect">
+            <a:avLst/>
+          </a:prstGeom>
+          <a:noFill/>
+        </p:spPr>
+        <p:txBody>
+          <a:bodyPr wrap="square" rtlCol="0">
+            <a:spAutoFit/>
+          </a:bodyPr>
+          <a:lstStyle/>
+          <a:p>
+            <a:pPr algn="r"/>
+            <a:fld id="{249A5D52-88F9-4971-91E7-95B02B6DE201}" type="slidenum">
+              <a:rPr lang="ru-RU" smtClean="0"/>
+              <a:pPr algn="r"/>
+              <a:t>21</a:t>
+            </a:fld>
+            <a:r>
+              <a:rPr lang="ru-RU" dirty="0"/>
+              <a:t>/22</a:t>
+            </a:r>
+          </a:p>
+        </p:txBody>
+      </p:sp>
+      <p:sp>
+        <p:nvSpPr>
+          <p:cNvPr id="11" name="Заголовок 1">
+            <a:extLst>
+              <a:ext uri="{FF2B5EF4-FFF2-40B4-BE49-F238E27FC236}">
+                <a16:creationId xmlns:a16="http://schemas.microsoft.com/office/drawing/2014/main" id="{F8B64A0F-7C28-498F-AE82-B6C49B5DB168}"/>
+              </a:ext>
+            </a:extLst>
+          </p:cNvPr>
+          <p:cNvSpPr txBox="1">
+            <a:spLocks/>
+          </p:cNvSpPr>
+          <p:nvPr/>
+        </p:nvSpPr>
+        <p:spPr>
+          <a:xfrm>
+            <a:off x="251520" y="6112445"/>
+            <a:ext cx="7200800" cy="520850"/>
+          </a:xfrm>
+          <a:prstGeom prst="rect">
+            <a:avLst/>
+          </a:prstGeom>
+          <a:solidFill>
+            <a:srgbClr val="E6E6E6"/>
+          </a:solidFill>
+        </p:spPr>
+        <p:txBody>
+          <a:bodyPr vert="horz" lIns="91440" tIns="45720" rIns="91440" bIns="45720" rtlCol="0" anchor="ctr">
+            <a:noAutofit/>
+          </a:bodyPr>
+          <a:lstStyle>
+            <a:lvl1pPr algn="l" defTabSz="914400" rtl="0" eaLnBrk="1" latinLnBrk="0" hangingPunct="1">
+              <a:lnSpc>
+                <a:spcPct val="90000"/>
+              </a:lnSpc>
+              <a:spcBef>
+                <a:spcPct val="0"/>
+              </a:spcBef>
+              <a:buNone/>
+              <a:defRPr sz="4400" kern="1200">
+                <a:solidFill>
+                  <a:schemeClr val="tx1"/>
+                </a:solidFill>
+                <a:latin typeface="+mj-lt"/>
+                <a:ea typeface="+mj-ea"/>
+                <a:cs typeface="+mj-cs"/>
+              </a:defRPr>
+            </a:lvl1pPr>
+          </a:lstStyle>
+          <a:p>
+            <a:r>
+              <a:rPr lang="ru-RU" sz="1400" dirty="0">
+                <a:solidFill>
+                  <a:schemeClr val="tx1">
+                    <a:lumMod val="75000"/>
+                    <a:lumOff val="25000"/>
+                  </a:schemeClr>
+                </a:solidFill>
+                <a:latin typeface="Elektra Text Pro"/>
+                <a:cs typeface="Arial" pitchFamily="34" charset="0"/>
+              </a:rPr>
+              <a:t>Веб-приложение прогнозирования стоимости легкового автомобиля</a:t>
+            </a:r>
+          </a:p>
+        </p:txBody>
+      </p:sp>
+      <p:pic>
+        <p:nvPicPr>
+          <p:cNvPr id="4" name="Рисунок 3">
+            <a:extLst>
+              <a:ext uri="{FF2B5EF4-FFF2-40B4-BE49-F238E27FC236}">
+                <a16:creationId xmlns:a16="http://schemas.microsoft.com/office/drawing/2014/main" id="{54600216-65C4-2B2F-7C80-5B7CFAC7C267}"/>
+              </a:ext>
+            </a:extLst>
+          </p:cNvPr>
+          <p:cNvPicPr>
+            <a:picLocks noChangeAspect="1"/>
+          </p:cNvPicPr>
+          <p:nvPr/>
+        </p:nvPicPr>
+        <p:blipFill>
+          <a:blip r:embed="rId3"/>
+          <a:stretch>
+            <a:fillRect/>
+          </a:stretch>
+        </p:blipFill>
+        <p:spPr>
+          <a:xfrm>
+            <a:off x="3317270" y="1114790"/>
+            <a:ext cx="2508497" cy="4959195"/>
+          </a:xfrm>
+          <a:prstGeom prst="rect">
+            <a:avLst/>
+          </a:prstGeom>
+        </p:spPr>
+      </p:pic>
+    </p:spTree>
+    <p:extLst>
+      <p:ext uri="{BB962C8B-B14F-4D97-AF65-F5344CB8AC3E}">
+        <p14:creationId xmlns:p14="http://schemas.microsoft.com/office/powerpoint/2010/main" val="1713537609"/>
+      </p:ext>
+    </p:extLst>
+  </p:cSld>
+  <p:clrMapOvr>
+    <a:masterClrMapping/>
+  </p:clrMapOvr>
+</p:sld>
+</file>
+
+<file path=ppt/slides/slide22.xml><?xml version="1.0" encoding="utf-8"?>
+<p:sld xmlns:a="http://schemas.openxmlformats.org/drawingml/2006/main" xmlns:r="http://schemas.openxmlformats.org/officeDocument/2006/relationships" xmlns:p="http://schemas.openxmlformats.org/presentationml/2006/main">
+  <p:cSld>
+    <p:spTree>
+      <p:nvGrpSpPr>
+        <p:cNvPr id="1" name=""/>
+        <p:cNvGrpSpPr/>
+        <p:nvPr/>
+      </p:nvGrpSpPr>
+      <p:grpSpPr>
+        <a:xfrm>
+          <a:off x="0" y="0"/>
+          <a:ext cx="0" cy="0"/>
+          <a:chOff x="0" y="0"/>
+          <a:chExt cx="0" cy="0"/>
+        </a:xfrm>
+      </p:grpSpPr>
+      <p:sp>
+        <p:nvSpPr>
+          <p:cNvPr id="10" name="Нижний колонтитул 9"/>
+          <p:cNvSpPr>
+            <a:spLocks noGrp="1"/>
+          </p:cNvSpPr>
+          <p:nvPr>
+            <p:ph type="ftr" sz="quarter" idx="11"/>
+          </p:nvPr>
+        </p:nvSpPr>
+        <p:spPr>
+          <a:xfrm>
+            <a:off x="251520" y="6093295"/>
+            <a:ext cx="8640000" cy="540000"/>
+          </a:xfrm>
+          <a:solidFill>
+            <a:srgbClr val="E6E6E6"/>
+          </a:solidFill>
+        </p:spPr>
+        <p:txBody>
+          <a:bodyPr/>
+          <a:lstStyle/>
+          <a:p>
+            <a:pPr algn="l"/>
+            <a:r>
+              <a:rPr lang="ru-RU" sz="1400">
+                <a:solidFill>
+                  <a:schemeClr val="tx1">
+                    <a:lumMod val="75000"/>
+                    <a:lumOff val="25000"/>
+                  </a:schemeClr>
+                </a:solidFill>
+                <a:latin typeface="Elektra Text Pro"/>
+                <a:cs typeface="Arial" pitchFamily="34" charset="0"/>
+              </a:rPr>
+              <a:t>Веб-приложение прогнозирования стоимости легкового автомобиля</a:t>
+            </a:r>
+            <a:endParaRPr lang="ru-RU" sz="1400" dirty="0">
+              <a:solidFill>
+                <a:schemeClr val="tx1">
+                  <a:lumMod val="75000"/>
+                  <a:lumOff val="25000"/>
+                </a:schemeClr>
+              </a:solidFill>
+              <a:latin typeface="Elektra Text Pro"/>
+              <a:cs typeface="Arial" pitchFamily="34" charset="0"/>
+            </a:endParaRPr>
+          </a:p>
+        </p:txBody>
+      </p:sp>
+      <p:sp>
+        <p:nvSpPr>
+          <p:cNvPr id="6" name="Прямоугольник 5"/>
+          <p:cNvSpPr/>
+          <p:nvPr/>
+        </p:nvSpPr>
+        <p:spPr>
+          <a:xfrm>
+            <a:off x="251520" y="342900"/>
+            <a:ext cx="8640000" cy="720000"/>
+          </a:xfrm>
+          <a:prstGeom prst="rect">
+            <a:avLst/>
+          </a:prstGeom>
+          <a:solidFill>
+            <a:srgbClr val="E6E6E6"/>
+          </a:solidFill>
+          <a:ln>
+            <a:noFill/>
+          </a:ln>
+        </p:spPr>
+        <p:style>
+          <a:lnRef idx="2">
+            <a:schemeClr val="accent1">
+              <a:shade val="50000"/>
+            </a:schemeClr>
+          </a:lnRef>
+          <a:fillRef idx="1">
+            <a:schemeClr val="accent1"/>
+          </a:fillRef>
+          <a:effectRef idx="0">
+            <a:schemeClr val="accent1"/>
+          </a:effectRef>
+          <a:fontRef idx="minor">
+            <a:schemeClr val="lt1"/>
+          </a:fontRef>
+        </p:style>
+        <p:txBody>
+          <a:bodyPr rtlCol="0" anchor="ctr"/>
+          <a:lstStyle/>
+          <a:p>
+            <a:pPr algn="ctr"/>
+            <a:endParaRPr lang="ru-RU"/>
+          </a:p>
+        </p:txBody>
+      </p:sp>
+      <p:sp>
+        <p:nvSpPr>
+          <p:cNvPr id="2" name="Заголовок 1"/>
+          <p:cNvSpPr>
+            <a:spLocks noGrp="1"/>
+          </p:cNvSpPr>
+          <p:nvPr>
+            <p:ph type="title"/>
+          </p:nvPr>
+        </p:nvSpPr>
+        <p:spPr>
+          <a:xfrm>
             <a:off x="251520" y="355605"/>
             <a:ext cx="8640000" cy="720725"/>
           </a:xfrm>
@@ -9598,11 +11063,11 @@
             <a:fld id="{249A5D52-88F9-4971-91E7-95B02B6DE201}" type="slidenum">
               <a:rPr lang="ru-RU" smtClean="0"/>
               <a:pPr algn="r"/>
-              <a:t>19</a:t>
+              <a:t>22</a:t>
             </a:fld>
             <a:r>
               <a:rPr lang="ru-RU" dirty="0"/>
-              <a:t>/19</a:t>
+              <a:t>/22</a:t>
             </a:r>
           </a:p>
         </p:txBody>
@@ -9825,7 +11290,7 @@
 </p:sld>
 </file>
 
-<file path=ppt/slides/slide2.xml><?xml version="1.0" encoding="utf-8"?>
+<file path=ppt/slides/slide3.xml><?xml version="1.0" encoding="utf-8"?>
 <p:sld xmlns:a="http://schemas.openxmlformats.org/drawingml/2006/main" xmlns:r="http://schemas.openxmlformats.org/officeDocument/2006/relationships" xmlns:p="http://schemas.openxmlformats.org/presentationml/2006/main">
   <p:cSld>
     <p:spTree>
@@ -9958,7 +11423,7 @@
                 <a:latin typeface="Elektra Text Pro"/>
                 <a:cs typeface="Arial" pitchFamily="34" charset="0"/>
               </a:rPr>
-              <a:t>ЦЕЛЬ И ЗАДАЧИ</a:t>
+              <a:t>АКТУАЛЬНОСТЬ</a:t>
             </a:r>
           </a:p>
         </p:txBody>
@@ -9989,17 +11454,32 @@
               <a:buNone/>
             </a:pPr>
             <a:r>
-              <a:rPr lang="ru-RU" sz="1800" b="1" dirty="0">
+              <a:rPr lang="ru-RU" sz="2000" dirty="0">
                 <a:latin typeface="Elektra Text Pro" panose="02000503030000020004"/>
               </a:rPr>
-              <a:t>Цель работы </a:t>
-            </a:r>
-            <a:r>
-              <a:rPr lang="ru-RU" sz="1800" dirty="0">
+              <a:t>По данным аналитики </a:t>
+            </a:r>
+            <a:r>
+              <a:rPr lang="ru-RU" sz="2000" b="1" dirty="0" err="1">
                 <a:latin typeface="Elektra Text Pro" panose="02000503030000020004"/>
               </a:rPr>
-              <a:t>-  разработать веб-приложение для прогнозирования стоимости легкового автомобиля с использованием нескольких алгоритмов машинного обучения и провести сравнительный анализ их эффективности.</a:t>
-            </a:r>
+              <a:t>Автостата</a:t>
+            </a:r>
+            <a:r>
+              <a:rPr lang="ru-RU" sz="2000" dirty="0">
+                <a:latin typeface="Elektra Text Pro" panose="02000503030000020004"/>
+              </a:rPr>
+              <a:t> – крупнейшего российского аналитического агентства</a:t>
+            </a:r>
+            <a:r>
+              <a:rPr lang="ru-RU" sz="2000" b="1" dirty="0">
+                <a:latin typeface="Elektra Text Pro" panose="02000503030000020004"/>
+              </a:rPr>
+              <a:t>:</a:t>
+            </a:r>
+            <a:endParaRPr lang="ru-RU" sz="2000" dirty="0">
+              <a:latin typeface="Elektra Text Pro" panose="02000503030000020004"/>
+            </a:endParaRPr>
           </a:p>
           <a:p>
             <a:pPr marL="0" indent="0">
@@ -10010,87 +11490,111 @@
             </a:endParaRPr>
           </a:p>
           <a:p>
-            <a:pPr marL="0" indent="0">
-              <a:buNone/>
-            </a:pPr>
-            <a:r>
-              <a:rPr lang="ru-RU" sz="1800" b="1" dirty="0">
+            <a:r>
+              <a:rPr lang="ru-RU" sz="2000" dirty="0">
                 <a:latin typeface="Elektra Text Pro" panose="02000503030000020004"/>
               </a:rPr>
-              <a:t>Задачи:</a:t>
-            </a:r>
-          </a:p>
-          <a:p>
-            <a:r>
-              <a:rPr lang="ru-RU" sz="1800" dirty="0">
+              <a:t>В 2024–2025 гг. доля подержанных авто в РФ превышает </a:t>
+            </a:r>
+            <a:r>
+              <a:rPr lang="ru-RU" sz="2000" b="1" dirty="0">
                 <a:latin typeface="Elektra Text Pro" panose="02000503030000020004"/>
               </a:rPr>
-              <a:t>Провести анализ предметной области;</a:t>
-            </a:r>
-          </a:p>
-          <a:p>
-            <a:r>
-              <a:rPr lang="ru-RU" sz="1800" dirty="0">
+              <a:t>70%</a:t>
+            </a:r>
+            <a:r>
+              <a:rPr lang="ru-RU" sz="2000" dirty="0">
                 <a:latin typeface="Elektra Text Pro" panose="02000503030000020004"/>
               </a:rPr>
-              <a:t>Сделать обзор систем-аналогов в области прогнозирования стоимости автомобилей;</a:t>
-            </a:r>
-          </a:p>
-          <a:p>
-            <a:r>
-              <a:rPr lang="ru-RU" sz="1800" dirty="0">
+              <a:t> от всех сделок, новые составляют менее </a:t>
+            </a:r>
+            <a:r>
+              <a:rPr lang="ru-RU" sz="2000" b="1" dirty="0">
                 <a:latin typeface="Elektra Text Pro" panose="02000503030000020004"/>
               </a:rPr>
-              <a:t>Найти данные для обучения моделей машинного обучения;</a:t>
-            </a:r>
-          </a:p>
-          <a:p>
-            <a:r>
-              <a:rPr lang="ru-RU" sz="1800" dirty="0">
+              <a:t>30%</a:t>
+            </a:r>
+            <a:r>
+              <a:rPr lang="en-US" sz="2000" dirty="0">
                 <a:latin typeface="Elektra Text Pro" panose="02000503030000020004"/>
               </a:rPr>
-              <a:t>Провести сравнительный анализ примененных алгоритмов </a:t>
-            </a:r>
-            <a:r>
-              <a:rPr lang="ru-RU" sz="1800" dirty="0">
-                <a:solidFill>
-                  <a:schemeClr val="tx1">
-                    <a:lumMod val="75000"/>
-                    <a:lumOff val="25000"/>
-                  </a:schemeClr>
-                </a:solidFill>
-                <a:latin typeface="Elektra Text Pro"/>
-                <a:cs typeface="Arial" pitchFamily="34" charset="0"/>
-              </a:rPr>
-              <a:t>прогнозирования стоимости легкового автомобиля;</a:t>
-            </a:r>
-            <a:endParaRPr lang="ru-RU" sz="1800" dirty="0">
+              <a:t>;</a:t>
+            </a:r>
+            <a:endParaRPr lang="ru-RU" sz="2000" dirty="0">
               <a:latin typeface="Elektra Text Pro" panose="02000503030000020004"/>
             </a:endParaRPr>
           </a:p>
           <a:p>
             <a:r>
-              <a:rPr lang="ru-RU" sz="1800" dirty="0">
+              <a:rPr lang="ru-RU" sz="2000" dirty="0">
                 <a:latin typeface="Elektra Text Pro" panose="02000503030000020004"/>
               </a:rPr>
-              <a:t>Разработать и реализовать информационное и программное обеспечение;</a:t>
-            </a:r>
-          </a:p>
-          <a:p>
-            <a:r>
-              <a:rPr lang="ru-RU" sz="1800" dirty="0">
+              <a:t>Продажи новых машин в 2025 году ожидаются на уровне </a:t>
+            </a:r>
+            <a:r>
+              <a:rPr lang="ru-RU" sz="2000" b="1" dirty="0">
                 <a:latin typeface="Elektra Text Pro" panose="02000503030000020004"/>
               </a:rPr>
-              <a:t>Провести тестирование и отладку разработанного веб-приложения;</a:t>
-            </a:r>
-          </a:p>
-          <a:p>
-            <a:pPr marL="0" indent="0">
-              <a:buNone/>
-            </a:pPr>
-            <a:endParaRPr lang="ru-RU" sz="1800" dirty="0">
+              <a:t>1,5–1,8 млн </a:t>
+            </a:r>
+            <a:r>
+              <a:rPr lang="ru-RU" sz="2000" dirty="0">
+                <a:latin typeface="Elektra Text Pro" panose="02000503030000020004"/>
+              </a:rPr>
+              <a:t>, а подержанных — свыше </a:t>
+            </a:r>
+            <a:r>
+              <a:rPr lang="ru-RU" sz="2000" b="1" dirty="0">
+                <a:latin typeface="Elektra Text Pro" panose="02000503030000020004"/>
+              </a:rPr>
+              <a:t>3,5 млн</a:t>
+            </a:r>
+            <a:r>
+              <a:rPr lang="en-US" sz="2000" dirty="0">
+                <a:latin typeface="Elektra Text Pro" panose="02000503030000020004"/>
+              </a:rPr>
+              <a:t>;</a:t>
+            </a:r>
+            <a:endParaRPr lang="ru-RU" sz="2000" dirty="0">
               <a:latin typeface="Elektra Text Pro" panose="02000503030000020004"/>
             </a:endParaRPr>
+          </a:p>
+          <a:p>
+            <a:r>
+              <a:rPr lang="ru-RU" sz="2000" dirty="0">
+                <a:latin typeface="Elektra Text Pro" panose="02000503030000020004"/>
+              </a:rPr>
+              <a:t>Цены на новые авто вырастут в 2025 году примерно на </a:t>
+            </a:r>
+            <a:r>
+              <a:rPr lang="ru-RU" sz="2000" b="1" dirty="0">
+                <a:latin typeface="Elektra Text Pro" panose="02000503030000020004"/>
+              </a:rPr>
+              <a:t>10%</a:t>
+            </a:r>
+            <a:r>
+              <a:rPr lang="ru-RU" sz="2000" dirty="0">
+                <a:latin typeface="Elektra Text Pro" panose="02000503030000020004"/>
+              </a:rPr>
+              <a:t> , что усиливает интерес к подержанному сегменту</a:t>
+            </a:r>
+            <a:r>
+              <a:rPr lang="en-US" sz="2000" dirty="0">
+                <a:latin typeface="Elektra Text Pro" panose="02000503030000020004"/>
+              </a:rPr>
+              <a:t>;</a:t>
+            </a:r>
+            <a:endParaRPr lang="ru-RU" sz="2000" dirty="0">
+              <a:latin typeface="Elektra Text Pro" panose="02000503030000020004"/>
+            </a:endParaRPr>
+          </a:p>
+          <a:p>
+            <a:r>
+              <a:rPr lang="ru-RU" sz="2000" dirty="0">
+                <a:latin typeface="Elektra Text Pro" panose="02000503030000020004"/>
+              </a:rPr>
+              <a:t>Веб-приложения для оценки стоимости авто становятся востребованным инструментом на фоне роста вторичного рынка.</a:t>
+            </a:r>
           </a:p>
         </p:txBody>
       </p:sp>
@@ -10117,18 +11621,13 @@
           <a:lstStyle/>
           <a:p>
             <a:pPr algn="r"/>
-            <a:fld id="{249A5D52-88F9-4971-91E7-95B02B6DE201}" type="slidenum">
-              <a:rPr lang="ru-RU" smtClean="0"/>
-              <a:pPr algn="r"/>
-              <a:t>2</a:t>
-            </a:fld>
             <a:r>
               <a:rPr lang="ru-RU" dirty="0"/>
-              <a:t>/</a:t>
+              <a:t>3/</a:t>
             </a:r>
             <a:r>
               <a:rPr lang="en-US" dirty="0"/>
-              <a:t>19</a:t>
+              <a:t>22</a:t>
             </a:r>
             <a:endParaRPr lang="ru-RU" dirty="0"/>
           </a:p>
@@ -10197,349 +11696,7 @@
     </p:spTree>
     <p:extLst>
       <p:ext uri="{BB962C8B-B14F-4D97-AF65-F5344CB8AC3E}">
-        <p14:creationId xmlns:p14="http://schemas.microsoft.com/office/powerpoint/2010/main" val="1665863790"/>
-      </p:ext>
-    </p:extLst>
-  </p:cSld>
-  <p:clrMapOvr>
-    <a:masterClrMapping/>
-  </p:clrMapOvr>
-</p:sld>
-</file>
-
-<file path=ppt/slides/slide3.xml><?xml version="1.0" encoding="utf-8"?>
-<p:sld xmlns:a="http://schemas.openxmlformats.org/drawingml/2006/main" xmlns:r="http://schemas.openxmlformats.org/officeDocument/2006/relationships" xmlns:p="http://schemas.openxmlformats.org/presentationml/2006/main">
-  <p:cSld>
-    <p:spTree>
-      <p:nvGrpSpPr>
-        <p:cNvPr id="1" name=""/>
-        <p:cNvGrpSpPr/>
-        <p:nvPr/>
-      </p:nvGrpSpPr>
-      <p:grpSpPr>
-        <a:xfrm>
-          <a:off x="0" y="0"/>
-          <a:ext cx="0" cy="0"/>
-          <a:chOff x="0" y="0"/>
-          <a:chExt cx="0" cy="0"/>
-        </a:xfrm>
-      </p:grpSpPr>
-      <p:sp>
-        <p:nvSpPr>
-          <p:cNvPr id="10" name="Нижний колонтитул 9"/>
-          <p:cNvSpPr>
-            <a:spLocks noGrp="1"/>
-          </p:cNvSpPr>
-          <p:nvPr>
-            <p:ph type="ftr" sz="quarter" idx="11"/>
-          </p:nvPr>
-        </p:nvSpPr>
-        <p:spPr>
-          <a:xfrm>
-            <a:off x="251520" y="6093295"/>
-            <a:ext cx="8640000" cy="540000"/>
-          </a:xfrm>
-          <a:solidFill>
-            <a:srgbClr val="E6E6E6"/>
-          </a:solidFill>
-        </p:spPr>
-        <p:txBody>
-          <a:bodyPr/>
-          <a:lstStyle/>
-          <a:p>
-            <a:pPr algn="l"/>
-            <a:endParaRPr lang="ru-RU" sz="1400" b="1" dirty="0">
-              <a:solidFill>
-                <a:schemeClr val="tx1">
-                  <a:lumMod val="50000"/>
-                  <a:lumOff val="50000"/>
-                </a:schemeClr>
-              </a:solidFill>
-              <a:latin typeface="Arial" pitchFamily="34" charset="0"/>
-              <a:cs typeface="Arial" pitchFamily="34" charset="0"/>
-            </a:endParaRPr>
-          </a:p>
-        </p:txBody>
-      </p:sp>
-      <p:sp>
-        <p:nvSpPr>
-          <p:cNvPr id="6" name="Прямоугольник 5"/>
-          <p:cNvSpPr/>
-          <p:nvPr/>
-        </p:nvSpPr>
-        <p:spPr>
-          <a:xfrm>
-            <a:off x="251520" y="342900"/>
-            <a:ext cx="8640000" cy="720000"/>
-          </a:xfrm>
-          <a:prstGeom prst="rect">
-            <a:avLst/>
-          </a:prstGeom>
-          <a:solidFill>
-            <a:schemeClr val="bg1">
-              <a:lumMod val="85000"/>
-            </a:schemeClr>
-          </a:solidFill>
-          <a:ln>
-            <a:noFill/>
-          </a:ln>
-        </p:spPr>
-        <p:style>
-          <a:lnRef idx="2">
-            <a:schemeClr val="accent1">
-              <a:shade val="50000"/>
-            </a:schemeClr>
-          </a:lnRef>
-          <a:fillRef idx="1">
-            <a:schemeClr val="accent1"/>
-          </a:fillRef>
-          <a:effectRef idx="0">
-            <a:schemeClr val="accent1"/>
-          </a:effectRef>
-          <a:fontRef idx="minor">
-            <a:schemeClr val="lt1"/>
-          </a:fontRef>
-        </p:style>
-        <p:txBody>
-          <a:bodyPr rtlCol="0" anchor="ctr"/>
-          <a:lstStyle/>
-          <a:p>
-            <a:pPr algn="ctr"/>
-            <a:endParaRPr lang="ru-RU"/>
-          </a:p>
-        </p:txBody>
-      </p:sp>
-      <p:sp>
-        <p:nvSpPr>
-          <p:cNvPr id="2" name="Заголовок 1"/>
-          <p:cNvSpPr>
-            <a:spLocks noGrp="1"/>
-          </p:cNvSpPr>
-          <p:nvPr>
-            <p:ph type="title"/>
-          </p:nvPr>
-        </p:nvSpPr>
-        <p:spPr>
-          <a:xfrm>
-            <a:off x="251519" y="355605"/>
-            <a:ext cx="8640001" cy="720725"/>
-          </a:xfrm>
-          <a:solidFill>
-            <a:srgbClr val="E6E6E6"/>
-          </a:solidFill>
-        </p:spPr>
-        <p:txBody>
-          <a:bodyPr>
-            <a:noAutofit/>
-          </a:bodyPr>
-          <a:lstStyle/>
-          <a:p>
-            <a:pPr algn="ctr"/>
-            <a:r>
-              <a:rPr lang="ru-RU" sz="1800" b="1" dirty="0">
-                <a:latin typeface="Elektra Text Pro"/>
-                <a:cs typeface="Arial" pitchFamily="34" charset="0"/>
-              </a:rPr>
-              <a:t>ОПИСАНИЕ ПРЕДМЕТНОЙ ОБЛАСТИ</a:t>
-            </a:r>
-          </a:p>
-        </p:txBody>
-      </p:sp>
-      <p:sp>
-        <p:nvSpPr>
-          <p:cNvPr id="3" name="Объект 2"/>
-          <p:cNvSpPr>
-            <a:spLocks noGrp="1"/>
-          </p:cNvSpPr>
-          <p:nvPr>
-            <p:ph idx="1"/>
-          </p:nvPr>
-        </p:nvSpPr>
-        <p:spPr>
-          <a:xfrm>
-            <a:off x="251520" y="1268760"/>
-            <a:ext cx="8640000" cy="4610099"/>
-          </a:xfrm>
-        </p:spPr>
-        <p:txBody>
-          <a:bodyPr>
-            <a:normAutofit/>
-          </a:bodyPr>
-          <a:lstStyle/>
-          <a:p>
-            <a:pPr marL="0" indent="0">
-              <a:buNone/>
-            </a:pPr>
-            <a:r>
-              <a:rPr lang="ru-RU" sz="1800" b="1" dirty="0">
-                <a:latin typeface="Elektra Text Pro" panose="02000503030000020004"/>
-              </a:rPr>
-              <a:t>Прогнозирование стоимости легкового автомобиля</a:t>
-            </a:r>
-            <a:r>
-              <a:rPr lang="ru-RU" sz="1800" dirty="0">
-                <a:latin typeface="Elektra Text Pro" panose="02000503030000020004"/>
-              </a:rPr>
-              <a:t> – задача определения рыночной цены транспортного средства на основе его характеристик, таких как марка, модель, год выпуска, пробег, техническое состояние и другие параметры.</a:t>
-            </a:r>
-          </a:p>
-          <a:p>
-            <a:pPr marL="0" indent="0">
-              <a:buNone/>
-            </a:pPr>
-            <a:endParaRPr lang="ru-RU" sz="1800" dirty="0">
-              <a:latin typeface="Elektra Text Pro" panose="02000503030000020004"/>
-            </a:endParaRPr>
-          </a:p>
-          <a:p>
-            <a:pPr marL="0" indent="0">
-              <a:buNone/>
-            </a:pPr>
-            <a:r>
-              <a:rPr lang="ru-RU" sz="1800" dirty="0">
-                <a:latin typeface="Elektra Text Pro" panose="02000503030000020004"/>
-              </a:rPr>
-              <a:t>Прогнозирование стоимости автомобилей имеет множество практических применений:</a:t>
-            </a:r>
-          </a:p>
-          <a:p>
-            <a:r>
-              <a:rPr lang="ru-RU" sz="1800" dirty="0">
-                <a:latin typeface="Elektra Text Pro" panose="02000503030000020004"/>
-              </a:rPr>
-              <a:t>Помощь пользователям в оценке стоимости их автомобиля перед продажей или покупкой;</a:t>
-            </a:r>
-          </a:p>
-          <a:p>
-            <a:r>
-              <a:rPr lang="ru-RU" sz="1800" dirty="0">
-                <a:latin typeface="Elektra Text Pro" panose="02000503030000020004"/>
-              </a:rPr>
-              <a:t>Поддержка автодилеров и страховых компаний в определении справедливой цены для сделок и страховых выплат;</a:t>
-            </a:r>
-          </a:p>
-          <a:p>
-            <a:r>
-              <a:rPr lang="ru-RU" sz="1800" dirty="0">
-                <a:latin typeface="Elektra Text Pro" panose="02000503030000020004"/>
-              </a:rPr>
-              <a:t>Анализ рыночных тенденций и спроса на различные модели автомобилей;</a:t>
-            </a:r>
-          </a:p>
-          <a:p>
-            <a:r>
-              <a:rPr lang="ru-RU" sz="1800" dirty="0">
-                <a:latin typeface="Elektra Text Pro" panose="02000503030000020004"/>
-              </a:rPr>
-              <a:t>Автоматизация процессов оценки стоимости автомобилей в онлайн-сервисах (например, на платформах для продажи автомобилей).</a:t>
-            </a:r>
-          </a:p>
-        </p:txBody>
-      </p:sp>
-      <p:sp>
-        <p:nvSpPr>
-          <p:cNvPr id="9" name="TextBox 8"/>
-          <p:cNvSpPr txBox="1"/>
-          <p:nvPr/>
-        </p:nvSpPr>
-        <p:spPr>
-          <a:xfrm>
-            <a:off x="8172400" y="6165306"/>
-            <a:ext cx="700277" cy="369332"/>
-          </a:xfrm>
-          <a:prstGeom prst="rect">
-            <a:avLst/>
-          </a:prstGeom>
-          <a:noFill/>
-        </p:spPr>
-        <p:txBody>
-          <a:bodyPr wrap="square" rtlCol="0">
-            <a:spAutoFit/>
-          </a:bodyPr>
-          <a:lstStyle/>
-          <a:p>
-            <a:pPr algn="r"/>
-            <a:fld id="{249A5D52-88F9-4971-91E7-95B02B6DE201}" type="slidenum">
-              <a:rPr lang="ru-RU" smtClean="0"/>
-              <a:pPr algn="r"/>
-              <a:t>3</a:t>
-            </a:fld>
-            <a:r>
-              <a:rPr lang="ru-RU" dirty="0"/>
-              <a:t>/</a:t>
-            </a:r>
-            <a:r>
-              <a:rPr lang="en-US" dirty="0"/>
-              <a:t>19</a:t>
-            </a:r>
-            <a:endParaRPr lang="ru-RU" dirty="0"/>
-          </a:p>
-        </p:txBody>
-      </p:sp>
-      <p:sp>
-        <p:nvSpPr>
-          <p:cNvPr id="11" name="Заголовок 1"/>
-          <p:cNvSpPr txBox="1">
-            <a:spLocks/>
-          </p:cNvSpPr>
-          <p:nvPr/>
-        </p:nvSpPr>
-        <p:spPr>
-          <a:xfrm>
-            <a:off x="251520" y="6112445"/>
-            <a:ext cx="7200800" cy="520850"/>
-          </a:xfrm>
-          <a:prstGeom prst="rect">
-            <a:avLst/>
-          </a:prstGeom>
-          <a:solidFill>
-            <a:srgbClr val="E6E6E6"/>
-          </a:solidFill>
-        </p:spPr>
-        <p:txBody>
-          <a:bodyPr vert="horz" lIns="91440" tIns="45720" rIns="91440" bIns="45720" rtlCol="0" anchor="ctr">
-            <a:noAutofit/>
-          </a:bodyPr>
-          <a:lstStyle>
-            <a:lvl1pPr algn="l" defTabSz="914400" rtl="0" eaLnBrk="1" latinLnBrk="0" hangingPunct="1">
-              <a:lnSpc>
-                <a:spcPct val="90000"/>
-              </a:lnSpc>
-              <a:spcBef>
-                <a:spcPct val="0"/>
-              </a:spcBef>
-              <a:buNone/>
-              <a:defRPr sz="4400" kern="1200">
-                <a:solidFill>
-                  <a:schemeClr val="tx1"/>
-                </a:solidFill>
-                <a:latin typeface="+mj-lt"/>
-                <a:ea typeface="+mj-ea"/>
-                <a:cs typeface="+mj-cs"/>
-              </a:defRPr>
-            </a:lvl1pPr>
-          </a:lstStyle>
-          <a:p>
-            <a:r>
-              <a:rPr lang="ru-RU" sz="1400" dirty="0">
-                <a:solidFill>
-                  <a:schemeClr val="tx1">
-                    <a:lumMod val="75000"/>
-                    <a:lumOff val="25000"/>
-                  </a:schemeClr>
-                </a:solidFill>
-                <a:latin typeface="Elektra Text Pro"/>
-                <a:cs typeface="Arial" pitchFamily="34" charset="0"/>
-              </a:rPr>
-              <a:t>Веб-приложение прогнозирования стоимости легкового автомобиля</a:t>
-            </a:r>
-          </a:p>
-        </p:txBody>
-      </p:sp>
-    </p:spTree>
-    <p:extLst>
-      <p:ext uri="{BB962C8B-B14F-4D97-AF65-F5344CB8AC3E}">
-        <p14:creationId xmlns:p14="http://schemas.microsoft.com/office/powerpoint/2010/main" val="1237909290"/>
+        <p14:creationId xmlns:p14="http://schemas.microsoft.com/office/powerpoint/2010/main" val="2678357356"/>
       </p:ext>
     </p:extLst>
   </p:cSld>
@@ -10682,7 +11839,7 @@
                 <a:latin typeface="Elektra Text Pro"/>
                 <a:cs typeface="Arial" pitchFamily="34" charset="0"/>
               </a:rPr>
-              <a:t>ОПИСАНИЕ СИСТЕМ-АНАЛОГОВ</a:t>
+              <a:t>ОПИСАНИЕ ПРЕДМЕТНОЙ ОБЛАСТИ</a:t>
             </a:r>
           </a:p>
         </p:txBody>
@@ -10713,126 +11870,16 @@
               <a:buNone/>
             </a:pPr>
             <a:r>
-              <a:rPr lang="en-US" sz="1800" b="1" dirty="0" err="1">
-                <a:latin typeface="Elektra Text Pro" panose="02000503030000020004"/>
-              </a:rPr>
-              <a:t>Avito</a:t>
-            </a:r>
-            <a:r>
-              <a:rPr lang="en-US" sz="1800" b="1" dirty="0">
-                <a:latin typeface="Elektra Text Pro" panose="02000503030000020004"/>
-              </a:rPr>
-              <a:t> (</a:t>
-            </a:r>
-            <a:r>
               <a:rPr lang="ru-RU" sz="1800" b="1" dirty="0">
                 <a:latin typeface="Elektra Text Pro" panose="02000503030000020004"/>
               </a:rPr>
-              <a:t>Авто</a:t>
-            </a:r>
-            <a:r>
-              <a:rPr lang="en-US" sz="1800" b="1" dirty="0">
-                <a:latin typeface="Elektra Text Pro" panose="02000503030000020004"/>
-              </a:rPr>
-              <a:t>)</a:t>
+              <a:t>Прогнозирование стоимости легкового автомобиля</a:t>
             </a:r>
             <a:r>
               <a:rPr lang="ru-RU" sz="1800" dirty="0">
                 <a:latin typeface="Elektra Text Pro" panose="02000503030000020004"/>
               </a:rPr>
-              <a:t> – Сервис для размещения объявлений о продаже автомобилей, включающий функцию автоматической оценки стоимости на основе характеристик транспортного средства.</a:t>
-            </a:r>
-            <a:endParaRPr lang="en-US" sz="1800" dirty="0">
-              <a:latin typeface="Elektra Text Pro" panose="02000503030000020004"/>
-            </a:endParaRPr>
-          </a:p>
-          <a:p>
-            <a:pPr marL="0" indent="0">
-              <a:buNone/>
-            </a:pPr>
-            <a:endParaRPr lang="en-US" sz="1800" dirty="0">
-              <a:latin typeface="Elektra Text Pro" panose="02000503030000020004"/>
-            </a:endParaRPr>
-          </a:p>
-          <a:p>
-            <a:pPr marL="0" indent="0">
-              <a:buNone/>
-            </a:pPr>
-            <a:r>
-              <a:rPr lang="ru-RU" sz="1800" b="1" dirty="0">
-                <a:latin typeface="Elektra Text Pro" panose="02000503030000020004"/>
-              </a:rPr>
-              <a:t>Достоинства</a:t>
-            </a:r>
-            <a:r>
-              <a:rPr lang="ru-RU" sz="1800" dirty="0">
-                <a:latin typeface="Elektra Text Pro" panose="02000503030000020004"/>
-              </a:rPr>
-              <a:t>:</a:t>
-            </a:r>
-          </a:p>
-          <a:p>
-            <a:r>
-              <a:rPr lang="ru-RU" sz="1800" dirty="0">
-                <a:latin typeface="Elektra Text Pro" panose="02000503030000020004"/>
-              </a:rPr>
-              <a:t>Широкая база данных объявлений для анализа рыночных цен;</a:t>
-            </a:r>
-          </a:p>
-          <a:p>
-            <a:r>
-              <a:rPr lang="ru-RU" sz="1800" dirty="0">
-                <a:latin typeface="Elektra Text Pro" panose="02000503030000020004"/>
-              </a:rPr>
-              <a:t>Учет региональных особенностей при прогнозировании стоимости;</a:t>
-            </a:r>
-          </a:p>
-          <a:p>
-            <a:r>
-              <a:rPr lang="ru-RU" sz="1800" dirty="0">
-                <a:latin typeface="Elektra Text Pro" panose="02000503030000020004"/>
-              </a:rPr>
-              <a:t>Простой и интуитивно понятный интерфейс для пользователей.</a:t>
-            </a:r>
-          </a:p>
-          <a:p>
-            <a:endParaRPr lang="ru-RU" sz="1800" dirty="0">
-              <a:latin typeface="Elektra Text Pro" panose="02000503030000020004"/>
-            </a:endParaRPr>
-          </a:p>
-          <a:p>
-            <a:pPr marL="0" indent="0">
-              <a:buNone/>
-            </a:pPr>
-            <a:r>
-              <a:rPr lang="ru-RU" sz="1800" b="1" dirty="0">
-                <a:latin typeface="Elektra Text Pro" panose="02000503030000020004"/>
-              </a:rPr>
-              <a:t>Недостатки:</a:t>
-            </a:r>
-          </a:p>
-          <a:p>
-            <a:r>
-              <a:rPr lang="ru-RU" sz="1800" dirty="0">
-                <a:latin typeface="Elektra Text Pro" panose="02000503030000020004"/>
-              </a:rPr>
-              <a:t>Ограниченная прозрачность алгоритма оценки стоимости;</a:t>
-            </a:r>
-          </a:p>
-          <a:p>
-            <a:r>
-              <a:rPr lang="ru-RU" sz="1800" dirty="0">
-                <a:latin typeface="Elektra Text Pro" panose="02000503030000020004"/>
-              </a:rPr>
-              <a:t>Отсутствие детального анализа влияния отдельных характеристик на цену;</a:t>
-            </a:r>
-          </a:p>
-          <a:p>
-            <a:r>
-              <a:rPr lang="ru-RU" sz="1800" dirty="0">
-                <a:latin typeface="Elektra Text Pro" panose="02000503030000020004"/>
-              </a:rPr>
-              <a:t>Невозможность экспорта данных для дальнейшего анализа.</a:t>
+              <a:t> – задача определения рыночной цены транспортного средства на основе его характеристик, таких как марка, модель, год выпуска, пробег, техническое состояние и другие параметры.</a:t>
             </a:r>
           </a:p>
           <a:p>
@@ -10843,6 +11890,49 @@
               <a:latin typeface="Elektra Text Pro" panose="02000503030000020004"/>
             </a:endParaRPr>
           </a:p>
+          <a:p>
+            <a:pPr marL="0" indent="0">
+              <a:buNone/>
+            </a:pPr>
+            <a:r>
+              <a:rPr lang="ru-RU" sz="1800" dirty="0">
+                <a:latin typeface="Elektra Text Pro" panose="02000503030000020004"/>
+              </a:rPr>
+              <a:t>Прогнозирование стоимости автомобилей имеет множество практических применений:</a:t>
+            </a:r>
+          </a:p>
+          <a:p>
+            <a:r>
+              <a:rPr lang="ru-RU" sz="1800" dirty="0">
+                <a:latin typeface="Elektra Text Pro" panose="02000503030000020004"/>
+              </a:rPr>
+              <a:t>Помощь пользователям в оценке стоимости их автомобиля перед продажей или покупкой;</a:t>
+            </a:r>
+          </a:p>
+          <a:p>
+            <a:r>
+              <a:rPr lang="ru-RU" sz="1800" dirty="0">
+                <a:latin typeface="Elektra Text Pro" panose="02000503030000020004"/>
+              </a:rPr>
+              <a:t>Поддержка автодилеров и страховых компаний в определении справедливой цены для сделок и страховых выплат;</a:t>
+            </a:r>
+          </a:p>
+          <a:p>
+            <a:r>
+              <a:rPr lang="ru-RU" sz="1800" dirty="0">
+                <a:latin typeface="Elektra Text Pro" panose="02000503030000020004"/>
+              </a:rPr>
+              <a:t>Анализ рыночных тенденций и спроса на различные модели автомобилей;</a:t>
+            </a:r>
+          </a:p>
+          <a:p>
+            <a:r>
+              <a:rPr lang="ru-RU" sz="1800" dirty="0">
+                <a:latin typeface="Elektra Text Pro" panose="02000503030000020004"/>
+              </a:rPr>
+              <a:t>Автоматизация процессов оценки стоимости автомобилей в онлайн-сервисах (например, на платформах для продажи автомобилей).</a:t>
+            </a:r>
+          </a:p>
         </p:txBody>
       </p:sp>
       <p:sp>
@@ -10879,7 +11969,7 @@
             </a:r>
             <a:r>
               <a:rPr lang="en-US" dirty="0"/>
-              <a:t>19</a:t>
+              <a:t>22</a:t>
             </a:r>
             <a:endParaRPr lang="ru-RU" dirty="0"/>
           </a:p>
@@ -10948,7 +12038,7 @@
     </p:spTree>
     <p:extLst>
       <p:ext uri="{BB962C8B-B14F-4D97-AF65-F5344CB8AC3E}">
-        <p14:creationId xmlns:p14="http://schemas.microsoft.com/office/powerpoint/2010/main" val="2506087300"/>
+        <p14:creationId xmlns:p14="http://schemas.microsoft.com/office/powerpoint/2010/main" val="1237909290"/>
       </p:ext>
     </p:extLst>
   </p:cSld>
@@ -11091,33 +12181,8 @@
                 <a:latin typeface="Elektra Text Pro"/>
                 <a:cs typeface="Arial" pitchFamily="34" charset="0"/>
               </a:rPr>
-              <a:t>ЭКРАННАЯ ФОРМА РЕЗУЛЬТАТОВ АНАЛИЗА СИСТЕМЫ </a:t>
-            </a:r>
-            <a:r>
-              <a:rPr lang="en-US" sz="1800" b="1" dirty="0">
-                <a:latin typeface="Elektra Text Pro"/>
-                <a:cs typeface="Arial" pitchFamily="34" charset="0"/>
-              </a:rPr>
-              <a:t>AVITO (</a:t>
-            </a:r>
-            <a:r>
-              <a:rPr lang="ru-RU" sz="1800" b="1" dirty="0">
-                <a:latin typeface="Elektra Text Pro"/>
-                <a:cs typeface="Arial" pitchFamily="34" charset="0"/>
-              </a:rPr>
-              <a:t>АВТО</a:t>
-            </a:r>
-            <a:r>
-              <a:rPr lang="en-US" sz="1800" b="1" dirty="0">
-                <a:latin typeface="Elektra Text Pro"/>
-                <a:cs typeface="Arial" pitchFamily="34" charset="0"/>
-              </a:rPr>
-              <a:t>)</a:t>
-            </a:r>
-            <a:endParaRPr lang="ru-RU" sz="1800" b="1" dirty="0">
-              <a:latin typeface="Elektra Text Pro"/>
-              <a:cs typeface="Arial" pitchFamily="34" charset="0"/>
-            </a:endParaRPr>
+              <a:t>ОПИСАНИЕ СИСТЕМ-АНАЛОГОВ</a:t>
+            </a:r>
           </a:p>
         </p:txBody>
       </p:sp>
@@ -11142,6 +12207,111 @@
             <a:normAutofit/>
           </a:bodyPr>
           <a:lstStyle/>
+          <a:p>
+            <a:pPr marL="0" indent="0">
+              <a:buNone/>
+            </a:pPr>
+            <a:r>
+              <a:rPr lang="en-US" sz="1800" b="1" dirty="0" err="1">
+                <a:latin typeface="Elektra Text Pro" panose="02000503030000020004"/>
+              </a:rPr>
+              <a:t>Avito</a:t>
+            </a:r>
+            <a:r>
+              <a:rPr lang="en-US" sz="1800" b="1" dirty="0">
+                <a:latin typeface="Elektra Text Pro" panose="02000503030000020004"/>
+              </a:rPr>
+              <a:t> </a:t>
+            </a:r>
+            <a:r>
+              <a:rPr lang="ru-RU" sz="1800" b="1" dirty="0">
+                <a:latin typeface="Elektra Text Pro" panose="02000503030000020004"/>
+              </a:rPr>
+              <a:t>Авто </a:t>
+            </a:r>
+            <a:r>
+              <a:rPr lang="ru-RU" sz="1800" dirty="0">
+                <a:latin typeface="Elektra Text Pro" panose="02000503030000020004"/>
+              </a:rPr>
+              <a:t>– сервис для размещения объявлений о продаже автомобилей, включающий функцию автоматической оценки стоимости на основе характеристик транспортного средства.</a:t>
+            </a:r>
+            <a:endParaRPr lang="en-US" sz="1800" dirty="0">
+              <a:latin typeface="Elektra Text Pro" panose="02000503030000020004"/>
+            </a:endParaRPr>
+          </a:p>
+          <a:p>
+            <a:pPr marL="0" indent="0">
+              <a:buNone/>
+            </a:pPr>
+            <a:endParaRPr lang="en-US" sz="1800" dirty="0">
+              <a:latin typeface="Elektra Text Pro" panose="02000503030000020004"/>
+            </a:endParaRPr>
+          </a:p>
+          <a:p>
+            <a:pPr marL="0" indent="0">
+              <a:buNone/>
+            </a:pPr>
+            <a:r>
+              <a:rPr lang="ru-RU" sz="1800" b="1" dirty="0">
+                <a:latin typeface="Elektra Text Pro" panose="02000503030000020004"/>
+              </a:rPr>
+              <a:t>Достоинства</a:t>
+            </a:r>
+            <a:r>
+              <a:rPr lang="ru-RU" sz="1800" dirty="0">
+                <a:latin typeface="Elektra Text Pro" panose="02000503030000020004"/>
+              </a:rPr>
+              <a:t>:</a:t>
+            </a:r>
+          </a:p>
+          <a:p>
+            <a:r>
+              <a:rPr lang="ru-RU" sz="1800" dirty="0">
+                <a:latin typeface="Elektra Text Pro" panose="02000503030000020004"/>
+              </a:rPr>
+              <a:t>Широкая база данных объявлений для анализа рыночных цен;</a:t>
+            </a:r>
+          </a:p>
+          <a:p>
+            <a:r>
+              <a:rPr lang="ru-RU" sz="1800" dirty="0">
+                <a:latin typeface="Elektra Text Pro" panose="02000503030000020004"/>
+              </a:rPr>
+              <a:t>Учет региональных особенностей при прогнозировании стоимости;</a:t>
+            </a:r>
+          </a:p>
+          <a:p>
+            <a:endParaRPr lang="ru-RU" sz="1800" dirty="0">
+              <a:latin typeface="Elektra Text Pro" panose="02000503030000020004"/>
+            </a:endParaRPr>
+          </a:p>
+          <a:p>
+            <a:pPr marL="0" indent="0">
+              <a:buNone/>
+            </a:pPr>
+            <a:r>
+              <a:rPr lang="ru-RU" sz="1800" b="1" dirty="0">
+                <a:latin typeface="Elektra Text Pro" panose="02000503030000020004"/>
+              </a:rPr>
+              <a:t>Недостатки:</a:t>
+            </a:r>
+          </a:p>
+          <a:p>
+            <a:r>
+              <a:rPr lang="ru-RU" sz="1800" dirty="0">
+                <a:latin typeface="Elektra Text Pro" panose="02000503030000020004"/>
+              </a:rPr>
+              <a:t>Невозможность получить точный прогноз по введенным данным;</a:t>
+            </a:r>
+          </a:p>
+          <a:p>
+            <a:r>
+              <a:rPr lang="ru-RU" sz="1800" dirty="0">
+                <a:latin typeface="Elektra Text Pro" panose="02000503030000020004"/>
+              </a:rPr>
+              <a:t>Невозможность экспорта данных для дальнейшего анализа.</a:t>
+            </a:r>
+          </a:p>
           <a:p>
             <a:pPr marL="0" indent="0">
               <a:buNone/>
@@ -11150,14 +12320,6 @@
               <a:latin typeface="Elektra Text Pro" panose="02000503030000020004"/>
             </a:endParaRPr>
           </a:p>
-          <a:p>
-            <a:pPr marL="0" indent="0">
-              <a:buNone/>
-            </a:pPr>
-            <a:endParaRPr lang="ru-RU" sz="1800" dirty="0">
-              <a:latin typeface="Elektra Text Pro" panose="02000503030000020004"/>
-            </a:endParaRPr>
-          </a:p>
         </p:txBody>
       </p:sp>
       <p:sp>
@@ -11194,7 +12356,7 @@
             </a:r>
             <a:r>
               <a:rPr lang="en-US" dirty="0"/>
-              <a:t>19</a:t>
+              <a:t>22</a:t>
             </a:r>
             <a:endParaRPr lang="ru-RU" dirty="0"/>
           </a:p>
@@ -11260,70 +12422,10 @@
           </a:p>
         </p:txBody>
       </p:sp>
-      <p:pic>
-        <p:nvPicPr>
-          <p:cNvPr id="7" name="Рисунок 6">
-            <a:extLst>
-              <a:ext uri="{FF2B5EF4-FFF2-40B4-BE49-F238E27FC236}">
-                <a16:creationId xmlns:a16="http://schemas.microsoft.com/office/drawing/2014/main" id="{1DCBAD3B-033A-4304-877E-D712A9F0E1C6}"/>
-              </a:ext>
-            </a:extLst>
-          </p:cNvPr>
-          <p:cNvPicPr>
-            <a:picLocks noChangeAspect="1"/>
-          </p:cNvPicPr>
-          <p:nvPr/>
-        </p:nvPicPr>
-        <p:blipFill>
-          <a:blip r:embed="rId3"/>
-          <a:stretch>
-            <a:fillRect/>
-          </a:stretch>
-        </p:blipFill>
-        <p:spPr>
-          <a:xfrm>
-            <a:off x="220477" y="1697546"/>
-            <a:ext cx="4622521" cy="3717032"/>
-          </a:xfrm>
-          <a:prstGeom prst="rect">
-            <a:avLst/>
-          </a:prstGeom>
-        </p:spPr>
-      </p:pic>
-      <p:pic>
-        <p:nvPicPr>
-          <p:cNvPr id="12" name="Рисунок 11">
-            <a:extLst>
-              <a:ext uri="{FF2B5EF4-FFF2-40B4-BE49-F238E27FC236}">
-                <a16:creationId xmlns:a16="http://schemas.microsoft.com/office/drawing/2014/main" id="{1BC2EA15-F047-470C-A29C-395E2F9797C3}"/>
-              </a:ext>
-            </a:extLst>
-          </p:cNvPr>
-          <p:cNvPicPr>
-            <a:picLocks noChangeAspect="1"/>
-          </p:cNvPicPr>
-          <p:nvPr/>
-        </p:nvPicPr>
-        <p:blipFill>
-          <a:blip r:embed="rId4"/>
-          <a:stretch>
-            <a:fillRect/>
-          </a:stretch>
-        </p:blipFill>
-        <p:spPr>
-          <a:xfrm>
-            <a:off x="4764586" y="1697014"/>
-            <a:ext cx="4172460" cy="3832108"/>
-          </a:xfrm>
-          <a:prstGeom prst="rect">
-            <a:avLst/>
-          </a:prstGeom>
-        </p:spPr>
-      </p:pic>
     </p:spTree>
     <p:extLst>
       <p:ext uri="{BB962C8B-B14F-4D97-AF65-F5344CB8AC3E}">
-        <p14:creationId xmlns:p14="http://schemas.microsoft.com/office/powerpoint/2010/main" val="4179357815"/>
+        <p14:creationId xmlns:p14="http://schemas.microsoft.com/office/powerpoint/2010/main" val="2506087300"/>
       </p:ext>
     </p:extLst>
   </p:cSld>
@@ -11466,7 +12568,21 @@
                 <a:latin typeface="Elektra Text Pro"/>
                 <a:cs typeface="Arial" pitchFamily="34" charset="0"/>
               </a:rPr>
-              <a:t>ОПИСАНИЕ СИСТЕМ-АНАЛОГОВ</a:t>
+              <a:t>ЭКРАННАЯ ФОРМА РЕЗУЛЬТАТОВ АНАЛИЗА СИСТЕМЫ </a:t>
+            </a:r>
+            <a:r>
+              <a:rPr lang="en-US" sz="1800" b="1" dirty="0">
+                <a:latin typeface="Elektra Text Pro"/>
+                <a:cs typeface="Arial" pitchFamily="34" charset="0"/>
+              </a:rPr>
+              <a:t>AVITO </a:t>
+            </a:r>
+            <a:r>
+              <a:rPr lang="ru-RU" sz="1800" b="1" dirty="0">
+                <a:latin typeface="Elektra Text Pro"/>
+                <a:cs typeface="Arial" pitchFamily="34" charset="0"/>
+              </a:rPr>
+              <a:t>АВТО</a:t>
             </a:r>
           </a:p>
         </p:txBody>
@@ -11492,118 +12608,6 @@
             <a:normAutofit/>
           </a:bodyPr>
           <a:lstStyle/>
-          <a:p>
-            <a:pPr marL="0" indent="0">
-              <a:buNone/>
-            </a:pPr>
-            <a:r>
-              <a:rPr lang="en-US" sz="1800" b="1" dirty="0">
-                <a:latin typeface="Elektra Text Pro" panose="02000503030000020004"/>
-              </a:rPr>
-              <a:t>Auto.ru</a:t>
-            </a:r>
-            <a:r>
-              <a:rPr lang="ru-RU" sz="1800" b="1" dirty="0">
-                <a:latin typeface="Elektra Text Pro" panose="02000503030000020004"/>
-              </a:rPr>
-              <a:t> – п</a:t>
-            </a:r>
-            <a:r>
-              <a:rPr lang="ru-RU" sz="1800" dirty="0">
-                <a:latin typeface="Elektra Text Pro" panose="02000503030000020004"/>
-              </a:rPr>
-              <a:t>опулярный автомобильный портал, предоставляющий инструмент для прогнозирования стоимости автомобиля на основе его параметров и рыночных данных.</a:t>
-            </a:r>
-          </a:p>
-          <a:p>
-            <a:pPr marL="0" indent="0">
-              <a:buNone/>
-            </a:pPr>
-            <a:endParaRPr lang="en-US" sz="1800" dirty="0">
-              <a:latin typeface="Elektra Text Pro" panose="02000503030000020004"/>
-            </a:endParaRPr>
-          </a:p>
-          <a:p>
-            <a:pPr marL="0" indent="0">
-              <a:buNone/>
-            </a:pPr>
-            <a:r>
-              <a:rPr lang="ru-RU" sz="1800" b="1" dirty="0">
-                <a:latin typeface="Elektra Text Pro" panose="02000503030000020004"/>
-              </a:rPr>
-              <a:t>Достоинства</a:t>
-            </a:r>
-            <a:r>
-              <a:rPr lang="ru-RU" sz="1800" dirty="0">
-                <a:latin typeface="Elektra Text Pro" panose="02000503030000020004"/>
-              </a:rPr>
-              <a:t>:</a:t>
-            </a:r>
-          </a:p>
-          <a:p>
-            <a:r>
-              <a:rPr lang="ru-RU" sz="1800" dirty="0">
-                <a:latin typeface="Elektra Text Pro" panose="02000503030000020004"/>
-              </a:rPr>
-              <a:t>Высокая точность прогнозов благодаря большому объему данных;</a:t>
-            </a:r>
-          </a:p>
-          <a:p>
-            <a:r>
-              <a:rPr lang="ru-RU" sz="1800" dirty="0">
-                <a:latin typeface="Elektra Text Pro" panose="02000503030000020004"/>
-              </a:rPr>
-              <a:t>Учет истории объявления (количество владельцев, пробег, ремонт);</a:t>
-            </a:r>
-          </a:p>
-          <a:p>
-            <a:r>
-              <a:rPr lang="ru-RU" sz="1800" dirty="0">
-                <a:latin typeface="Elektra Text Pro" panose="02000503030000020004"/>
-              </a:rPr>
-              <a:t>Возможность сравнения с аналогичными предложениями на рынке.</a:t>
-            </a:r>
-          </a:p>
-          <a:p>
-            <a:endParaRPr lang="ru-RU" sz="1800" dirty="0">
-              <a:latin typeface="Elektra Text Pro" panose="02000503030000020004"/>
-            </a:endParaRPr>
-          </a:p>
-          <a:p>
-            <a:pPr marL="0" indent="0">
-              <a:buNone/>
-            </a:pPr>
-            <a:r>
-              <a:rPr lang="ru-RU" sz="1800" b="1" dirty="0">
-                <a:latin typeface="Elektra Text Pro" panose="02000503030000020004"/>
-              </a:rPr>
-              <a:t>Недостатки:</a:t>
-            </a:r>
-          </a:p>
-          <a:p>
-            <a:r>
-              <a:rPr lang="ru-RU" sz="1800" dirty="0">
-                <a:latin typeface="Elektra Text Pro" panose="02000503030000020004"/>
-              </a:rPr>
-              <a:t>Платный доступ к расширенным функциям анализа;</a:t>
-            </a:r>
-          </a:p>
-          <a:p>
-            <a:r>
-              <a:rPr lang="ru-RU" sz="1800" dirty="0">
-                <a:latin typeface="Elektra Text Pro" panose="02000503030000020004"/>
-              </a:rPr>
-              <a:t>Отсутствие гибкости в выборе методов прогнозирования;</a:t>
-            </a:r>
-          </a:p>
-          <a:p>
-            <a:r>
-              <a:rPr lang="ru-RU" sz="1800" dirty="0">
-                <a:latin typeface="Elektra Text Pro" panose="02000503030000020004"/>
-              </a:rPr>
-              <a:t>Ограниченная поддержка редких или нестандартных моделей автомобилей.</a:t>
-            </a:r>
-          </a:p>
           <a:p>
             <a:pPr marL="0" indent="0">
               <a:buNone/>
@@ -11612,6 +12616,14 @@
               <a:latin typeface="Elektra Text Pro" panose="02000503030000020004"/>
             </a:endParaRPr>
           </a:p>
+          <a:p>
+            <a:pPr marL="0" indent="0">
+              <a:buNone/>
+            </a:pPr>
+            <a:endParaRPr lang="ru-RU" sz="1800" dirty="0">
+              <a:latin typeface="Elektra Text Pro" panose="02000503030000020004"/>
+            </a:endParaRPr>
+          </a:p>
         </p:txBody>
       </p:sp>
       <p:sp>
@@ -11648,7 +12660,7 @@
             </a:r>
             <a:r>
               <a:rPr lang="en-US" dirty="0"/>
-              <a:t>19</a:t>
+              <a:t>22</a:t>
             </a:r>
             <a:endParaRPr lang="ru-RU" dirty="0"/>
           </a:p>
@@ -11714,10 +12726,70 @@
           </a:p>
         </p:txBody>
       </p:sp>
+      <p:pic>
+        <p:nvPicPr>
+          <p:cNvPr id="7" name="Рисунок 6">
+            <a:extLst>
+              <a:ext uri="{FF2B5EF4-FFF2-40B4-BE49-F238E27FC236}">
+                <a16:creationId xmlns:a16="http://schemas.microsoft.com/office/drawing/2014/main" id="{1DCBAD3B-033A-4304-877E-D712A9F0E1C6}"/>
+              </a:ext>
+            </a:extLst>
+          </p:cNvPr>
+          <p:cNvPicPr>
+            <a:picLocks noChangeAspect="1"/>
+          </p:cNvPicPr>
+          <p:nvPr/>
+        </p:nvPicPr>
+        <p:blipFill>
+          <a:blip r:embed="rId3"/>
+          <a:stretch>
+            <a:fillRect/>
+          </a:stretch>
+        </p:blipFill>
+        <p:spPr>
+          <a:xfrm>
+            <a:off x="220477" y="1697546"/>
+            <a:ext cx="4622521" cy="3717032"/>
+          </a:xfrm>
+          <a:prstGeom prst="rect">
+            <a:avLst/>
+          </a:prstGeom>
+        </p:spPr>
+      </p:pic>
+      <p:pic>
+        <p:nvPicPr>
+          <p:cNvPr id="12" name="Рисунок 11">
+            <a:extLst>
+              <a:ext uri="{FF2B5EF4-FFF2-40B4-BE49-F238E27FC236}">
+                <a16:creationId xmlns:a16="http://schemas.microsoft.com/office/drawing/2014/main" id="{1BC2EA15-F047-470C-A29C-395E2F9797C3}"/>
+              </a:ext>
+            </a:extLst>
+          </p:cNvPr>
+          <p:cNvPicPr>
+            <a:picLocks noChangeAspect="1"/>
+          </p:cNvPicPr>
+          <p:nvPr/>
+        </p:nvPicPr>
+        <p:blipFill>
+          <a:blip r:embed="rId4"/>
+          <a:stretch>
+            <a:fillRect/>
+          </a:stretch>
+        </p:blipFill>
+        <p:spPr>
+          <a:xfrm>
+            <a:off x="4764586" y="1697014"/>
+            <a:ext cx="4172460" cy="3832108"/>
+          </a:xfrm>
+          <a:prstGeom prst="rect">
+            <a:avLst/>
+          </a:prstGeom>
+        </p:spPr>
+      </p:pic>
     </p:spTree>
     <p:extLst>
       <p:ext uri="{BB962C8B-B14F-4D97-AF65-F5344CB8AC3E}">
-        <p14:creationId xmlns:p14="http://schemas.microsoft.com/office/powerpoint/2010/main" val="3988779645"/>
+        <p14:creationId xmlns:p14="http://schemas.microsoft.com/office/powerpoint/2010/main" val="4179357815"/>
       </p:ext>
     </p:extLst>
   </p:cSld>
@@ -11860,19 +12932,8 @@
                 <a:latin typeface="Elektra Text Pro"/>
                 <a:cs typeface="Arial" pitchFamily="34" charset="0"/>
               </a:rPr>
-              <a:t>ЭКРАННАЯ ФОРМА РЕЗУЛЬТАТОВ АНАЛИЗА СИСТЕМЫ </a:t>
-            </a:r>
-            <a:r>
-              <a:rPr lang="en-US" sz="1800" b="1" dirty="0">
-                <a:latin typeface="Elektra Text Pro"/>
-                <a:cs typeface="Arial" pitchFamily="34" charset="0"/>
-              </a:rPr>
-              <a:t>AUTO.RU</a:t>
-            </a:r>
-            <a:endParaRPr lang="ru-RU" sz="1800" b="1" dirty="0">
-              <a:latin typeface="Elektra Text Pro"/>
-              <a:cs typeface="Arial" pitchFamily="34" charset="0"/>
-            </a:endParaRPr>
+              <a:t>ОПИСАНИЕ СИСТЕМ-АНАЛОГОВ</a:t>
+            </a:r>
           </a:p>
         </p:txBody>
       </p:sp>
@@ -11897,6 +12958,102 @@
             <a:normAutofit/>
           </a:bodyPr>
           <a:lstStyle/>
+          <a:p>
+            <a:pPr marL="0" indent="0">
+              <a:buNone/>
+            </a:pPr>
+            <a:r>
+              <a:rPr lang="en-US" sz="1800" b="1" dirty="0">
+                <a:latin typeface="Elektra Text Pro" panose="02000503030000020004"/>
+              </a:rPr>
+              <a:t>Auto.ru</a:t>
+            </a:r>
+            <a:r>
+              <a:rPr lang="ru-RU" sz="1800" b="1" dirty="0">
+                <a:latin typeface="Elektra Text Pro" panose="02000503030000020004"/>
+              </a:rPr>
+              <a:t> – </a:t>
+            </a:r>
+            <a:r>
+              <a:rPr lang="ru-RU" sz="1800" dirty="0">
+                <a:latin typeface="Elektra Text Pro" panose="02000503030000020004"/>
+              </a:rPr>
+              <a:t>популярный автомобильный портал, предоставляющий инструмент для прогнозирования стоимости автомобиля на основе его параметров и рыночных данных.</a:t>
+            </a:r>
+          </a:p>
+          <a:p>
+            <a:pPr marL="0" indent="0">
+              <a:buNone/>
+            </a:pPr>
+            <a:endParaRPr lang="en-US" sz="1800" dirty="0">
+              <a:latin typeface="Elektra Text Pro" panose="02000503030000020004"/>
+            </a:endParaRPr>
+          </a:p>
+          <a:p>
+            <a:pPr marL="0" indent="0">
+              <a:buNone/>
+            </a:pPr>
+            <a:r>
+              <a:rPr lang="ru-RU" sz="1800" b="1" dirty="0">
+                <a:latin typeface="Elektra Text Pro" panose="02000503030000020004"/>
+              </a:rPr>
+              <a:t>Достоинства</a:t>
+            </a:r>
+            <a:r>
+              <a:rPr lang="ru-RU" sz="1800" dirty="0">
+                <a:latin typeface="Elektra Text Pro" panose="02000503030000020004"/>
+              </a:rPr>
+              <a:t>:</a:t>
+            </a:r>
+          </a:p>
+          <a:p>
+            <a:r>
+              <a:rPr lang="ru-RU" sz="1800" dirty="0">
+                <a:latin typeface="Elektra Text Pro" panose="02000503030000020004"/>
+              </a:rPr>
+              <a:t>Возможность прогноза по введенным данным автомобиля;</a:t>
+            </a:r>
+          </a:p>
+          <a:p>
+            <a:r>
+              <a:rPr lang="ru-RU" sz="1800" dirty="0">
+                <a:latin typeface="Elektra Text Pro" panose="02000503030000020004"/>
+              </a:rPr>
+              <a:t>Учет истории объявления (количество владельцев, пробег, ремонт).</a:t>
+            </a:r>
+          </a:p>
+          <a:p>
+            <a:endParaRPr lang="ru-RU" sz="1800" dirty="0">
+              <a:latin typeface="Elektra Text Pro" panose="02000503030000020004"/>
+            </a:endParaRPr>
+          </a:p>
+          <a:p>
+            <a:pPr marL="0" indent="0">
+              <a:buNone/>
+            </a:pPr>
+            <a:r>
+              <a:rPr lang="ru-RU" sz="1800" b="1" dirty="0">
+                <a:latin typeface="Elektra Text Pro" panose="02000503030000020004"/>
+              </a:rPr>
+              <a:t>Недостатки:</a:t>
+            </a:r>
+          </a:p>
+          <a:p>
+            <a:r>
+              <a:rPr lang="ru-RU" sz="1800" dirty="0">
+                <a:latin typeface="Elektra Text Pro" panose="02000503030000020004"/>
+              </a:rPr>
+              <a:t>Платный доступ к расширенным функциям анализа;</a:t>
+            </a:r>
+          </a:p>
+          <a:p>
+            <a:r>
+              <a:rPr lang="ru-RU" sz="1800" dirty="0">
+                <a:latin typeface="Elektra Text Pro" panose="02000503030000020004"/>
+              </a:rPr>
+              <a:t>Менее широкая база данных объявлений для анализа рыночных цен.</a:t>
+            </a:r>
+          </a:p>
           <a:p>
             <a:pPr marL="0" indent="0">
               <a:buNone/>
@@ -11905,14 +13062,6 @@
               <a:latin typeface="Elektra Text Pro" panose="02000503030000020004"/>
             </a:endParaRPr>
           </a:p>
-          <a:p>
-            <a:pPr marL="0" indent="0">
-              <a:buNone/>
-            </a:pPr>
-            <a:endParaRPr lang="ru-RU" sz="1800" dirty="0">
-              <a:latin typeface="Elektra Text Pro" panose="02000503030000020004"/>
-            </a:endParaRPr>
-          </a:p>
         </p:txBody>
       </p:sp>
       <p:sp>
@@ -11949,7 +13098,7 @@
             </a:r>
             <a:r>
               <a:rPr lang="en-US" dirty="0"/>
-              <a:t>19</a:t>
+              <a:t>22</a:t>
             </a:r>
             <a:endParaRPr lang="ru-RU" dirty="0"/>
           </a:p>
@@ -12015,70 +13164,10 @@
           </a:p>
         </p:txBody>
       </p:sp>
-      <p:pic>
-        <p:nvPicPr>
-          <p:cNvPr id="12" name="Рисунок 11">
-            <a:extLst>
-              <a:ext uri="{FF2B5EF4-FFF2-40B4-BE49-F238E27FC236}">
-                <a16:creationId xmlns:a16="http://schemas.microsoft.com/office/drawing/2014/main" id="{82D10D49-3104-48A1-905C-437FA8819B9B}"/>
-              </a:ext>
-            </a:extLst>
-          </p:cNvPr>
-          <p:cNvPicPr>
-            <a:picLocks noChangeAspect="1"/>
-          </p:cNvPicPr>
-          <p:nvPr/>
-        </p:nvPicPr>
-        <p:blipFill>
-          <a:blip r:embed="rId3"/>
-          <a:stretch>
-            <a:fillRect/>
-          </a:stretch>
-        </p:blipFill>
-        <p:spPr>
-          <a:xfrm>
-            <a:off x="1711804" y="1095480"/>
-            <a:ext cx="5875796" cy="2282289"/>
-          </a:xfrm>
-          <a:prstGeom prst="rect">
-            <a:avLst/>
-          </a:prstGeom>
-        </p:spPr>
-      </p:pic>
-      <p:pic>
-        <p:nvPicPr>
-          <p:cNvPr id="14" name="Рисунок 13">
-            <a:extLst>
-              <a:ext uri="{FF2B5EF4-FFF2-40B4-BE49-F238E27FC236}">
-                <a16:creationId xmlns:a16="http://schemas.microsoft.com/office/drawing/2014/main" id="{869B28AE-D266-4E2C-88F2-BB351FD23616}"/>
-              </a:ext>
-            </a:extLst>
-          </p:cNvPr>
-          <p:cNvPicPr>
-            <a:picLocks noChangeAspect="1"/>
-          </p:cNvPicPr>
-          <p:nvPr/>
-        </p:nvPicPr>
-        <p:blipFill>
-          <a:blip r:embed="rId4"/>
-          <a:stretch>
-            <a:fillRect/>
-          </a:stretch>
-        </p:blipFill>
-        <p:spPr>
-          <a:xfrm>
-            <a:off x="1711805" y="3396919"/>
-            <a:ext cx="5875796" cy="2615174"/>
-          </a:xfrm>
-          <a:prstGeom prst="rect">
-            <a:avLst/>
-          </a:prstGeom>
-        </p:spPr>
-      </p:pic>
     </p:spTree>
     <p:extLst>
       <p:ext uri="{BB962C8B-B14F-4D97-AF65-F5344CB8AC3E}">
-        <p14:creationId xmlns:p14="http://schemas.microsoft.com/office/powerpoint/2010/main" val="97050757"/>
+        <p14:creationId xmlns:p14="http://schemas.microsoft.com/office/powerpoint/2010/main" val="3988779645"/>
       </p:ext>
     </p:extLst>
   </p:cSld>
@@ -12221,8 +13310,58 @@
                 <a:latin typeface="Elektra Text Pro"/>
                 <a:cs typeface="Arial" pitchFamily="34" charset="0"/>
               </a:rPr>
-              <a:t>ИСТОЧНИК ДАННЫХ ДЛЯ ОБУЧЕНИЯ И ПРОЦЕСС СБОРА</a:t>
-            </a:r>
+              <a:t>ЭКРАННАЯ ФОРМА РЕЗУЛЬТАТОВ АНАЛИЗА СИСТЕМЫ </a:t>
+            </a:r>
+            <a:r>
+              <a:rPr lang="en-US" sz="1800" b="1" dirty="0">
+                <a:latin typeface="Elektra Text Pro"/>
+                <a:cs typeface="Arial" pitchFamily="34" charset="0"/>
+              </a:rPr>
+              <a:t>AUTO.RU</a:t>
+            </a:r>
+            <a:endParaRPr lang="ru-RU" sz="1800" b="1" dirty="0">
+              <a:latin typeface="Elektra Text Pro"/>
+              <a:cs typeface="Arial" pitchFamily="34" charset="0"/>
+            </a:endParaRPr>
+          </a:p>
+        </p:txBody>
+      </p:sp>
+      <p:sp>
+        <p:nvSpPr>
+          <p:cNvPr id="3" name="Объект 2"/>
+          <p:cNvSpPr>
+            <a:spLocks noGrp="1"/>
+          </p:cNvSpPr>
+          <p:nvPr>
+            <p:ph idx="1"/>
+          </p:nvPr>
+        </p:nvSpPr>
+        <p:spPr>
+          <a:xfrm>
+            <a:off x="251520" y="1268760"/>
+            <a:ext cx="8640000" cy="4610099"/>
+          </a:xfrm>
+        </p:spPr>
+        <p:txBody>
+          <a:bodyPr>
+            <a:normAutofit/>
+          </a:bodyPr>
+          <a:lstStyle/>
+          <a:p>
+            <a:pPr marL="0" indent="0">
+              <a:buNone/>
+            </a:pPr>
+            <a:endParaRPr lang="ru-RU" sz="1800" dirty="0">
+              <a:latin typeface="Elektra Text Pro" panose="02000503030000020004"/>
+            </a:endParaRPr>
+          </a:p>
+          <a:p>
+            <a:pPr marL="0" indent="0">
+              <a:buNone/>
+            </a:pPr>
+            <a:endParaRPr lang="ru-RU" sz="1800" dirty="0">
+              <a:latin typeface="Elektra Text Pro" panose="02000503030000020004"/>
+            </a:endParaRPr>
           </a:p>
         </p:txBody>
       </p:sp>
@@ -12260,7 +13399,7 @@
             </a:r>
             <a:r>
               <a:rPr lang="en-US" dirty="0"/>
-              <a:t>19</a:t>
+              <a:t>22</a:t>
             </a:r>
             <a:endParaRPr lang="ru-RU" dirty="0"/>
           </a:p>
@@ -12326,137 +13465,70 @@
           </a:p>
         </p:txBody>
       </p:sp>
-      <p:sp>
-        <p:nvSpPr>
-          <p:cNvPr id="8" name="Объект 7">
+      <p:pic>
+        <p:nvPicPr>
+          <p:cNvPr id="12" name="Рисунок 11">
             <a:extLst>
               <a:ext uri="{FF2B5EF4-FFF2-40B4-BE49-F238E27FC236}">
-                <a16:creationId xmlns:a16="http://schemas.microsoft.com/office/drawing/2014/main" id="{405586EC-75FD-4D85-9C82-9C8E0D9D7BF5}"/>
+                <a16:creationId xmlns:a16="http://schemas.microsoft.com/office/drawing/2014/main" id="{82D10D49-3104-48A1-905C-437FA8819B9B}"/>
               </a:ext>
             </a:extLst>
           </p:cNvPr>
-          <p:cNvSpPr>
-            <a:spLocks noGrp="1"/>
-          </p:cNvSpPr>
-          <p:nvPr>
-            <p:ph idx="1"/>
-          </p:nvPr>
-        </p:nvSpPr>
-        <p:spPr>
-          <a:xfrm>
-            <a:off x="271323" y="1148341"/>
-            <a:ext cx="8601354" cy="5028622"/>
-          </a:xfrm>
-        </p:spPr>
-        <p:txBody>
-          <a:bodyPr>
-            <a:normAutofit/>
-          </a:bodyPr>
-          <a:lstStyle/>
-          <a:p>
-            <a:pPr marL="0" indent="0" algn="l">
-              <a:buNone/>
-            </a:pPr>
-            <a:r>
-              <a:rPr lang="ru-RU" sz="2100" b="1" dirty="0">
-                <a:latin typeface="Elektra Text Pro" panose="02000503030000020004"/>
-              </a:rPr>
-              <a:t>Сбор данных</a:t>
-            </a:r>
-            <a:r>
-              <a:rPr lang="ru-RU" sz="2100" dirty="0">
-                <a:latin typeface="Elektra Text Pro" panose="02000503030000020004"/>
-              </a:rPr>
-              <a:t> является ключевым этапом разработки модели машинного обучения, так как качество прогнозов напрямую зависит от объема и репрезентативности данных. На основе собранных характеристик автомобилей модель обучается выявлять закономерности между входными параметрами и стоимостью, что позволяет ей делать точные предсказания для новых данных.</a:t>
-            </a:r>
-          </a:p>
-          <a:p>
-            <a:pPr marL="0" indent="0" algn="l">
-              <a:buNone/>
-            </a:pPr>
-            <a:r>
-              <a:rPr lang="ru-RU" sz="2100" dirty="0">
-                <a:latin typeface="Elektra Text Pro" panose="02000503030000020004"/>
-              </a:rPr>
-              <a:t>Для </a:t>
-            </a:r>
-            <a:r>
-              <a:rPr lang="ru-RU" sz="2100" b="1" dirty="0">
-                <a:latin typeface="Elektra Text Pro" panose="02000503030000020004"/>
-              </a:rPr>
-              <a:t>обучения</a:t>
-            </a:r>
-            <a:r>
-              <a:rPr lang="ru-RU" sz="2100" dirty="0">
-                <a:latin typeface="Elektra Text Pro" panose="02000503030000020004"/>
-              </a:rPr>
-              <a:t> модели прогнозирования стоимости автомобилей использовались данные, собранные с платформы </a:t>
-            </a:r>
-            <a:r>
-              <a:rPr lang="ru-RU" sz="2100" dirty="0" err="1">
-                <a:latin typeface="Elektra Text Pro" panose="02000503030000020004"/>
-              </a:rPr>
-              <a:t>Авито</a:t>
-            </a:r>
-            <a:r>
-              <a:rPr lang="ru-RU" sz="2100" dirty="0">
-                <a:latin typeface="Elektra Text Pro" panose="02000503030000020004"/>
-              </a:rPr>
-              <a:t> — одного из крупнейших российских сайтов объявлений о продаже автомобилей.</a:t>
-            </a:r>
-          </a:p>
-          <a:p>
-            <a:pPr marL="0" indent="0" algn="l">
-              <a:buNone/>
-            </a:pPr>
-            <a:r>
-              <a:rPr lang="ru-RU" sz="2100" dirty="0">
-                <a:latin typeface="Elektra Text Pro" panose="02000503030000020004"/>
-              </a:rPr>
-              <a:t>С помощью библиотеки </a:t>
-            </a:r>
-            <a:r>
-              <a:rPr lang="en-US" sz="2100" dirty="0">
-                <a:latin typeface="Elektra Text Pro" panose="02000503030000020004"/>
-              </a:rPr>
-              <a:t>Selenium </a:t>
-            </a:r>
-            <a:r>
-              <a:rPr lang="ru-RU" sz="2100" dirty="0">
-                <a:latin typeface="Elektra Text Pro" panose="02000503030000020004"/>
-              </a:rPr>
-              <a:t>бал разработан парсер, который автоматически собирает информацию из объявлений о продаже автомобилей.</a:t>
-            </a:r>
-          </a:p>
-          <a:p>
-            <a:pPr marL="0" indent="0">
-              <a:buNone/>
-            </a:pPr>
-            <a:r>
-              <a:rPr lang="ru-RU" sz="2100" dirty="0">
-                <a:latin typeface="Elektra Text Pro" panose="02000503030000020004"/>
-              </a:rPr>
-              <a:t>В результате </a:t>
-            </a:r>
-            <a:r>
-              <a:rPr lang="ru-RU" sz="2100" dirty="0" err="1">
-                <a:latin typeface="Elektra Text Pro" panose="02000503030000020004"/>
-              </a:rPr>
-              <a:t>парсинга</a:t>
-            </a:r>
-            <a:r>
-              <a:rPr lang="ru-RU" sz="2100" dirty="0">
-                <a:latin typeface="Elektra Text Pro" panose="02000503030000020004"/>
-              </a:rPr>
-              <a:t> были собраны данные о 19994 автомобилях в Самарской области.</a:t>
-            </a:r>
-          </a:p>
-        </p:txBody>
-      </p:sp>
+          <p:cNvPicPr>
+            <a:picLocks noChangeAspect="1"/>
+          </p:cNvPicPr>
+          <p:nvPr/>
+        </p:nvPicPr>
+        <p:blipFill>
+          <a:blip r:embed="rId3"/>
+          <a:stretch>
+            <a:fillRect/>
+          </a:stretch>
+        </p:blipFill>
+        <p:spPr>
+          <a:xfrm>
+            <a:off x="1711804" y="1095480"/>
+            <a:ext cx="5875796" cy="2282289"/>
+          </a:xfrm>
+          <a:prstGeom prst="rect">
+            <a:avLst/>
+          </a:prstGeom>
+        </p:spPr>
+      </p:pic>
+      <p:pic>
+        <p:nvPicPr>
+          <p:cNvPr id="14" name="Рисунок 13">
+            <a:extLst>
+              <a:ext uri="{FF2B5EF4-FFF2-40B4-BE49-F238E27FC236}">
+                <a16:creationId xmlns:a16="http://schemas.microsoft.com/office/drawing/2014/main" id="{869B28AE-D266-4E2C-88F2-BB351FD23616}"/>
+              </a:ext>
+            </a:extLst>
+          </p:cNvPr>
+          <p:cNvPicPr>
+            <a:picLocks noChangeAspect="1"/>
+          </p:cNvPicPr>
+          <p:nvPr/>
+        </p:nvPicPr>
+        <p:blipFill>
+          <a:blip r:embed="rId4"/>
+          <a:stretch>
+            <a:fillRect/>
+          </a:stretch>
+        </p:blipFill>
+        <p:spPr>
+          <a:xfrm>
+            <a:off x="1711805" y="3396919"/>
+            <a:ext cx="5875796" cy="2615174"/>
+          </a:xfrm>
+          <a:prstGeom prst="rect">
+            <a:avLst/>
+          </a:prstGeom>
+        </p:spPr>
+      </p:pic>
     </p:spTree>
     <p:extLst>
       <p:ext uri="{BB962C8B-B14F-4D97-AF65-F5344CB8AC3E}">
-        <p14:creationId xmlns:p14="http://schemas.microsoft.com/office/powerpoint/2010/main" val="1111794467"/>
+        <p14:creationId xmlns:p14="http://schemas.microsoft.com/office/powerpoint/2010/main" val="97050757"/>
       </p:ext>
     </p:extLst>
   </p:cSld>
@@ -12638,7 +13710,7 @@
             </a:r>
             <a:r>
               <a:rPr lang="en-US" dirty="0"/>
-              <a:t>19</a:t>
+              <a:t>22</a:t>
             </a:r>
             <a:endParaRPr lang="ru-RU" dirty="0"/>
           </a:p>
@@ -12722,65 +13794,144 @@
         </p:nvSpPr>
         <p:spPr>
           <a:xfrm>
-            <a:off x="395537" y="3736091"/>
-            <a:ext cx="8477140" cy="2440871"/>
+            <a:off x="290166" y="3633541"/>
+            <a:ext cx="8601354" cy="2270630"/>
           </a:xfrm>
         </p:spPr>
         <p:txBody>
           <a:bodyPr>
-            <a:normAutofit/>
+            <a:noAutofit/>
           </a:bodyPr>
           <a:lstStyle/>
+          <a:p>
+            <a:pPr marL="0" indent="0">
+              <a:buNone/>
+            </a:pPr>
+            <a:r>
+              <a:rPr lang="ru-RU" sz="1800" dirty="0">
+                <a:latin typeface="Elektra Text Pro" panose="02000503030000020004"/>
+              </a:rPr>
+              <a:t>Для </a:t>
+            </a:r>
+            <a:r>
+              <a:rPr lang="ru-RU" sz="1800" b="1" dirty="0">
+                <a:latin typeface="Elektra Text Pro" panose="02000503030000020004"/>
+              </a:rPr>
+              <a:t>обучения</a:t>
+            </a:r>
+            <a:r>
+              <a:rPr lang="ru-RU" sz="1800" dirty="0">
+                <a:latin typeface="Elektra Text Pro" panose="02000503030000020004"/>
+              </a:rPr>
+              <a:t> модели прогнозирования стоимости автомобилей использовались данные, собранные с платформы </a:t>
+            </a:r>
+            <a:r>
+              <a:rPr lang="ru-RU" sz="1800" dirty="0" err="1">
+                <a:latin typeface="Elektra Text Pro" panose="02000503030000020004"/>
+              </a:rPr>
+              <a:t>Авито</a:t>
+            </a:r>
+            <a:r>
+              <a:rPr lang="ru-RU" sz="1800" dirty="0">
+                <a:latin typeface="Elektra Text Pro" panose="02000503030000020004"/>
+              </a:rPr>
+              <a:t> — одного из крупнейших российских сайтов объявлений о продаже автомобилей. В результате </a:t>
+            </a:r>
+            <a:r>
+              <a:rPr lang="ru-RU" sz="1800" dirty="0" err="1">
+                <a:latin typeface="Elektra Text Pro" panose="02000503030000020004"/>
+              </a:rPr>
+              <a:t>парсинга</a:t>
+            </a:r>
+            <a:r>
+              <a:rPr lang="ru-RU" sz="1800" dirty="0">
+                <a:latin typeface="Elektra Text Pro" panose="02000503030000020004"/>
+              </a:rPr>
+              <a:t> были собраны данные о </a:t>
+            </a:r>
+            <a:r>
+              <a:rPr lang="ru-RU" sz="1800" b="1" dirty="0">
+                <a:latin typeface="Elektra Text Pro" panose="02000503030000020004"/>
+              </a:rPr>
+              <a:t>22994 автомобилях</a:t>
+            </a:r>
+            <a:r>
+              <a:rPr lang="ru-RU" sz="1800" dirty="0">
+                <a:latin typeface="Elektra Text Pro" panose="02000503030000020004"/>
+              </a:rPr>
+              <a:t> в Самарской области.</a:t>
+            </a:r>
+          </a:p>
           <a:p>
             <a:pPr marL="0" indent="0" algn="l">
               <a:buNone/>
             </a:pPr>
             <a:r>
-              <a:rPr lang="ru-RU" sz="2100" dirty="0">
+              <a:rPr lang="ru-RU" sz="1800" dirty="0">
                 <a:latin typeface="Elektra Text Pro" panose="02000503030000020004"/>
               </a:rPr>
               <a:t>Из карточки каждого автомобиля были извлечены ключевые характеристики:</a:t>
             </a:r>
           </a:p>
           <a:p>
-            <a:r>
-              <a:rPr lang="ru-RU" sz="2100" dirty="0">
+            <a:pPr>
+              <a:spcBef>
+                <a:spcPts val="0"/>
+              </a:spcBef>
+            </a:pPr>
+            <a:r>
+              <a:rPr lang="ru-RU" sz="1800" dirty="0">
                 <a:latin typeface="Elektra Text Pro" panose="02000503030000020004"/>
               </a:rPr>
               <a:t>Бренд и модель;</a:t>
             </a:r>
           </a:p>
           <a:p>
-            <a:r>
-              <a:rPr lang="ru-RU" sz="2100" dirty="0">
+            <a:pPr>
+              <a:spcBef>
+                <a:spcPts val="0"/>
+              </a:spcBef>
+            </a:pPr>
+            <a:r>
+              <a:rPr lang="ru-RU" sz="1800" dirty="0">
                 <a:latin typeface="Elektra Text Pro" panose="02000503030000020004"/>
               </a:rPr>
               <a:t>Эксплуатационные характеристики (год выпуска, пробег, состояние);</a:t>
             </a:r>
           </a:p>
           <a:p>
-            <a:r>
-              <a:rPr lang="ru-RU" sz="2100" dirty="0">
+            <a:pPr>
+              <a:spcBef>
+                <a:spcPts val="0"/>
+              </a:spcBef>
+            </a:pPr>
+            <a:r>
+              <a:rPr lang="ru-RU" sz="1800" dirty="0">
                 <a:latin typeface="Elektra Text Pro" panose="02000503030000020004"/>
               </a:rPr>
               <a:t>Технические характеристики (мощность, объем двигателя и т.д.);</a:t>
             </a:r>
           </a:p>
           <a:p>
-            <a:r>
-              <a:rPr lang="ru-RU" sz="2100" dirty="0">
+            <a:pPr>
+              <a:spcBef>
+                <a:spcPts val="0"/>
+              </a:spcBef>
+            </a:pPr>
+            <a:r>
+              <a:rPr lang="ru-RU" sz="1800" dirty="0">
                 <a:latin typeface="Elektra Text Pro" panose="02000503030000020004"/>
               </a:rPr>
               <a:t>Цена – </a:t>
             </a:r>
             <a:r>
-              <a:rPr lang="ru-RU" sz="2100" dirty="0" err="1">
+              <a:rPr lang="ru-RU" sz="1800" dirty="0" err="1">
                 <a:latin typeface="Elektra Text Pro" panose="02000503030000020004"/>
               </a:rPr>
-              <a:t>таргег</a:t>
-            </a:r>
-            <a:r>
-              <a:rPr lang="ru-RU" sz="2100" dirty="0">
+              <a:t>таргет</a:t>
+            </a:r>
+            <a:r>
+              <a:rPr lang="ru-RU" sz="1800" dirty="0">
                 <a:latin typeface="Elektra Text Pro" panose="02000503030000020004"/>
               </a:rPr>
               <a:t>.</a:t>
@@ -12810,8 +13961,8 @@
         </p:blipFill>
         <p:spPr>
           <a:xfrm>
-            <a:off x="1069035" y="1191604"/>
-            <a:ext cx="7001852" cy="2429214"/>
+            <a:off x="1072934" y="1146598"/>
+            <a:ext cx="6887341" cy="2389486"/>
           </a:xfrm>
           <a:prstGeom prst="rect">
             <a:avLst/>

--- a/4 курс/2 семестр/ВКР/Презентация_Колбанов_6401.pptx
+++ b/4 курс/2 семестр/ВКР/Презентация_Колбанов_6401.pptx
@@ -5,7 +5,7 @@
     <p:sldMasterId id="2147483672" r:id="rId1"/>
   </p:sldMasterIdLst>
   <p:notesMasterIdLst>
-    <p:notesMasterId r:id="rId24"/>
+    <p:notesMasterId r:id="rId26"/>
   </p:notesMasterIdLst>
   <p:sldIdLst>
     <p:sldId id="289" r:id="rId2"/>
@@ -17,19 +17,21 @@
     <p:sldId id="296" r:id="rId8"/>
     <p:sldId id="297" r:id="rId9"/>
     <p:sldId id="314" r:id="rId10"/>
-    <p:sldId id="315" r:id="rId11"/>
-    <p:sldId id="316" r:id="rId12"/>
-    <p:sldId id="310" r:id="rId13"/>
-    <p:sldId id="313" r:id="rId14"/>
-    <p:sldId id="311" r:id="rId15"/>
-    <p:sldId id="309" r:id="rId16"/>
-    <p:sldId id="321" r:id="rId17"/>
-    <p:sldId id="322" r:id="rId18"/>
-    <p:sldId id="323" r:id="rId19"/>
-    <p:sldId id="324" r:id="rId20"/>
-    <p:sldId id="305" r:id="rId21"/>
-    <p:sldId id="318" r:id="rId22"/>
-    <p:sldId id="291" r:id="rId23"/>
+    <p:sldId id="325" r:id="rId11"/>
+    <p:sldId id="315" r:id="rId12"/>
+    <p:sldId id="316" r:id="rId13"/>
+    <p:sldId id="310" r:id="rId14"/>
+    <p:sldId id="313" r:id="rId15"/>
+    <p:sldId id="311" r:id="rId16"/>
+    <p:sldId id="309" r:id="rId17"/>
+    <p:sldId id="326" r:id="rId18"/>
+    <p:sldId id="321" r:id="rId19"/>
+    <p:sldId id="322" r:id="rId20"/>
+    <p:sldId id="323" r:id="rId21"/>
+    <p:sldId id="324" r:id="rId22"/>
+    <p:sldId id="305" r:id="rId23"/>
+    <p:sldId id="318" r:id="rId24"/>
+    <p:sldId id="291" r:id="rId25"/>
   </p:sldIdLst>
   <p:sldSz cx="9144000" cy="6858000" type="screen4x3"/>
   <p:notesSz cx="6858000" cy="9144000"/>
@@ -146,12 +148,14 @@
             <p14:sldId id="296"/>
             <p14:sldId id="297"/>
             <p14:sldId id="314"/>
+            <p14:sldId id="325"/>
             <p14:sldId id="315"/>
             <p14:sldId id="316"/>
             <p14:sldId id="310"/>
             <p14:sldId id="313"/>
             <p14:sldId id="311"/>
             <p14:sldId id="309"/>
+            <p14:sldId id="326"/>
             <p14:sldId id="321"/>
             <p14:sldId id="322"/>
             <p14:sldId id="323"/>
@@ -272,7 +276,7 @@
           <a:p>
             <a:fld id="{77D36C68-DDAB-4D09-8E72-8E937BD7768C}" type="datetimeFigureOut">
               <a:rPr lang="ru-RU" smtClean="0"/>
-              <a:t>04.05.2025</a:t>
+              <a:t>11.05.2025</a:t>
             </a:fld>
             <a:endParaRPr lang="ru-RU"/>
           </a:p>
@@ -707,7 +711,7 @@
     </p:spTree>
     <p:extLst>
       <p:ext uri="{BB962C8B-B14F-4D97-AF65-F5344CB8AC3E}">
-        <p14:creationId xmlns:p14="http://schemas.microsoft.com/office/powerpoint/2010/main" val="3671208871"/>
+        <p14:creationId xmlns:p14="http://schemas.microsoft.com/office/powerpoint/2010/main" val="1840746225"/>
       </p:ext>
     </p:extLst>
   </p:cSld>
@@ -796,7 +800,7 @@
     </p:spTree>
     <p:extLst>
       <p:ext uri="{BB962C8B-B14F-4D97-AF65-F5344CB8AC3E}">
-        <p14:creationId xmlns:p14="http://schemas.microsoft.com/office/powerpoint/2010/main" val="494788346"/>
+        <p14:creationId xmlns:p14="http://schemas.microsoft.com/office/powerpoint/2010/main" val="3671208871"/>
       </p:ext>
     </p:extLst>
   </p:cSld>
@@ -885,7 +889,7 @@
     </p:spTree>
     <p:extLst>
       <p:ext uri="{BB962C8B-B14F-4D97-AF65-F5344CB8AC3E}">
-        <p14:creationId xmlns:p14="http://schemas.microsoft.com/office/powerpoint/2010/main" val="3989811385"/>
+        <p14:creationId xmlns:p14="http://schemas.microsoft.com/office/powerpoint/2010/main" val="494788346"/>
       </p:ext>
     </p:extLst>
   </p:cSld>
@@ -974,7 +978,7 @@
     </p:spTree>
     <p:extLst>
       <p:ext uri="{BB962C8B-B14F-4D97-AF65-F5344CB8AC3E}">
-        <p14:creationId xmlns:p14="http://schemas.microsoft.com/office/powerpoint/2010/main" val="1452271386"/>
+        <p14:creationId xmlns:p14="http://schemas.microsoft.com/office/powerpoint/2010/main" val="3989811385"/>
       </p:ext>
     </p:extLst>
   </p:cSld>
@@ -1063,7 +1067,7 @@
     </p:spTree>
     <p:extLst>
       <p:ext uri="{BB962C8B-B14F-4D97-AF65-F5344CB8AC3E}">
-        <p14:creationId xmlns:p14="http://schemas.microsoft.com/office/powerpoint/2010/main" val="4003731246"/>
+        <p14:creationId xmlns:p14="http://schemas.microsoft.com/office/powerpoint/2010/main" val="1452271386"/>
       </p:ext>
     </p:extLst>
   </p:cSld>
@@ -1152,7 +1156,7 @@
     </p:spTree>
     <p:extLst>
       <p:ext uri="{BB962C8B-B14F-4D97-AF65-F5344CB8AC3E}">
-        <p14:creationId xmlns:p14="http://schemas.microsoft.com/office/powerpoint/2010/main" val="1733584425"/>
+        <p14:creationId xmlns:p14="http://schemas.microsoft.com/office/powerpoint/2010/main" val="4003731246"/>
       </p:ext>
     </p:extLst>
   </p:cSld>
@@ -1241,7 +1245,7 @@
     </p:spTree>
     <p:extLst>
       <p:ext uri="{BB962C8B-B14F-4D97-AF65-F5344CB8AC3E}">
-        <p14:creationId xmlns:p14="http://schemas.microsoft.com/office/powerpoint/2010/main" val="3805420622"/>
+        <p14:creationId xmlns:p14="http://schemas.microsoft.com/office/powerpoint/2010/main" val="1543182763"/>
       </p:ext>
     </p:extLst>
   </p:cSld>
@@ -1330,7 +1334,7 @@
     </p:spTree>
     <p:extLst>
       <p:ext uri="{BB962C8B-B14F-4D97-AF65-F5344CB8AC3E}">
-        <p14:creationId xmlns:p14="http://schemas.microsoft.com/office/powerpoint/2010/main" val="924943452"/>
+        <p14:creationId xmlns:p14="http://schemas.microsoft.com/office/powerpoint/2010/main" val="1733584425"/>
       </p:ext>
     </p:extLst>
   </p:cSld>
@@ -1419,7 +1423,7 @@
     </p:spTree>
     <p:extLst>
       <p:ext uri="{BB962C8B-B14F-4D97-AF65-F5344CB8AC3E}">
-        <p14:creationId xmlns:p14="http://schemas.microsoft.com/office/powerpoint/2010/main" val="2607166464"/>
+        <p14:creationId xmlns:p14="http://schemas.microsoft.com/office/powerpoint/2010/main" val="3805420622"/>
       </p:ext>
     </p:extLst>
   </p:cSld>
@@ -1508,7 +1512,7 @@
     </p:spTree>
     <p:extLst>
       <p:ext uri="{BB962C8B-B14F-4D97-AF65-F5344CB8AC3E}">
-        <p14:creationId xmlns:p14="http://schemas.microsoft.com/office/powerpoint/2010/main" val="2993430676"/>
+        <p14:creationId xmlns:p14="http://schemas.microsoft.com/office/powerpoint/2010/main" val="924943452"/>
       </p:ext>
     </p:extLst>
   </p:cSld>
@@ -1612,13 +1616,7 @@
   <p:cSld>
     <p:spTree>
       <p:nvGrpSpPr>
-        <p:cNvPr id="1" name="">
-          <a:extLst>
-            <a:ext uri="{FF2B5EF4-FFF2-40B4-BE49-F238E27FC236}">
-              <a16:creationId xmlns:a16="http://schemas.microsoft.com/office/drawing/2014/main" id="{91FEC4A6-5AE7-CF65-5554-908E2E97D713}"/>
-            </a:ext>
-          </a:extLst>
-        </p:cNvPr>
+        <p:cNvPr id="1" name=""/>
         <p:cNvGrpSpPr/>
         <p:nvPr/>
       </p:nvGrpSpPr>
@@ -1632,13 +1630,7 @@
       </p:grpSpPr>
       <p:sp>
         <p:nvSpPr>
-          <p:cNvPr id="2" name="Образ слайда 1">
-            <a:extLst>
-              <a:ext uri="{FF2B5EF4-FFF2-40B4-BE49-F238E27FC236}">
-                <a16:creationId xmlns:a16="http://schemas.microsoft.com/office/drawing/2014/main" id="{A9C9D4C4-C501-CD6D-7148-5B7E10EF393C}"/>
-              </a:ext>
-            </a:extLst>
-          </p:cNvPr>
+          <p:cNvPr id="2" name="Образ слайда 1"/>
           <p:cNvSpPr>
             <a:spLocks noGrp="1" noRot="1" noChangeAspect="1"/>
           </p:cNvSpPr>
@@ -1655,13 +1647,7 @@
       </p:sp>
       <p:sp>
         <p:nvSpPr>
-          <p:cNvPr id="3" name="Заметки 2">
-            <a:extLst>
-              <a:ext uri="{FF2B5EF4-FFF2-40B4-BE49-F238E27FC236}">
-                <a16:creationId xmlns:a16="http://schemas.microsoft.com/office/drawing/2014/main" id="{F916FD8F-DBAB-1D42-82BF-D3689A9D3FA4}"/>
-              </a:ext>
-            </a:extLst>
-          </p:cNvPr>
+          <p:cNvPr id="3" name="Заметки 2"/>
           <p:cNvSpPr>
             <a:spLocks noGrp="1"/>
           </p:cNvSpPr>
@@ -1680,13 +1666,7 @@
       </p:sp>
       <p:sp>
         <p:nvSpPr>
-          <p:cNvPr id="4" name="Номер слайда 3">
-            <a:extLst>
-              <a:ext uri="{FF2B5EF4-FFF2-40B4-BE49-F238E27FC236}">
-                <a16:creationId xmlns:a16="http://schemas.microsoft.com/office/drawing/2014/main" id="{0DEB34AE-5C26-250E-4D16-8B671523256E}"/>
-              </a:ext>
-            </a:extLst>
-          </p:cNvPr>
+          <p:cNvPr id="4" name="Номер слайда 3"/>
           <p:cNvSpPr>
             <a:spLocks noGrp="1"/>
           </p:cNvSpPr>
@@ -1710,7 +1690,7 @@
     </p:spTree>
     <p:extLst>
       <p:ext uri="{BB962C8B-B14F-4D97-AF65-F5344CB8AC3E}">
-        <p14:creationId xmlns:p14="http://schemas.microsoft.com/office/powerpoint/2010/main" val="3194584015"/>
+        <p14:creationId xmlns:p14="http://schemas.microsoft.com/office/powerpoint/2010/main" val="2607166464"/>
       </p:ext>
     </p:extLst>
   </p:cSld>
@@ -1791,6 +1771,208 @@
             <a:fld id="{0048289E-2F4B-4BDB-9E3D-307BE649A8BF}" type="slidenum">
               <a:rPr lang="ru-RU" smtClean="0"/>
               <a:t>22</a:t>
+            </a:fld>
+            <a:endParaRPr lang="ru-RU"/>
+          </a:p>
+        </p:txBody>
+      </p:sp>
+    </p:spTree>
+    <p:extLst>
+      <p:ext uri="{BB962C8B-B14F-4D97-AF65-F5344CB8AC3E}">
+        <p14:creationId xmlns:p14="http://schemas.microsoft.com/office/powerpoint/2010/main" val="2993430676"/>
+      </p:ext>
+    </p:extLst>
+  </p:cSld>
+  <p:clrMapOvr>
+    <a:masterClrMapping/>
+  </p:clrMapOvr>
+</p:notes>
+</file>
+
+<file path=ppt/notesSlides/notesSlide22.xml><?xml version="1.0" encoding="utf-8"?>
+<p:notes xmlns:a="http://schemas.openxmlformats.org/drawingml/2006/main" xmlns:r="http://schemas.openxmlformats.org/officeDocument/2006/relationships" xmlns:p="http://schemas.openxmlformats.org/presentationml/2006/main">
+  <p:cSld>
+    <p:spTree>
+      <p:nvGrpSpPr>
+        <p:cNvPr id="1" name="">
+          <a:extLst>
+            <a:ext uri="{FF2B5EF4-FFF2-40B4-BE49-F238E27FC236}">
+              <a16:creationId xmlns:a16="http://schemas.microsoft.com/office/drawing/2014/main" id="{91FEC4A6-5AE7-CF65-5554-908E2E97D713}"/>
+            </a:ext>
+          </a:extLst>
+        </p:cNvPr>
+        <p:cNvGrpSpPr/>
+        <p:nvPr/>
+      </p:nvGrpSpPr>
+      <p:grpSpPr>
+        <a:xfrm>
+          <a:off x="0" y="0"/>
+          <a:ext cx="0" cy="0"/>
+          <a:chOff x="0" y="0"/>
+          <a:chExt cx="0" cy="0"/>
+        </a:xfrm>
+      </p:grpSpPr>
+      <p:sp>
+        <p:nvSpPr>
+          <p:cNvPr id="2" name="Образ слайда 1">
+            <a:extLst>
+              <a:ext uri="{FF2B5EF4-FFF2-40B4-BE49-F238E27FC236}">
+                <a16:creationId xmlns:a16="http://schemas.microsoft.com/office/drawing/2014/main" id="{A9C9D4C4-C501-CD6D-7148-5B7E10EF393C}"/>
+              </a:ext>
+            </a:extLst>
+          </p:cNvPr>
+          <p:cNvSpPr>
+            <a:spLocks noGrp="1" noRot="1" noChangeAspect="1"/>
+          </p:cNvSpPr>
+          <p:nvPr>
+            <p:ph type="sldImg"/>
+          </p:nvPr>
+        </p:nvSpPr>
+        <p:spPr>
+          <a:xfrm>
+            <a:off x="1143000" y="685800"/>
+            <a:ext cx="4572000" cy="3429000"/>
+          </a:xfrm>
+        </p:spPr>
+      </p:sp>
+      <p:sp>
+        <p:nvSpPr>
+          <p:cNvPr id="3" name="Заметки 2">
+            <a:extLst>
+              <a:ext uri="{FF2B5EF4-FFF2-40B4-BE49-F238E27FC236}">
+                <a16:creationId xmlns:a16="http://schemas.microsoft.com/office/drawing/2014/main" id="{F916FD8F-DBAB-1D42-82BF-D3689A9D3FA4}"/>
+              </a:ext>
+            </a:extLst>
+          </p:cNvPr>
+          <p:cNvSpPr>
+            <a:spLocks noGrp="1"/>
+          </p:cNvSpPr>
+          <p:nvPr>
+            <p:ph type="body" idx="1"/>
+          </p:nvPr>
+        </p:nvSpPr>
+        <p:spPr/>
+        <p:txBody>
+          <a:bodyPr/>
+          <a:lstStyle/>
+          <a:p>
+            <a:endParaRPr lang="ru-RU"/>
+          </a:p>
+        </p:txBody>
+      </p:sp>
+      <p:sp>
+        <p:nvSpPr>
+          <p:cNvPr id="4" name="Номер слайда 3">
+            <a:extLst>
+              <a:ext uri="{FF2B5EF4-FFF2-40B4-BE49-F238E27FC236}">
+                <a16:creationId xmlns:a16="http://schemas.microsoft.com/office/drawing/2014/main" id="{0DEB34AE-5C26-250E-4D16-8B671523256E}"/>
+              </a:ext>
+            </a:extLst>
+          </p:cNvPr>
+          <p:cNvSpPr>
+            <a:spLocks noGrp="1"/>
+          </p:cNvSpPr>
+          <p:nvPr>
+            <p:ph type="sldNum" sz="quarter" idx="10"/>
+          </p:nvPr>
+        </p:nvSpPr>
+        <p:spPr/>
+        <p:txBody>
+          <a:bodyPr/>
+          <a:lstStyle/>
+          <a:p>
+            <a:fld id="{0048289E-2F4B-4BDB-9E3D-307BE649A8BF}" type="slidenum">
+              <a:rPr lang="ru-RU" smtClean="0"/>
+              <a:t>23</a:t>
+            </a:fld>
+            <a:endParaRPr lang="ru-RU"/>
+          </a:p>
+        </p:txBody>
+      </p:sp>
+    </p:spTree>
+    <p:extLst>
+      <p:ext uri="{BB962C8B-B14F-4D97-AF65-F5344CB8AC3E}">
+        <p14:creationId xmlns:p14="http://schemas.microsoft.com/office/powerpoint/2010/main" val="3194584015"/>
+      </p:ext>
+    </p:extLst>
+  </p:cSld>
+  <p:clrMapOvr>
+    <a:masterClrMapping/>
+  </p:clrMapOvr>
+</p:notes>
+</file>
+
+<file path=ppt/notesSlides/notesSlide23.xml><?xml version="1.0" encoding="utf-8"?>
+<p:notes xmlns:a="http://schemas.openxmlformats.org/drawingml/2006/main" xmlns:r="http://schemas.openxmlformats.org/officeDocument/2006/relationships" xmlns:p="http://schemas.openxmlformats.org/presentationml/2006/main">
+  <p:cSld>
+    <p:spTree>
+      <p:nvGrpSpPr>
+        <p:cNvPr id="1" name=""/>
+        <p:cNvGrpSpPr/>
+        <p:nvPr/>
+      </p:nvGrpSpPr>
+      <p:grpSpPr>
+        <a:xfrm>
+          <a:off x="0" y="0"/>
+          <a:ext cx="0" cy="0"/>
+          <a:chOff x="0" y="0"/>
+          <a:chExt cx="0" cy="0"/>
+        </a:xfrm>
+      </p:grpSpPr>
+      <p:sp>
+        <p:nvSpPr>
+          <p:cNvPr id="2" name="Образ слайда 1"/>
+          <p:cNvSpPr>
+            <a:spLocks noGrp="1" noRot="1" noChangeAspect="1"/>
+          </p:cNvSpPr>
+          <p:nvPr>
+            <p:ph type="sldImg"/>
+          </p:nvPr>
+        </p:nvSpPr>
+        <p:spPr>
+          <a:xfrm>
+            <a:off x="1143000" y="685800"/>
+            <a:ext cx="4572000" cy="3429000"/>
+          </a:xfrm>
+        </p:spPr>
+      </p:sp>
+      <p:sp>
+        <p:nvSpPr>
+          <p:cNvPr id="3" name="Заметки 2"/>
+          <p:cNvSpPr>
+            <a:spLocks noGrp="1"/>
+          </p:cNvSpPr>
+          <p:nvPr>
+            <p:ph type="body" idx="1"/>
+          </p:nvPr>
+        </p:nvSpPr>
+        <p:spPr/>
+        <p:txBody>
+          <a:bodyPr/>
+          <a:lstStyle/>
+          <a:p>
+            <a:endParaRPr lang="ru-RU"/>
+          </a:p>
+        </p:txBody>
+      </p:sp>
+      <p:sp>
+        <p:nvSpPr>
+          <p:cNvPr id="4" name="Номер слайда 3"/>
+          <p:cNvSpPr>
+            <a:spLocks noGrp="1"/>
+          </p:cNvSpPr>
+          <p:nvPr>
+            <p:ph type="sldNum" sz="quarter" idx="10"/>
+          </p:nvPr>
+        </p:nvSpPr>
+        <p:spPr/>
+        <p:txBody>
+          <a:bodyPr/>
+          <a:lstStyle/>
+          <a:p>
+            <a:fld id="{0048289E-2F4B-4BDB-9E3D-307BE649A8BF}" type="slidenum">
+              <a:rPr lang="ru-RU" smtClean="0"/>
+              <a:t>24</a:t>
             </a:fld>
             <a:endParaRPr lang="ru-RU"/>
           </a:p>
@@ -2422,7 +2604,7 @@
     </p:spTree>
     <p:extLst>
       <p:ext uri="{BB962C8B-B14F-4D97-AF65-F5344CB8AC3E}">
-        <p14:creationId xmlns:p14="http://schemas.microsoft.com/office/powerpoint/2010/main" val="1840746225"/>
+        <p14:creationId xmlns:p14="http://schemas.microsoft.com/office/powerpoint/2010/main" val="854762569"/>
       </p:ext>
     </p:extLst>
   </p:cSld>
@@ -2563,7 +2745,7 @@
           <a:p>
             <a:fld id="{0CD2006A-6BE7-43E8-8AD6-C09FC266B36F}" type="datetime1">
               <a:rPr lang="ru-RU" smtClean="0"/>
-              <a:t>04.05.2025</a:t>
+              <a:t>11.05.2025</a:t>
             </a:fld>
             <a:endParaRPr lang="ru-RU"/>
           </a:p>
@@ -2733,7 +2915,7 @@
           <a:p>
             <a:fld id="{DCFD85EE-4AB9-42CD-8126-E74FE77A9ED8}" type="datetime1">
               <a:rPr lang="ru-RU" smtClean="0"/>
-              <a:t>04.05.2025</a:t>
+              <a:t>11.05.2025</a:t>
             </a:fld>
             <a:endParaRPr lang="ru-RU"/>
           </a:p>
@@ -2913,7 +3095,7 @@
           <a:p>
             <a:fld id="{560B916C-83BE-4CC1-8A21-D05CD30C43DB}" type="datetime1">
               <a:rPr lang="ru-RU" smtClean="0"/>
-              <a:t>04.05.2025</a:t>
+              <a:t>11.05.2025</a:t>
             </a:fld>
             <a:endParaRPr lang="ru-RU"/>
           </a:p>
@@ -3083,7 +3265,7 @@
           <a:p>
             <a:fld id="{D2E13183-B2A1-4784-80CE-65A33D52CB0B}" type="datetime1">
               <a:rPr lang="ru-RU" smtClean="0"/>
-              <a:t>04.05.2025</a:t>
+              <a:t>11.05.2025</a:t>
             </a:fld>
             <a:endParaRPr lang="ru-RU"/>
           </a:p>
@@ -3329,7 +3511,7 @@
           <a:p>
             <a:fld id="{DEA388E9-D2C3-4436-BFEE-5F0C2E0896FE}" type="datetime1">
               <a:rPr lang="ru-RU" smtClean="0"/>
-              <a:t>04.05.2025</a:t>
+              <a:t>11.05.2025</a:t>
             </a:fld>
             <a:endParaRPr lang="ru-RU"/>
           </a:p>
@@ -3561,7 +3743,7 @@
           <a:p>
             <a:fld id="{13A15BC7-66CE-44BA-84C4-ADF5D358A8E5}" type="datetime1">
               <a:rPr lang="ru-RU" smtClean="0"/>
-              <a:t>04.05.2025</a:t>
+              <a:t>11.05.2025</a:t>
             </a:fld>
             <a:endParaRPr lang="ru-RU"/>
           </a:p>
@@ -3928,7 +4110,7 @@
           <a:p>
             <a:fld id="{8C55F641-8A7B-48BB-9924-29525D09D843}" type="datetime1">
               <a:rPr lang="ru-RU" smtClean="0"/>
-              <a:t>04.05.2025</a:t>
+              <a:t>11.05.2025</a:t>
             </a:fld>
             <a:endParaRPr lang="ru-RU"/>
           </a:p>
@@ -4046,7 +4228,7 @@
           <a:p>
             <a:fld id="{28C4CC1A-CDB1-4CBC-83A8-3EB958439194}" type="datetime1">
               <a:rPr lang="ru-RU" smtClean="0"/>
-              <a:t>04.05.2025</a:t>
+              <a:t>11.05.2025</a:t>
             </a:fld>
             <a:endParaRPr lang="ru-RU"/>
           </a:p>
@@ -4174,7 +4356,7 @@
           <a:p>
             <a:fld id="{DCA5C5F1-78C0-4305-B0EC-8CEF047F6C93}" type="datetime1">
               <a:rPr lang="ru-RU" smtClean="0"/>
-              <a:t>04.05.2025</a:t>
+              <a:t>11.05.2025</a:t>
             </a:fld>
             <a:endParaRPr lang="ru-RU"/>
           </a:p>
@@ -4451,7 +4633,7 @@
           <a:p>
             <a:fld id="{8FF670FB-17C0-4434-90C8-A4668EF13565}" type="datetime1">
               <a:rPr lang="ru-RU" smtClean="0"/>
-              <a:t>04.05.2025</a:t>
+              <a:t>11.05.2025</a:t>
             </a:fld>
             <a:endParaRPr lang="ru-RU"/>
           </a:p>
@@ -4708,7 +4890,7 @@
           <a:p>
             <a:fld id="{5FA5D1FD-3FC4-47EA-B2EB-FF46800F6009}" type="datetime1">
               <a:rPr lang="ru-RU" smtClean="0"/>
-              <a:t>04.05.2025</a:t>
+              <a:t>11.05.2025</a:t>
             </a:fld>
             <a:endParaRPr lang="ru-RU"/>
           </a:p>
@@ -4924,7 +5106,7 @@
           <a:p>
             <a:fld id="{6C109404-ED28-47FE-9DC5-C6BCEA110D1D}" type="datetime1">
               <a:rPr lang="ru-RU" smtClean="0"/>
-              <a:t>04.05.2025</a:t>
+              <a:t>11.05.2025</a:t>
             </a:fld>
             <a:endParaRPr lang="ru-RU"/>
           </a:p>
@@ -6389,7 +6571,7 @@
                 <a:latin typeface="Elektra Text Pro"/>
                 <a:cs typeface="Arial" pitchFamily="34" charset="0"/>
               </a:rPr>
-              <a:t>ПОДГОТОВКА ДАННЫХ</a:t>
+              <a:t>ИСТОЧНИК ДАННЫХ ДЛЯ ОБУЧЕНИЯ И ПРОЦЕСС СБОРА</a:t>
             </a:r>
           </a:p>
         </p:txBody>
@@ -6402,8 +6584,8 @@
         </p:nvSpPr>
         <p:spPr>
           <a:xfrm>
-            <a:off x="8100392" y="6165306"/>
-            <a:ext cx="772285" cy="369332"/>
+            <a:off x="8028384" y="6165306"/>
+            <a:ext cx="844293" cy="369332"/>
           </a:xfrm>
           <a:prstGeom prst="rect">
             <a:avLst/>
@@ -6428,7 +6610,7 @@
             </a:r>
             <a:r>
               <a:rPr lang="en-US" dirty="0"/>
-              <a:t>22</a:t>
+              <a:t>24</a:t>
             </a:r>
             <a:endParaRPr lang="ru-RU" dirty="0"/>
           </a:p>
@@ -6512,13 +6694,13 @@
         </p:nvSpPr>
         <p:spPr>
           <a:xfrm>
-            <a:off x="276080" y="1197335"/>
-            <a:ext cx="8639999" cy="2698392"/>
+            <a:off x="251520" y="1484784"/>
+            <a:ext cx="8601354" cy="4392488"/>
           </a:xfrm>
         </p:spPr>
         <p:txBody>
           <a:bodyPr>
-            <a:normAutofit lnSpcReduction="10000"/>
+            <a:noAutofit/>
           </a:bodyPr>
           <a:lstStyle/>
           <a:p>
@@ -6526,128 +6708,194 @@
               <a:buNone/>
             </a:pPr>
             <a:r>
-              <a:rPr lang="ru-RU" sz="2100" dirty="0">
+              <a:rPr lang="ru-RU" sz="2000" dirty="0">
                 <a:latin typeface="Elektra Text Pro" panose="02000503030000020004"/>
               </a:rPr>
-              <a:t>1. Очистка данных:</a:t>
-            </a:r>
-          </a:p>
-          <a:p>
-            <a:pPr marL="717550" indent="-265113"/>
-            <a:r>
-              <a:rPr lang="ru-RU" sz="2100" dirty="0">
-                <a:latin typeface="Elektra Text Pro" panose="02000503030000020004"/>
-              </a:rPr>
-              <a:t>изначальная выборка – 22994 объекта;</a:t>
-            </a:r>
-          </a:p>
-          <a:p>
-            <a:pPr marL="717550" indent="-265113"/>
-            <a:r>
-              <a:rPr lang="ru-RU" sz="2100" dirty="0">
-                <a:latin typeface="Elektra Text Pro" panose="02000503030000020004"/>
-              </a:rPr>
-              <a:t>после удаления дубликатов – 18996 объектов;</a:t>
-            </a:r>
-          </a:p>
-          <a:p>
-            <a:pPr marL="717550" indent="-265113"/>
-            <a:r>
-              <a:rPr lang="ru-RU" sz="2100" dirty="0">
-                <a:latin typeface="Elektra Text Pro" panose="02000503030000020004"/>
-              </a:rPr>
-              <a:t>после удаления выбросов – </a:t>
-            </a:r>
-            <a:r>
-              <a:rPr lang="en-US" sz="2100" dirty="0">
-                <a:latin typeface="Elektra Text Pro" panose="02000503030000020004"/>
-              </a:rPr>
-              <a:t>17082 </a:t>
-            </a:r>
-            <a:r>
-              <a:rPr lang="ru-RU" sz="2100" dirty="0">
-                <a:latin typeface="Elektra Text Pro" panose="02000503030000020004"/>
-              </a:rPr>
-              <a:t>объекта.</a:t>
+              <a:t>Из карточки каждого автомобиля были извлечены ключевые характеристики:</a:t>
             </a:r>
           </a:p>
           <a:p>
             <a:pPr marL="0" indent="0" algn="l">
               <a:buNone/>
             </a:pPr>
-            <a:r>
-              <a:rPr lang="ru-RU" sz="2100" dirty="0">
-                <a:latin typeface="Elektra Text Pro" panose="02000503030000020004"/>
-              </a:rPr>
-              <a:t>2. Преобразование категориальных признаков;</a:t>
-            </a:r>
-          </a:p>
-          <a:p>
-            <a:pPr marL="0" indent="0" algn="l">
-              <a:buNone/>
-            </a:pPr>
-            <a:r>
-              <a:rPr lang="ru-RU" sz="2100" dirty="0">
-                <a:latin typeface="Elektra Text Pro" panose="02000503030000020004"/>
-              </a:rPr>
-              <a:t>3. Анализ значимости признаков;</a:t>
-            </a:r>
-          </a:p>
-          <a:p>
-            <a:pPr marL="0" indent="0" algn="l">
-              <a:buNone/>
-            </a:pPr>
-            <a:r>
-              <a:rPr lang="ru-RU" sz="2100" dirty="0">
-                <a:latin typeface="Elektra Text Pro" panose="02000503030000020004"/>
-              </a:rPr>
-              <a:t>4. Разбиение на обучающую и тестовую выборки (соотношение 80/20).</a:t>
-            </a:r>
-          </a:p>
-          <a:p>
-            <a:pPr marL="457200" indent="-457200" algn="l">
-              <a:buAutoNum type="arabicPeriod"/>
-            </a:pPr>
-            <a:endParaRPr lang="ru-RU" sz="2100" dirty="0">
+            <a:endParaRPr lang="ru-RU" sz="2000" dirty="0">
               <a:latin typeface="Elektra Text Pro" panose="02000503030000020004"/>
             </a:endParaRPr>
           </a:p>
-        </p:txBody>
-      </p:sp>
-      <p:pic>
-        <p:nvPicPr>
-          <p:cNvPr id="5" name="Рисунок 4">
-            <a:extLst>
-              <a:ext uri="{FF2B5EF4-FFF2-40B4-BE49-F238E27FC236}">
-                <a16:creationId xmlns:a16="http://schemas.microsoft.com/office/drawing/2014/main" id="{59B77597-04F3-47C3-BD69-96C37B575CDC}"/>
-              </a:ext>
-            </a:extLst>
-          </p:cNvPr>
-          <p:cNvPicPr>
-            <a:picLocks noChangeAspect="1"/>
-          </p:cNvPicPr>
-          <p:nvPr/>
-        </p:nvPicPr>
-        <p:blipFill>
-          <a:blip r:embed="rId3"/>
-          <a:stretch>
-            <a:fillRect/>
-          </a:stretch>
-        </p:blipFill>
-        <p:spPr>
-          <a:xfrm>
-            <a:off x="251519" y="3994384"/>
-            <a:ext cx="8784016" cy="1792160"/>
-          </a:xfrm>
-          <a:prstGeom prst="rect">
-            <a:avLst/>
-          </a:prstGeom>
-        </p:spPr>
-      </p:pic>
+          <a:p>
+            <a:pPr>
+              <a:spcBef>
+                <a:spcPts val="0"/>
+              </a:spcBef>
+            </a:pPr>
+            <a:r>
+              <a:rPr lang="ru-RU" sz="2000" dirty="0">
+                <a:latin typeface="Elektra Text Pro" panose="02000503030000020004"/>
+              </a:rPr>
+              <a:t>марка;</a:t>
+            </a:r>
+          </a:p>
+          <a:p>
+            <a:pPr>
+              <a:spcBef>
+                <a:spcPts val="0"/>
+              </a:spcBef>
+            </a:pPr>
+            <a:r>
+              <a:rPr lang="ru-RU" sz="2000" dirty="0">
+                <a:latin typeface="Elektra Text Pro" panose="02000503030000020004"/>
+              </a:rPr>
+              <a:t>модель;</a:t>
+            </a:r>
+          </a:p>
+          <a:p>
+            <a:pPr>
+              <a:spcBef>
+                <a:spcPts val="0"/>
+              </a:spcBef>
+            </a:pPr>
+            <a:r>
+              <a:rPr lang="ru-RU" sz="2000" dirty="0">
+                <a:latin typeface="Elektra Text Pro" panose="02000503030000020004"/>
+              </a:rPr>
+              <a:t>пробег;</a:t>
+            </a:r>
+          </a:p>
+          <a:p>
+            <a:pPr>
+              <a:spcBef>
+                <a:spcPts val="0"/>
+              </a:spcBef>
+            </a:pPr>
+            <a:r>
+              <a:rPr lang="ru-RU" sz="2000" dirty="0">
+                <a:latin typeface="Elektra Text Pro" panose="02000503030000020004"/>
+              </a:rPr>
+              <a:t>сколько лет в эксплуатации;</a:t>
+            </a:r>
+          </a:p>
+          <a:p>
+            <a:pPr>
+              <a:spcBef>
+                <a:spcPts val="0"/>
+              </a:spcBef>
+            </a:pPr>
+            <a:r>
+              <a:rPr lang="ru-RU" sz="2000" dirty="0">
+                <a:latin typeface="Elektra Text Pro" panose="02000503030000020004"/>
+              </a:rPr>
+              <a:t>участвовал ли в ДТП;</a:t>
+            </a:r>
+          </a:p>
+          <a:p>
+            <a:pPr>
+              <a:spcBef>
+                <a:spcPts val="0"/>
+              </a:spcBef>
+            </a:pPr>
+            <a:r>
+              <a:rPr lang="ru-RU" sz="2000" dirty="0">
+                <a:latin typeface="Elektra Text Pro" panose="02000503030000020004"/>
+              </a:rPr>
+              <a:t>тип кузова;</a:t>
+            </a:r>
+          </a:p>
+          <a:p>
+            <a:pPr>
+              <a:spcBef>
+                <a:spcPts val="0"/>
+              </a:spcBef>
+            </a:pPr>
+            <a:r>
+              <a:rPr lang="ru-RU" sz="2000" dirty="0">
+                <a:latin typeface="Elektra Text Pro" panose="02000503030000020004"/>
+              </a:rPr>
+              <a:t>тип топлива;</a:t>
+            </a:r>
+          </a:p>
+          <a:p>
+            <a:pPr>
+              <a:spcBef>
+                <a:spcPts val="0"/>
+              </a:spcBef>
+            </a:pPr>
+            <a:r>
+              <a:rPr lang="ru-RU" sz="2000" dirty="0">
+                <a:latin typeface="Elektra Text Pro" panose="02000503030000020004"/>
+              </a:rPr>
+              <a:t>тип привода;</a:t>
+            </a:r>
+          </a:p>
+          <a:p>
+            <a:pPr>
+              <a:spcBef>
+                <a:spcPts val="0"/>
+              </a:spcBef>
+            </a:pPr>
+            <a:r>
+              <a:rPr lang="ru-RU" sz="2000" dirty="0">
+                <a:latin typeface="Elektra Text Pro" panose="02000503030000020004"/>
+              </a:rPr>
+              <a:t>тип трансмиссии;</a:t>
+            </a:r>
+          </a:p>
+          <a:p>
+            <a:pPr>
+              <a:spcBef>
+                <a:spcPts val="0"/>
+              </a:spcBef>
+            </a:pPr>
+            <a:r>
+              <a:rPr lang="ru-RU" sz="2000" dirty="0">
+                <a:latin typeface="Elektra Text Pro" panose="02000503030000020004"/>
+              </a:rPr>
+              <a:t>объем двигателя;</a:t>
+            </a:r>
+          </a:p>
+          <a:p>
+            <a:pPr>
+              <a:spcBef>
+                <a:spcPts val="0"/>
+              </a:spcBef>
+            </a:pPr>
+            <a:r>
+              <a:rPr lang="ru-RU" sz="2000" dirty="0">
+                <a:latin typeface="Elektra Text Pro" panose="02000503030000020004"/>
+              </a:rPr>
+              <a:t>мощность двигателя</a:t>
+            </a:r>
+          </a:p>
+          <a:p>
+            <a:pPr>
+              <a:spcBef>
+                <a:spcPts val="0"/>
+              </a:spcBef>
+            </a:pPr>
+            <a:r>
+              <a:rPr lang="ru-RU" sz="2000" dirty="0">
+                <a:latin typeface="Elektra Text Pro" panose="02000503030000020004"/>
+              </a:rPr>
+              <a:t>цена – </a:t>
+            </a:r>
+            <a:r>
+              <a:rPr lang="ru-RU" sz="2000" dirty="0" err="1">
+                <a:latin typeface="Elektra Text Pro" panose="02000503030000020004"/>
+              </a:rPr>
+              <a:t>таргет</a:t>
+            </a:r>
+            <a:r>
+              <a:rPr lang="ru-RU" sz="2000" dirty="0">
+                <a:latin typeface="Elektra Text Pro" panose="02000503030000020004"/>
+              </a:rPr>
+              <a:t>.</a:t>
+            </a:r>
+          </a:p>
+        </p:txBody>
+      </p:sp>
     </p:spTree>
     <p:extLst>
       <p:ext uri="{BB962C8B-B14F-4D97-AF65-F5344CB8AC3E}">
-        <p14:creationId xmlns:p14="http://schemas.microsoft.com/office/powerpoint/2010/main" val="1911640730"/>
+        <p14:creationId xmlns:p14="http://schemas.microsoft.com/office/powerpoint/2010/main" val="422250838"/>
       </p:ext>
     </p:extLst>
   </p:cSld>
@@ -6790,7 +7038,7 @@
                 <a:latin typeface="Elektra Text Pro"/>
                 <a:cs typeface="Arial" pitchFamily="34" charset="0"/>
               </a:rPr>
-              <a:t>ДАННЫЕ ПОСЛЕ ОБРАБОТКИ</a:t>
+              <a:t>ПОДГОТОВКА ДАННЫХ</a:t>
             </a:r>
           </a:p>
         </p:txBody>
@@ -6803,8 +7051,8 @@
         </p:nvSpPr>
         <p:spPr>
           <a:xfrm>
-            <a:off x="8028384" y="6165306"/>
-            <a:ext cx="844293" cy="369332"/>
+            <a:off x="8100392" y="6165306"/>
+            <a:ext cx="772285" cy="369332"/>
           </a:xfrm>
           <a:prstGeom prst="rect">
             <a:avLst/>
@@ -6829,7 +7077,7 @@
             </a:r>
             <a:r>
               <a:rPr lang="en-US" dirty="0"/>
-              <a:t>22</a:t>
+              <a:t>24</a:t>
             </a:r>
             <a:endParaRPr lang="ru-RU" dirty="0"/>
           </a:p>
@@ -6895,12 +7143,138 @@
           </a:p>
         </p:txBody>
       </p:sp>
+      <p:sp>
+        <p:nvSpPr>
+          <p:cNvPr id="8" name="Объект 7">
+            <a:extLst>
+              <a:ext uri="{FF2B5EF4-FFF2-40B4-BE49-F238E27FC236}">
+                <a16:creationId xmlns:a16="http://schemas.microsoft.com/office/drawing/2014/main" id="{405586EC-75FD-4D85-9C82-9C8E0D9D7BF5}"/>
+              </a:ext>
+            </a:extLst>
+          </p:cNvPr>
+          <p:cNvSpPr>
+            <a:spLocks noGrp="1"/>
+          </p:cNvSpPr>
+          <p:nvPr>
+            <p:ph idx="1"/>
+          </p:nvPr>
+        </p:nvSpPr>
+        <p:spPr>
+          <a:xfrm>
+            <a:off x="276080" y="1197335"/>
+            <a:ext cx="8639999" cy="2698392"/>
+          </a:xfrm>
+        </p:spPr>
+        <p:txBody>
+          <a:bodyPr>
+            <a:normAutofit fontScale="85000" lnSpcReduction="10000"/>
+          </a:bodyPr>
+          <a:lstStyle/>
+          <a:p>
+            <a:pPr marL="0" indent="0" algn="l">
+              <a:buNone/>
+            </a:pPr>
+            <a:r>
+              <a:rPr lang="ru-RU" sz="2100" dirty="0">
+                <a:latin typeface="Elektra Text Pro" panose="02000503030000020004"/>
+              </a:rPr>
+              <a:t>1. Очистка данных:</a:t>
+            </a:r>
+          </a:p>
+          <a:p>
+            <a:pPr marL="717550" indent="-265113"/>
+            <a:r>
+              <a:rPr lang="ru-RU" sz="2100" dirty="0">
+                <a:latin typeface="Elektra Text Pro" panose="02000503030000020004"/>
+              </a:rPr>
+              <a:t>изначальная выборка – 24994 объекта;</a:t>
+            </a:r>
+          </a:p>
+          <a:p>
+            <a:pPr marL="717550" indent="-265113"/>
+            <a:r>
+              <a:rPr lang="ru-RU" sz="2100" dirty="0">
+                <a:latin typeface="Elektra Text Pro" panose="02000503030000020004"/>
+              </a:rPr>
+              <a:t>после удаления дубликатов – 18996 объектов;</a:t>
+            </a:r>
+          </a:p>
+          <a:p>
+            <a:pPr marL="717550" indent="-265113"/>
+            <a:r>
+              <a:rPr lang="ru-RU" sz="2100" dirty="0">
+                <a:latin typeface="Elektra Text Pro" panose="02000503030000020004"/>
+              </a:rPr>
+              <a:t>после удаления выбросов – </a:t>
+            </a:r>
+            <a:r>
+              <a:rPr lang="en-US" sz="2100" dirty="0">
+                <a:latin typeface="Elektra Text Pro" panose="02000503030000020004"/>
+              </a:rPr>
+              <a:t>17082 </a:t>
+            </a:r>
+            <a:r>
+              <a:rPr lang="ru-RU" sz="2100" dirty="0">
+                <a:latin typeface="Elektra Text Pro" panose="02000503030000020004"/>
+              </a:rPr>
+              <a:t>объекта.</a:t>
+            </a:r>
+          </a:p>
+          <a:p>
+            <a:pPr marL="0" indent="0" algn="l">
+              <a:buNone/>
+            </a:pPr>
+            <a:r>
+              <a:rPr lang="ru-RU" sz="2100" dirty="0">
+                <a:latin typeface="Elektra Text Pro" panose="02000503030000020004"/>
+              </a:rPr>
+              <a:t>2. Преобразование категориальных признаков.</a:t>
+            </a:r>
+          </a:p>
+          <a:p>
+            <a:pPr marL="0" indent="0" algn="l">
+              <a:lnSpc>
+                <a:spcPct val="120000"/>
+              </a:lnSpc>
+              <a:buNone/>
+            </a:pPr>
+            <a:r>
+              <a:rPr lang="ru-RU" sz="2100" dirty="0">
+                <a:latin typeface="Elektra Text Pro" panose="02000503030000020004"/>
+              </a:rPr>
+              <a:t>3. Анализ значимости признаков.</a:t>
+            </a:r>
+          </a:p>
+          <a:p>
+            <a:pPr marL="0" indent="0" algn="l">
+              <a:lnSpc>
+                <a:spcPct val="120000"/>
+              </a:lnSpc>
+              <a:buNone/>
+            </a:pPr>
+            <a:r>
+              <a:rPr lang="ru-RU" sz="2100" dirty="0">
+                <a:latin typeface="Elektra Text Pro" panose="02000503030000020004"/>
+              </a:rPr>
+              <a:t>4. Случайное разбиение на обучающую и тестовую выборки (соотношение 80/20).</a:t>
+            </a:r>
+          </a:p>
+          <a:p>
+            <a:pPr marL="457200" indent="-457200" algn="l">
+              <a:buAutoNum type="arabicPeriod"/>
+            </a:pPr>
+            <a:endParaRPr lang="ru-RU" sz="2100" dirty="0">
+              <a:latin typeface="Elektra Text Pro" panose="02000503030000020004"/>
+            </a:endParaRPr>
+          </a:p>
+        </p:txBody>
+      </p:sp>
       <p:pic>
         <p:nvPicPr>
-          <p:cNvPr id="4" name="Рисунок 3">
+          <p:cNvPr id="5" name="Рисунок 4">
             <a:extLst>
               <a:ext uri="{FF2B5EF4-FFF2-40B4-BE49-F238E27FC236}">
-                <a16:creationId xmlns:a16="http://schemas.microsoft.com/office/drawing/2014/main" id="{C7213F5C-DA33-49E6-9A0C-001CFD9BEA47}"/>
+                <a16:creationId xmlns:a16="http://schemas.microsoft.com/office/drawing/2014/main" id="{59B77597-04F3-47C3-BD69-96C37B575CDC}"/>
               </a:ext>
             </a:extLst>
           </p:cNvPr>
@@ -6917,38 +7291,8 @@
         </p:blipFill>
         <p:spPr>
           <a:xfrm>
-            <a:off x="143027" y="1628800"/>
-            <a:ext cx="8856984" cy="1624263"/>
-          </a:xfrm>
-          <a:prstGeom prst="rect">
-            <a:avLst/>
-          </a:prstGeom>
-        </p:spPr>
-      </p:pic>
-      <p:pic>
-        <p:nvPicPr>
-          <p:cNvPr id="12" name="Рисунок 11">
-            <a:extLst>
-              <a:ext uri="{FF2B5EF4-FFF2-40B4-BE49-F238E27FC236}">
-                <a16:creationId xmlns:a16="http://schemas.microsoft.com/office/drawing/2014/main" id="{15536493-77BF-43DE-8A24-D3DCE70915E0}"/>
-              </a:ext>
-            </a:extLst>
-          </p:cNvPr>
-          <p:cNvPicPr>
-            <a:picLocks noChangeAspect="1"/>
-          </p:cNvPicPr>
-          <p:nvPr/>
-        </p:nvPicPr>
-        <p:blipFill>
-          <a:blip r:embed="rId4"/>
-          <a:stretch>
-            <a:fillRect/>
-          </a:stretch>
-        </p:blipFill>
-        <p:spPr>
-          <a:xfrm>
-            <a:off x="143027" y="3501008"/>
-            <a:ext cx="8856984" cy="1285592"/>
+            <a:off x="251519" y="3994384"/>
+            <a:ext cx="8784016" cy="1792160"/>
           </a:xfrm>
           <a:prstGeom prst="rect">
             <a:avLst/>
@@ -6958,7 +7302,7 @@
     </p:spTree>
     <p:extLst>
       <p:ext uri="{BB962C8B-B14F-4D97-AF65-F5344CB8AC3E}">
-        <p14:creationId xmlns:p14="http://schemas.microsoft.com/office/powerpoint/2010/main" val="2252064421"/>
+        <p14:creationId xmlns:p14="http://schemas.microsoft.com/office/powerpoint/2010/main" val="1911640730"/>
       </p:ext>
     </p:extLst>
   </p:cSld>
@@ -7101,142 +7445,8 @@
                 <a:latin typeface="Elektra Text Pro"/>
                 <a:cs typeface="Arial" pitchFamily="34" charset="0"/>
               </a:rPr>
-              <a:t>АЛГОРИТМЫ ПРОГНОЗИРОВАНИЯ СТОИМОСТИ АВТОМОБИЛЯ</a:t>
-            </a:r>
-          </a:p>
-        </p:txBody>
-      </p:sp>
-      <p:sp>
-        <p:nvSpPr>
-          <p:cNvPr id="3" name="Объект 2"/>
-          <p:cNvSpPr>
-            <a:spLocks noGrp="1"/>
-          </p:cNvSpPr>
-          <p:nvPr>
-            <p:ph idx="1"/>
-          </p:nvPr>
-        </p:nvSpPr>
-        <p:spPr>
-          <a:xfrm>
-            <a:off x="251520" y="1268760"/>
-            <a:ext cx="8640000" cy="4610099"/>
-          </a:xfrm>
-        </p:spPr>
-        <p:txBody>
-          <a:bodyPr>
-            <a:normAutofit/>
-          </a:bodyPr>
-          <a:lstStyle/>
-          <a:p>
-            <a:pPr marL="342900" indent="-342900">
-              <a:buFont typeface="+mj-lt"/>
-              <a:buAutoNum type="arabicPeriod"/>
-            </a:pPr>
-            <a:r>
-              <a:rPr lang="ru-RU" sz="1600" b="1" dirty="0">
-                <a:latin typeface="Elektra Text Pro" panose="02000503030000020004"/>
-              </a:rPr>
-              <a:t>Линейная регрессия</a:t>
-            </a:r>
-            <a:endParaRPr lang="en-US" sz="1600" b="1" dirty="0">
-              <a:latin typeface="Elektra Text Pro" panose="02000503030000020004"/>
-            </a:endParaRPr>
-          </a:p>
-          <a:p>
-            <a:pPr marL="342900" indent="-342900">
-              <a:buFont typeface="+mj-lt"/>
-              <a:buAutoNum type="arabicPeriod"/>
-            </a:pPr>
-            <a:endParaRPr lang="en-US" sz="1600" b="1" dirty="0">
-              <a:latin typeface="Elektra Text Pro" panose="02000503030000020004"/>
-            </a:endParaRPr>
-          </a:p>
-          <a:p>
-            <a:pPr marL="342900" indent="-342900">
-              <a:buFont typeface="+mj-lt"/>
-              <a:buAutoNum type="arabicPeriod"/>
-            </a:pPr>
-            <a:endParaRPr lang="en-US" sz="1600" b="1" dirty="0">
-              <a:latin typeface="Elektra Text Pro" panose="02000503030000020004"/>
-            </a:endParaRPr>
-          </a:p>
-          <a:p>
-            <a:pPr marL="342900" indent="-342900">
-              <a:buFont typeface="+mj-lt"/>
-              <a:buAutoNum type="arabicPeriod"/>
-            </a:pPr>
-            <a:endParaRPr lang="en-US" sz="1600" b="1" dirty="0">
-              <a:latin typeface="Elektra Text Pro" panose="02000503030000020004"/>
-            </a:endParaRPr>
-          </a:p>
-          <a:p>
-            <a:pPr marL="342900" indent="-342900">
-              <a:buFont typeface="+mj-lt"/>
-              <a:buAutoNum type="arabicPeriod"/>
-            </a:pPr>
-            <a:endParaRPr lang="en-US" sz="1600" b="1" dirty="0">
-              <a:latin typeface="Elektra Text Pro" panose="02000503030000020004"/>
-            </a:endParaRPr>
-          </a:p>
-          <a:p>
-            <a:pPr marL="342900" indent="-342900">
-              <a:buFont typeface="+mj-lt"/>
-              <a:buAutoNum type="arabicPeriod"/>
-            </a:pPr>
-            <a:endParaRPr lang="en-US" sz="1600" b="1" dirty="0">
-              <a:latin typeface="Elektra Text Pro" panose="02000503030000020004"/>
-            </a:endParaRPr>
-          </a:p>
-          <a:p>
-            <a:pPr marL="0" indent="0">
-              <a:buNone/>
-            </a:pPr>
-            <a:endParaRPr lang="en-US" sz="1600" b="1" dirty="0">
-              <a:latin typeface="Elektra Text Pro" panose="02000503030000020004"/>
-            </a:endParaRPr>
-          </a:p>
-          <a:p>
-            <a:pPr marL="342900" indent="-342900">
-              <a:buFont typeface="+mj-lt"/>
-              <a:buAutoNum type="arabicPeriod" startAt="2"/>
-            </a:pPr>
-            <a:r>
-              <a:rPr lang="en-US" sz="1600" b="1" dirty="0">
-                <a:latin typeface="Elektra Text Pro" panose="02000503030000020004"/>
-              </a:rPr>
-              <a:t>K-</a:t>
-            </a:r>
-            <a:r>
-              <a:rPr lang="ru-RU" sz="1600" b="1" dirty="0">
-                <a:latin typeface="Elektra Text Pro" panose="02000503030000020004"/>
-              </a:rPr>
-              <a:t>ближайших соседей</a:t>
-            </a:r>
-          </a:p>
-          <a:p>
-            <a:pPr marL="0" indent="0">
-              <a:buNone/>
-            </a:pPr>
-            <a:endParaRPr lang="ru-RU" sz="1800" dirty="0">
-              <a:latin typeface="Elektra Text Pro" panose="02000503030000020004"/>
-            </a:endParaRPr>
-          </a:p>
-          <a:p>
-            <a:pPr marL="0" indent="0">
-              <a:buNone/>
-            </a:pPr>
-            <a:endParaRPr lang="en-US" sz="1800" b="1" dirty="0">
-              <a:latin typeface="Elektra Text Pro" panose="02000503030000020004"/>
-            </a:endParaRPr>
-          </a:p>
-          <a:p>
-            <a:pPr marL="342900" indent="-342900">
-              <a:buFont typeface="+mj-lt"/>
-              <a:buAutoNum type="arabicPeriod" startAt="2"/>
-            </a:pPr>
-            <a:endParaRPr lang="ru-RU" sz="1800" dirty="0">
-              <a:latin typeface="Elektra Text Pro" panose="02000503030000020004"/>
-            </a:endParaRPr>
+              <a:t>ДАННЫЕ ПОСЛЕ ОБРАБОТКИ</a:t>
+            </a:r>
           </a:p>
         </p:txBody>
       </p:sp>
@@ -7248,8 +7458,8 @@
         </p:nvSpPr>
         <p:spPr>
           <a:xfrm>
-            <a:off x="7956376" y="6165306"/>
-            <a:ext cx="916301" cy="369332"/>
+            <a:off x="8028384" y="6165306"/>
+            <a:ext cx="844293" cy="369332"/>
           </a:xfrm>
           <a:prstGeom prst="rect">
             <a:avLst/>
@@ -7274,7 +7484,7 @@
             </a:r>
             <a:r>
               <a:rPr lang="en-US" dirty="0"/>
-              <a:t>22</a:t>
+              <a:t>24</a:t>
             </a:r>
             <a:endParaRPr lang="ru-RU" dirty="0"/>
           </a:p>
@@ -7342,10 +7552,10 @@
       </p:sp>
       <p:pic>
         <p:nvPicPr>
-          <p:cNvPr id="8" name="Рисунок 7">
+          <p:cNvPr id="4" name="Рисунок 3">
             <a:extLst>
               <a:ext uri="{FF2B5EF4-FFF2-40B4-BE49-F238E27FC236}">
-                <a16:creationId xmlns:a16="http://schemas.microsoft.com/office/drawing/2014/main" id="{52E67C49-5F14-4242-8D76-6A9156D2A834}"/>
+                <a16:creationId xmlns:a16="http://schemas.microsoft.com/office/drawing/2014/main" id="{C7213F5C-DA33-49E6-9A0C-001CFD9BEA47}"/>
               </a:ext>
             </a:extLst>
           </p:cNvPr>
@@ -7362,8 +7572,8 @@
         </p:blipFill>
         <p:spPr>
           <a:xfrm>
-            <a:off x="323528" y="1556792"/>
-            <a:ext cx="5877745" cy="2038635"/>
+            <a:off x="143027" y="1628800"/>
+            <a:ext cx="8856984" cy="1624263"/>
           </a:xfrm>
           <a:prstGeom prst="rect">
             <a:avLst/>
@@ -7372,10 +7582,10 @@
       </p:pic>
       <p:pic>
         <p:nvPicPr>
-          <p:cNvPr id="13" name="Рисунок 12">
+          <p:cNvPr id="12" name="Рисунок 11">
             <a:extLst>
               <a:ext uri="{FF2B5EF4-FFF2-40B4-BE49-F238E27FC236}">
-                <a16:creationId xmlns:a16="http://schemas.microsoft.com/office/drawing/2014/main" id="{AAC4CEED-C7EE-48AA-80C5-BCCCBEF0927B}"/>
+                <a16:creationId xmlns:a16="http://schemas.microsoft.com/office/drawing/2014/main" id="{15536493-77BF-43DE-8A24-D3DCE70915E0}"/>
               </a:ext>
             </a:extLst>
           </p:cNvPr>
@@ -7392,8 +7602,8 @@
         </p:blipFill>
         <p:spPr>
           <a:xfrm>
-            <a:off x="395536" y="3973593"/>
-            <a:ext cx="5001323" cy="1905266"/>
+            <a:off x="143027" y="3501008"/>
+            <a:ext cx="8856984" cy="1285592"/>
           </a:xfrm>
           <a:prstGeom prst="rect">
             <a:avLst/>
@@ -7403,7 +7613,7 @@
     </p:spTree>
     <p:extLst>
       <p:ext uri="{BB962C8B-B14F-4D97-AF65-F5344CB8AC3E}">
-        <p14:creationId xmlns:p14="http://schemas.microsoft.com/office/powerpoint/2010/main" val="3773060001"/>
+        <p14:creationId xmlns:p14="http://schemas.microsoft.com/office/powerpoint/2010/main" val="2252064421"/>
       </p:ext>
     </p:extLst>
   </p:cSld>
@@ -7573,26 +7783,15 @@
           </a:bodyPr>
           <a:lstStyle/>
           <a:p>
-            <a:pPr marL="0" indent="0">
-              <a:buNone/>
+            <a:pPr marL="342900" indent="-342900">
+              <a:buFont typeface="+mj-lt"/>
+              <a:buAutoNum type="arabicPeriod"/>
             </a:pPr>
             <a:r>
               <a:rPr lang="ru-RU" sz="1600" b="1" dirty="0">
                 <a:latin typeface="Elektra Text Pro" panose="02000503030000020004"/>
               </a:rPr>
-              <a:t>3.   Случайный лес (</a:t>
-            </a:r>
-            <a:r>
-              <a:rPr lang="en-US" sz="1600" b="1" dirty="0">
-                <a:latin typeface="Elektra Text Pro" panose="02000503030000020004"/>
-              </a:rPr>
-              <a:t>Random Forest</a:t>
-            </a:r>
-            <a:r>
-              <a:rPr lang="ru-RU" sz="1600" b="1" dirty="0">
-                <a:latin typeface="Elektra Text Pro" panose="02000503030000020004"/>
-              </a:rPr>
-              <a:t>)</a:t>
+              <a:t>Линейная регрессия</a:t>
             </a:r>
             <a:endParaRPr lang="en-US" sz="1600" b="1" dirty="0">
               <a:latin typeface="Elektra Text Pro" panose="02000503030000020004"/>
@@ -7652,30 +7851,28 @@
             </a:endParaRPr>
           </a:p>
           <a:p>
+            <a:pPr marL="342900" indent="-342900">
+              <a:buFont typeface="+mj-lt"/>
+              <a:buAutoNum type="arabicPeriod" startAt="2"/>
+            </a:pPr>
+            <a:r>
+              <a:rPr lang="en-US" sz="1600" b="1" dirty="0">
+                <a:latin typeface="Elektra Text Pro" panose="02000503030000020004"/>
+              </a:rPr>
+              <a:t>K-</a:t>
+            </a:r>
+            <a:r>
+              <a:rPr lang="ru-RU" sz="1600" b="1" dirty="0">
+                <a:latin typeface="Elektra Text Pro" panose="02000503030000020004"/>
+              </a:rPr>
+              <a:t>ближайших соседей</a:t>
+            </a:r>
+          </a:p>
+          <a:p>
             <a:pPr marL="0" indent="0">
               <a:buNone/>
             </a:pPr>
-            <a:r>
-              <a:rPr lang="en-US" sz="1600" b="1" dirty="0"/>
-              <a:t>4.  </a:t>
-            </a:r>
-            <a:r>
-              <a:rPr lang="ru-RU" sz="1600" b="1" dirty="0"/>
-              <a:t>  </a:t>
-            </a:r>
-            <a:r>
-              <a:rPr lang="ru-RU" sz="1600" b="1" dirty="0">
-                <a:latin typeface="Elektra Text Pro" panose="02000503030000020004"/>
-              </a:rPr>
-              <a:t>Градиентный </a:t>
-            </a:r>
-            <a:r>
-              <a:rPr lang="ru-RU" sz="1600" b="1" dirty="0" err="1">
-                <a:latin typeface="Elektra Text Pro" panose="02000503030000020004"/>
-              </a:rPr>
-              <a:t>бустинг</a:t>
-            </a:r>
-            <a:endParaRPr lang="ru-RU" sz="1600" b="1" dirty="0">
+            <a:endParaRPr lang="ru-RU" sz="1800" dirty="0">
               <a:latin typeface="Elektra Text Pro" panose="02000503030000020004"/>
             </a:endParaRPr>
           </a:p>
@@ -7706,8 +7903,8 @@
         </p:nvSpPr>
         <p:spPr>
           <a:xfrm>
-            <a:off x="8172400" y="6165306"/>
-            <a:ext cx="792088" cy="369332"/>
+            <a:off x="7956376" y="6165306"/>
+            <a:ext cx="916301" cy="369332"/>
           </a:xfrm>
           <a:prstGeom prst="rect">
             <a:avLst/>
@@ -7732,7 +7929,7 @@
             </a:r>
             <a:r>
               <a:rPr lang="en-US" dirty="0"/>
-              <a:t>22</a:t>
+              <a:t>24</a:t>
             </a:r>
             <a:endParaRPr lang="ru-RU" dirty="0"/>
           </a:p>
@@ -7800,10 +7997,10 @@
       </p:sp>
       <p:pic>
         <p:nvPicPr>
-          <p:cNvPr id="5" name="Рисунок 4">
+          <p:cNvPr id="8" name="Рисунок 7">
             <a:extLst>
               <a:ext uri="{FF2B5EF4-FFF2-40B4-BE49-F238E27FC236}">
-                <a16:creationId xmlns:a16="http://schemas.microsoft.com/office/drawing/2014/main" id="{0B3CB85C-AED2-4AD9-A5B8-14CDD76FBECF}"/>
+                <a16:creationId xmlns:a16="http://schemas.microsoft.com/office/drawing/2014/main" id="{52E67C49-5F14-4242-8D76-6A9156D2A834}"/>
               </a:ext>
             </a:extLst>
           </p:cNvPr>
@@ -7820,8 +8017,8 @@
         </p:blipFill>
         <p:spPr>
           <a:xfrm>
-            <a:off x="323670" y="1711412"/>
-            <a:ext cx="5087060" cy="1819529"/>
+            <a:off x="323528" y="1556792"/>
+            <a:ext cx="5877745" cy="2038635"/>
           </a:xfrm>
           <a:prstGeom prst="rect">
             <a:avLst/>
@@ -7830,10 +8027,10 @@
       </p:pic>
       <p:pic>
         <p:nvPicPr>
-          <p:cNvPr id="12" name="Рисунок 11">
+          <p:cNvPr id="13" name="Рисунок 12">
             <a:extLst>
               <a:ext uri="{FF2B5EF4-FFF2-40B4-BE49-F238E27FC236}">
-                <a16:creationId xmlns:a16="http://schemas.microsoft.com/office/drawing/2014/main" id="{D789A250-1AF2-4920-960B-C0438144F55B}"/>
+                <a16:creationId xmlns:a16="http://schemas.microsoft.com/office/drawing/2014/main" id="{AAC4CEED-C7EE-48AA-80C5-BCCCBEF0927B}"/>
               </a:ext>
             </a:extLst>
           </p:cNvPr>
@@ -7850,8 +8047,8 @@
         </p:blipFill>
         <p:spPr>
           <a:xfrm>
-            <a:off x="323670" y="4023653"/>
-            <a:ext cx="5639587" cy="1962424"/>
+            <a:off x="395536" y="3973593"/>
+            <a:ext cx="5001323" cy="1905266"/>
           </a:xfrm>
           <a:prstGeom prst="rect">
             <a:avLst/>
@@ -7861,7 +8058,7 @@
     </p:spTree>
     <p:extLst>
       <p:ext uri="{BB962C8B-B14F-4D97-AF65-F5344CB8AC3E}">
-        <p14:creationId xmlns:p14="http://schemas.microsoft.com/office/powerpoint/2010/main" val="1874899485"/>
+        <p14:creationId xmlns:p14="http://schemas.microsoft.com/office/powerpoint/2010/main" val="3773060001"/>
       </p:ext>
     </p:extLst>
   </p:cSld>
@@ -8004,8 +8201,155 @@
                 <a:latin typeface="Elektra Text Pro"/>
                 <a:cs typeface="Arial" pitchFamily="34" charset="0"/>
               </a:rPr>
-              <a:t>ОЦЕНКА ТОЧНОСТИ АЛГОРИТМОВ</a:t>
-            </a:r>
+              <a:t>АЛГОРИТМЫ ПРОГНОЗИРОВАНИЯ СТОИМОСТИ АВТОМОБИЛЯ</a:t>
+            </a:r>
+          </a:p>
+        </p:txBody>
+      </p:sp>
+      <p:sp>
+        <p:nvSpPr>
+          <p:cNvPr id="3" name="Объект 2"/>
+          <p:cNvSpPr>
+            <a:spLocks noGrp="1"/>
+          </p:cNvSpPr>
+          <p:nvPr>
+            <p:ph idx="1"/>
+          </p:nvPr>
+        </p:nvSpPr>
+        <p:spPr>
+          <a:xfrm>
+            <a:off x="251520" y="1268760"/>
+            <a:ext cx="8640000" cy="4610099"/>
+          </a:xfrm>
+        </p:spPr>
+        <p:txBody>
+          <a:bodyPr>
+            <a:normAutofit/>
+          </a:bodyPr>
+          <a:lstStyle/>
+          <a:p>
+            <a:pPr marL="0" indent="0">
+              <a:buNone/>
+            </a:pPr>
+            <a:r>
+              <a:rPr lang="ru-RU" sz="1600" b="1" dirty="0">
+                <a:latin typeface="Elektra Text Pro" panose="02000503030000020004"/>
+              </a:rPr>
+              <a:t>3.   Случайный лес (</a:t>
+            </a:r>
+            <a:r>
+              <a:rPr lang="en-US" sz="1600" b="1" dirty="0">
+                <a:latin typeface="Elektra Text Pro" panose="02000503030000020004"/>
+              </a:rPr>
+              <a:t>Random Forest</a:t>
+            </a:r>
+            <a:r>
+              <a:rPr lang="ru-RU" sz="1600" b="1" dirty="0">
+                <a:latin typeface="Elektra Text Pro" panose="02000503030000020004"/>
+              </a:rPr>
+              <a:t>)</a:t>
+            </a:r>
+            <a:endParaRPr lang="en-US" sz="1600" b="1" dirty="0">
+              <a:latin typeface="Elektra Text Pro" panose="02000503030000020004"/>
+            </a:endParaRPr>
+          </a:p>
+          <a:p>
+            <a:pPr marL="342900" indent="-342900">
+              <a:buFont typeface="+mj-lt"/>
+              <a:buAutoNum type="arabicPeriod"/>
+            </a:pPr>
+            <a:endParaRPr lang="en-US" sz="1600" b="1" dirty="0">
+              <a:latin typeface="Elektra Text Pro" panose="02000503030000020004"/>
+            </a:endParaRPr>
+          </a:p>
+          <a:p>
+            <a:pPr marL="342900" indent="-342900">
+              <a:buFont typeface="+mj-lt"/>
+              <a:buAutoNum type="arabicPeriod"/>
+            </a:pPr>
+            <a:endParaRPr lang="en-US" sz="1600" b="1" dirty="0">
+              <a:latin typeface="Elektra Text Pro" panose="02000503030000020004"/>
+            </a:endParaRPr>
+          </a:p>
+          <a:p>
+            <a:pPr marL="342900" indent="-342900">
+              <a:buFont typeface="+mj-lt"/>
+              <a:buAutoNum type="arabicPeriod"/>
+            </a:pPr>
+            <a:endParaRPr lang="en-US" sz="1600" b="1" dirty="0">
+              <a:latin typeface="Elektra Text Pro" panose="02000503030000020004"/>
+            </a:endParaRPr>
+          </a:p>
+          <a:p>
+            <a:pPr marL="342900" indent="-342900">
+              <a:buFont typeface="+mj-lt"/>
+              <a:buAutoNum type="arabicPeriod"/>
+            </a:pPr>
+            <a:endParaRPr lang="en-US" sz="1600" b="1" dirty="0">
+              <a:latin typeface="Elektra Text Pro" panose="02000503030000020004"/>
+            </a:endParaRPr>
+          </a:p>
+          <a:p>
+            <a:pPr marL="342900" indent="-342900">
+              <a:buFont typeface="+mj-lt"/>
+              <a:buAutoNum type="arabicPeriod"/>
+            </a:pPr>
+            <a:endParaRPr lang="en-US" sz="1600" b="1" dirty="0">
+              <a:latin typeface="Elektra Text Pro" panose="02000503030000020004"/>
+            </a:endParaRPr>
+          </a:p>
+          <a:p>
+            <a:pPr marL="0" indent="0">
+              <a:buNone/>
+            </a:pPr>
+            <a:endParaRPr lang="en-US" sz="1600" b="1" dirty="0">
+              <a:latin typeface="Elektra Text Pro" panose="02000503030000020004"/>
+            </a:endParaRPr>
+          </a:p>
+          <a:p>
+            <a:pPr marL="0" indent="0">
+              <a:buNone/>
+            </a:pPr>
+            <a:r>
+              <a:rPr lang="en-US" sz="1600" b="1" dirty="0"/>
+              <a:t>4.  </a:t>
+            </a:r>
+            <a:r>
+              <a:rPr lang="ru-RU" sz="1600" b="1" dirty="0"/>
+              <a:t>  </a:t>
+            </a:r>
+            <a:r>
+              <a:rPr lang="ru-RU" sz="1600" b="1" dirty="0">
+                <a:latin typeface="Elektra Text Pro" panose="02000503030000020004"/>
+              </a:rPr>
+              <a:t>Градиентный </a:t>
+            </a:r>
+            <a:r>
+              <a:rPr lang="ru-RU" sz="1600" b="1" dirty="0" err="1">
+                <a:latin typeface="Elektra Text Pro" panose="02000503030000020004"/>
+              </a:rPr>
+              <a:t>бустинг</a:t>
+            </a:r>
+            <a:endParaRPr lang="ru-RU" sz="1600" b="1" dirty="0">
+              <a:latin typeface="Elektra Text Pro" panose="02000503030000020004"/>
+            </a:endParaRPr>
+          </a:p>
+          <a:p>
+            <a:pPr marL="0" indent="0">
+              <a:buNone/>
+            </a:pPr>
+            <a:endParaRPr lang="en-US" sz="1800" b="1" dirty="0">
+              <a:latin typeface="Elektra Text Pro" panose="02000503030000020004"/>
+            </a:endParaRPr>
+          </a:p>
+          <a:p>
+            <a:pPr marL="342900" indent="-342900">
+              <a:buFont typeface="+mj-lt"/>
+              <a:buAutoNum type="arabicPeriod" startAt="2"/>
+            </a:pPr>
+            <a:endParaRPr lang="ru-RU" sz="1800" dirty="0">
+              <a:latin typeface="Elektra Text Pro" panose="02000503030000020004"/>
+            </a:endParaRPr>
           </a:p>
         </p:txBody>
       </p:sp>
@@ -8017,8 +8361,8 @@
         </p:nvSpPr>
         <p:spPr>
           <a:xfrm>
-            <a:off x="8028384" y="6165306"/>
-            <a:ext cx="844293" cy="369332"/>
+            <a:off x="8172400" y="6165306"/>
+            <a:ext cx="792088" cy="369332"/>
           </a:xfrm>
           <a:prstGeom prst="rect">
             <a:avLst/>
@@ -8043,7 +8387,7 @@
             </a:r>
             <a:r>
               <a:rPr lang="en-US" dirty="0"/>
-              <a:t>22</a:t>
+              <a:t>24</a:t>
             </a:r>
             <a:endParaRPr lang="ru-RU" dirty="0"/>
           </a:p>
@@ -8109,49 +8453,12 @@
           </a:p>
         </p:txBody>
       </p:sp>
-      <p:sp>
-        <p:nvSpPr>
-          <p:cNvPr id="4" name="TextBox 3">
-            <a:extLst>
-              <a:ext uri="{FF2B5EF4-FFF2-40B4-BE49-F238E27FC236}">
-                <a16:creationId xmlns:a16="http://schemas.microsoft.com/office/drawing/2014/main" id="{4DECB4EF-B5E6-A6EF-FA56-6605CBE28E8C}"/>
-              </a:ext>
-            </a:extLst>
-          </p:cNvPr>
-          <p:cNvSpPr txBox="1"/>
-          <p:nvPr/>
-        </p:nvSpPr>
-        <p:spPr>
-          <a:xfrm>
-            <a:off x="585457" y="1293763"/>
-            <a:ext cx="7973085" cy="646331"/>
-          </a:xfrm>
-          <a:prstGeom prst="rect">
-            <a:avLst/>
-          </a:prstGeom>
-          <a:noFill/>
-        </p:spPr>
-        <p:txBody>
-          <a:bodyPr wrap="square" rtlCol="0">
-            <a:spAutoFit/>
-          </a:bodyPr>
-          <a:lstStyle/>
-          <a:p>
-            <a:r>
-              <a:rPr lang="ru-RU" dirty="0">
-                <a:latin typeface="Elektra Text Pro" panose="02000503030000020004"/>
-              </a:rPr>
-              <a:t>Для определения точности прогнозирования стоимости автомобиля использовались следующие метрики:</a:t>
-            </a:r>
-          </a:p>
-        </p:txBody>
-      </p:sp>
       <p:pic>
         <p:nvPicPr>
           <p:cNvPr id="5" name="Рисунок 4">
             <a:extLst>
               <a:ext uri="{FF2B5EF4-FFF2-40B4-BE49-F238E27FC236}">
-                <a16:creationId xmlns:a16="http://schemas.microsoft.com/office/drawing/2014/main" id="{D2BB6FAF-0D42-4785-A084-7114FA5C5CCE}"/>
+                <a16:creationId xmlns:a16="http://schemas.microsoft.com/office/drawing/2014/main" id="{0B3CB85C-AED2-4AD9-A5B8-14CDD76FBECF}"/>
               </a:ext>
             </a:extLst>
           </p:cNvPr>
@@ -8168,8 +8475,8 @@
         </p:blipFill>
         <p:spPr>
           <a:xfrm>
-            <a:off x="585457" y="2157527"/>
-            <a:ext cx="1971950" cy="724001"/>
+            <a:off x="323670" y="1711412"/>
+            <a:ext cx="5087060" cy="1819529"/>
           </a:xfrm>
           <a:prstGeom prst="rect">
             <a:avLst/>
@@ -8178,10 +8485,10 @@
       </p:pic>
       <p:pic>
         <p:nvPicPr>
-          <p:cNvPr id="13" name="Рисунок 12">
+          <p:cNvPr id="12" name="Рисунок 11">
             <a:extLst>
               <a:ext uri="{FF2B5EF4-FFF2-40B4-BE49-F238E27FC236}">
-                <a16:creationId xmlns:a16="http://schemas.microsoft.com/office/drawing/2014/main" id="{83E14580-36E8-4C3E-9ECB-6A339AD11A3E}"/>
+                <a16:creationId xmlns:a16="http://schemas.microsoft.com/office/drawing/2014/main" id="{D789A250-1AF2-4920-960B-C0438144F55B}"/>
               </a:ext>
             </a:extLst>
           </p:cNvPr>
@@ -8198,68 +8505,8 @@
         </p:blipFill>
         <p:spPr>
           <a:xfrm>
-            <a:off x="3059832" y="2124184"/>
-            <a:ext cx="2172003" cy="790685"/>
-          </a:xfrm>
-          <a:prstGeom prst="rect">
-            <a:avLst/>
-          </a:prstGeom>
-        </p:spPr>
-      </p:pic>
-      <p:pic>
-        <p:nvPicPr>
-          <p:cNvPr id="15" name="Рисунок 14">
-            <a:extLst>
-              <a:ext uri="{FF2B5EF4-FFF2-40B4-BE49-F238E27FC236}">
-                <a16:creationId xmlns:a16="http://schemas.microsoft.com/office/drawing/2014/main" id="{F52EB39C-5C8F-468C-AE6A-9F073BF050F6}"/>
-              </a:ext>
-            </a:extLst>
-          </p:cNvPr>
-          <p:cNvPicPr>
-            <a:picLocks noChangeAspect="1"/>
-          </p:cNvPicPr>
-          <p:nvPr/>
-        </p:nvPicPr>
-        <p:blipFill>
-          <a:blip r:embed="rId5"/>
-          <a:stretch>
-            <a:fillRect/>
-          </a:stretch>
-        </p:blipFill>
-        <p:spPr>
-          <a:xfrm>
-            <a:off x="5734260" y="2199324"/>
-            <a:ext cx="2524477" cy="743054"/>
-          </a:xfrm>
-          <a:prstGeom prst="rect">
-            <a:avLst/>
-          </a:prstGeom>
-        </p:spPr>
-      </p:pic>
-      <p:pic>
-        <p:nvPicPr>
-          <p:cNvPr id="17" name="Рисунок 16">
-            <a:extLst>
-              <a:ext uri="{FF2B5EF4-FFF2-40B4-BE49-F238E27FC236}">
-                <a16:creationId xmlns:a16="http://schemas.microsoft.com/office/drawing/2014/main" id="{083AB794-5597-45B7-B1A7-3170CD79ABA3}"/>
-              </a:ext>
-            </a:extLst>
-          </p:cNvPr>
-          <p:cNvPicPr>
-            <a:picLocks noChangeAspect="1"/>
-          </p:cNvPicPr>
-          <p:nvPr/>
-        </p:nvPicPr>
-        <p:blipFill>
-          <a:blip r:embed="rId6"/>
-          <a:stretch>
-            <a:fillRect/>
-          </a:stretch>
-        </p:blipFill>
-        <p:spPr>
-          <a:xfrm>
-            <a:off x="585457" y="3450852"/>
-            <a:ext cx="3591426" cy="1467055"/>
+            <a:off x="323670" y="4023653"/>
+            <a:ext cx="5639587" cy="1962424"/>
           </a:xfrm>
           <a:prstGeom prst="rect">
             <a:avLst/>
@@ -8269,7 +8516,7 @@
     </p:spTree>
     <p:extLst>
       <p:ext uri="{BB962C8B-B14F-4D97-AF65-F5344CB8AC3E}">
-        <p14:creationId xmlns:p14="http://schemas.microsoft.com/office/powerpoint/2010/main" val="1321702135"/>
+        <p14:creationId xmlns:p14="http://schemas.microsoft.com/office/powerpoint/2010/main" val="1874899485"/>
       </p:ext>
     </p:extLst>
   </p:cSld>
@@ -8412,7 +8659,7 @@
                 <a:latin typeface="Elektra Text Pro"/>
                 <a:cs typeface="Arial" pitchFamily="34" charset="0"/>
               </a:rPr>
-              <a:t>РЕЗУЛЬТАТЫ ОЦЕНКИ</a:t>
+              <a:t>ОЦЕНКА ТОЧНОСТИ АЛГОРИТМОВ</a:t>
             </a:r>
           </a:p>
         </p:txBody>
@@ -8425,8 +8672,8 @@
         </p:nvSpPr>
         <p:spPr>
           <a:xfrm>
-            <a:off x="8100393" y="6165306"/>
-            <a:ext cx="791128" cy="369332"/>
+            <a:off x="8028384" y="6165306"/>
+            <a:ext cx="844293" cy="369332"/>
           </a:xfrm>
           <a:prstGeom prst="rect">
             <a:avLst/>
@@ -8447,8 +8694,13 @@
             </a:fld>
             <a:r>
               <a:rPr lang="ru-RU" dirty="0"/>
-              <a:t>/22</a:t>
-            </a:r>
+              <a:t>/</a:t>
+            </a:r>
+            <a:r>
+              <a:rPr lang="en-US" dirty="0"/>
+              <a:t>24</a:t>
+            </a:r>
+            <a:endParaRPr lang="ru-RU" dirty="0"/>
           </a:p>
         </p:txBody>
       </p:sp>
@@ -8512,12 +8764,49 @@
           </a:p>
         </p:txBody>
       </p:sp>
+      <p:sp>
+        <p:nvSpPr>
+          <p:cNvPr id="4" name="TextBox 3">
+            <a:extLst>
+              <a:ext uri="{FF2B5EF4-FFF2-40B4-BE49-F238E27FC236}">
+                <a16:creationId xmlns:a16="http://schemas.microsoft.com/office/drawing/2014/main" id="{4DECB4EF-B5E6-A6EF-FA56-6605CBE28E8C}"/>
+              </a:ext>
+            </a:extLst>
+          </p:cNvPr>
+          <p:cNvSpPr txBox="1"/>
+          <p:nvPr/>
+        </p:nvSpPr>
+        <p:spPr>
+          <a:xfrm>
+            <a:off x="585457" y="1293763"/>
+            <a:ext cx="7973085" cy="646331"/>
+          </a:xfrm>
+          <a:prstGeom prst="rect">
+            <a:avLst/>
+          </a:prstGeom>
+          <a:noFill/>
+        </p:spPr>
+        <p:txBody>
+          <a:bodyPr wrap="square" rtlCol="0">
+            <a:spAutoFit/>
+          </a:bodyPr>
+          <a:lstStyle/>
+          <a:p>
+            <a:r>
+              <a:rPr lang="ru-RU" dirty="0">
+                <a:latin typeface="Elektra Text Pro" panose="02000503030000020004"/>
+              </a:rPr>
+              <a:t>Для определения точности прогнозирования стоимости автомобиля использовались следующие метрики:</a:t>
+            </a:r>
+          </a:p>
+        </p:txBody>
+      </p:sp>
       <p:pic>
         <p:nvPicPr>
-          <p:cNvPr id="4" name="Рисунок 3">
+          <p:cNvPr id="5" name="Рисунок 4">
             <a:extLst>
               <a:ext uri="{FF2B5EF4-FFF2-40B4-BE49-F238E27FC236}">
-                <a16:creationId xmlns:a16="http://schemas.microsoft.com/office/drawing/2014/main" id="{B3D88659-B858-468B-B803-4CD3A7481B23}"/>
+                <a16:creationId xmlns:a16="http://schemas.microsoft.com/office/drawing/2014/main" id="{D2BB6FAF-0D42-4785-A084-7114FA5C5CCE}"/>
               </a:ext>
             </a:extLst>
           </p:cNvPr>
@@ -8534,8 +8823,98 @@
         </p:blipFill>
         <p:spPr>
           <a:xfrm>
-            <a:off x="672047" y="1957320"/>
-            <a:ext cx="7799905" cy="2943360"/>
+            <a:off x="585457" y="2157527"/>
+            <a:ext cx="1971950" cy="724001"/>
+          </a:xfrm>
+          <a:prstGeom prst="rect">
+            <a:avLst/>
+          </a:prstGeom>
+        </p:spPr>
+      </p:pic>
+      <p:pic>
+        <p:nvPicPr>
+          <p:cNvPr id="13" name="Рисунок 12">
+            <a:extLst>
+              <a:ext uri="{FF2B5EF4-FFF2-40B4-BE49-F238E27FC236}">
+                <a16:creationId xmlns:a16="http://schemas.microsoft.com/office/drawing/2014/main" id="{83E14580-36E8-4C3E-9ECB-6A339AD11A3E}"/>
+              </a:ext>
+            </a:extLst>
+          </p:cNvPr>
+          <p:cNvPicPr>
+            <a:picLocks noChangeAspect="1"/>
+          </p:cNvPicPr>
+          <p:nvPr/>
+        </p:nvPicPr>
+        <p:blipFill>
+          <a:blip r:embed="rId4"/>
+          <a:stretch>
+            <a:fillRect/>
+          </a:stretch>
+        </p:blipFill>
+        <p:spPr>
+          <a:xfrm>
+            <a:off x="3059832" y="2124184"/>
+            <a:ext cx="2172003" cy="790685"/>
+          </a:xfrm>
+          <a:prstGeom prst="rect">
+            <a:avLst/>
+          </a:prstGeom>
+        </p:spPr>
+      </p:pic>
+      <p:pic>
+        <p:nvPicPr>
+          <p:cNvPr id="15" name="Рисунок 14">
+            <a:extLst>
+              <a:ext uri="{FF2B5EF4-FFF2-40B4-BE49-F238E27FC236}">
+                <a16:creationId xmlns:a16="http://schemas.microsoft.com/office/drawing/2014/main" id="{F52EB39C-5C8F-468C-AE6A-9F073BF050F6}"/>
+              </a:ext>
+            </a:extLst>
+          </p:cNvPr>
+          <p:cNvPicPr>
+            <a:picLocks noChangeAspect="1"/>
+          </p:cNvPicPr>
+          <p:nvPr/>
+        </p:nvPicPr>
+        <p:blipFill>
+          <a:blip r:embed="rId5"/>
+          <a:stretch>
+            <a:fillRect/>
+          </a:stretch>
+        </p:blipFill>
+        <p:spPr>
+          <a:xfrm>
+            <a:off x="5734260" y="2199324"/>
+            <a:ext cx="2524477" cy="743054"/>
+          </a:xfrm>
+          <a:prstGeom prst="rect">
+            <a:avLst/>
+          </a:prstGeom>
+        </p:spPr>
+      </p:pic>
+      <p:pic>
+        <p:nvPicPr>
+          <p:cNvPr id="17" name="Рисунок 16">
+            <a:extLst>
+              <a:ext uri="{FF2B5EF4-FFF2-40B4-BE49-F238E27FC236}">
+                <a16:creationId xmlns:a16="http://schemas.microsoft.com/office/drawing/2014/main" id="{083AB794-5597-45B7-B1A7-3170CD79ABA3}"/>
+              </a:ext>
+            </a:extLst>
+          </p:cNvPr>
+          <p:cNvPicPr>
+            <a:picLocks noChangeAspect="1"/>
+          </p:cNvPicPr>
+          <p:nvPr/>
+        </p:nvPicPr>
+        <p:blipFill>
+          <a:blip r:embed="rId6"/>
+          <a:stretch>
+            <a:fillRect/>
+          </a:stretch>
+        </p:blipFill>
+        <p:spPr>
+          <a:xfrm>
+            <a:off x="585457" y="3450852"/>
+            <a:ext cx="3591426" cy="1467055"/>
           </a:xfrm>
           <a:prstGeom prst="rect">
             <a:avLst/>
@@ -8545,7 +8924,7 @@
     </p:spTree>
     <p:extLst>
       <p:ext uri="{BB962C8B-B14F-4D97-AF65-F5344CB8AC3E}">
-        <p14:creationId xmlns:p14="http://schemas.microsoft.com/office/powerpoint/2010/main" val="2602512621"/>
+        <p14:creationId xmlns:p14="http://schemas.microsoft.com/office/powerpoint/2010/main" val="1321702135"/>
       </p:ext>
     </p:extLst>
   </p:cSld>
@@ -8688,7 +9067,7 @@
                 <a:latin typeface="Elektra Text Pro"/>
                 <a:cs typeface="Arial" pitchFamily="34" charset="0"/>
               </a:rPr>
-              <a:t>ОШИБКИ СИСТЕМЫ</a:t>
+              <a:t>РЕЗУЛЬТАТЫ ОЦЕНКИ</a:t>
             </a:r>
           </a:p>
         </p:txBody>
@@ -8723,7 +9102,7 @@
             </a:fld>
             <a:r>
               <a:rPr lang="ru-RU" dirty="0"/>
-              <a:t>/22</a:t>
+              <a:t>/24</a:t>
             </a:r>
           </a:p>
         </p:txBody>
@@ -8788,47 +9167,12 @@
           </a:p>
         </p:txBody>
       </p:sp>
-      <p:sp>
-        <p:nvSpPr>
-          <p:cNvPr id="3" name="TextBox 2">
+      <p:pic>
+        <p:nvPicPr>
+          <p:cNvPr id="4" name="Рисунок 3">
             <a:extLst>
               <a:ext uri="{FF2B5EF4-FFF2-40B4-BE49-F238E27FC236}">
-                <a16:creationId xmlns:a16="http://schemas.microsoft.com/office/drawing/2014/main" id="{3D5C646E-6034-41B1-BE54-88C038B83991}"/>
-              </a:ext>
-            </a:extLst>
-          </p:cNvPr>
-          <p:cNvSpPr txBox="1"/>
-          <p:nvPr/>
-        </p:nvSpPr>
-        <p:spPr>
-          <a:xfrm>
-            <a:off x="277018" y="1471314"/>
-            <a:ext cx="8853722" cy="400110"/>
-          </a:xfrm>
-          <a:prstGeom prst="rect">
-            <a:avLst/>
-          </a:prstGeom>
-          <a:noFill/>
-        </p:spPr>
-        <p:txBody>
-          <a:bodyPr wrap="square" rtlCol="0">
-            <a:spAutoFit/>
-          </a:bodyPr>
-          <a:lstStyle/>
-          <a:p>
-            <a:r>
-              <a:rPr lang="ru-RU" sz="2000" dirty="0"/>
-              <a:t>Наибольшие ошибки – у эксклюзивных и премиальных автомобилей:</a:t>
-            </a:r>
-          </a:p>
-        </p:txBody>
-      </p:sp>
-      <p:pic>
-        <p:nvPicPr>
-          <p:cNvPr id="7" name="Рисунок 6">
-            <a:extLst>
-              <a:ext uri="{FF2B5EF4-FFF2-40B4-BE49-F238E27FC236}">
-                <a16:creationId xmlns:a16="http://schemas.microsoft.com/office/drawing/2014/main" id="{B2C4E0C3-AF23-4A02-87D9-0054B5F388BF}"/>
+                <a16:creationId xmlns:a16="http://schemas.microsoft.com/office/drawing/2014/main" id="{B3D88659-B858-468B-B803-4CD3A7481B23}"/>
               </a:ext>
             </a:extLst>
           </p:cNvPr>
@@ -8845,38 +9189,8 @@
         </p:blipFill>
         <p:spPr>
           <a:xfrm>
-            <a:off x="107504" y="2206159"/>
-            <a:ext cx="5831212" cy="2951512"/>
-          </a:xfrm>
-          <a:prstGeom prst="rect">
-            <a:avLst/>
-          </a:prstGeom>
-        </p:spPr>
-      </p:pic>
-      <p:pic>
-        <p:nvPicPr>
-          <p:cNvPr id="12" name="Рисунок 11">
-            <a:extLst>
-              <a:ext uri="{FF2B5EF4-FFF2-40B4-BE49-F238E27FC236}">
-                <a16:creationId xmlns:a16="http://schemas.microsoft.com/office/drawing/2014/main" id="{09D308EB-C7A2-469B-A6BB-55797F7C180A}"/>
-              </a:ext>
-            </a:extLst>
-          </p:cNvPr>
-          <p:cNvPicPr>
-            <a:picLocks noChangeAspect="1"/>
-          </p:cNvPicPr>
-          <p:nvPr/>
-        </p:nvPicPr>
-        <p:blipFill>
-          <a:blip r:embed="rId4"/>
-          <a:stretch>
-            <a:fillRect/>
-          </a:stretch>
-        </p:blipFill>
-        <p:spPr>
-          <a:xfrm>
-            <a:off x="4977260" y="3005545"/>
-            <a:ext cx="4153480" cy="1352739"/>
+            <a:off x="672047" y="1957320"/>
+            <a:ext cx="7799905" cy="2943360"/>
           </a:xfrm>
           <a:prstGeom prst="rect">
             <a:avLst/>
@@ -8886,7 +9200,7 @@
     </p:spTree>
     <p:extLst>
       <p:ext uri="{BB962C8B-B14F-4D97-AF65-F5344CB8AC3E}">
-        <p14:creationId xmlns:p14="http://schemas.microsoft.com/office/powerpoint/2010/main" val="1695126567"/>
+        <p14:creationId xmlns:p14="http://schemas.microsoft.com/office/powerpoint/2010/main" val="2602512621"/>
       </p:ext>
     </p:extLst>
   </p:cSld>
@@ -9029,7 +9343,7 @@
                 <a:latin typeface="Elektra Text Pro"/>
                 <a:cs typeface="Arial" pitchFamily="34" charset="0"/>
               </a:rPr>
-              <a:t>СТРУКТУРНАЯ СХЕМА СИСТЕМЫ</a:t>
+              <a:t>ХАРАКТЕРИСТИКИ ИТОГОВОЙ МОДЕЛИ</a:t>
             </a:r>
           </a:p>
         </p:txBody>
@@ -9042,8 +9356,8 @@
         </p:nvSpPr>
         <p:spPr>
           <a:xfrm>
-            <a:off x="8100393" y="6165306"/>
-            <a:ext cx="791128" cy="369332"/>
+            <a:off x="8028384" y="6165306"/>
+            <a:ext cx="844293" cy="369332"/>
           </a:xfrm>
           <a:prstGeom prst="rect">
             <a:avLst/>
@@ -9064,8 +9378,13 @@
             </a:fld>
             <a:r>
               <a:rPr lang="ru-RU" dirty="0"/>
-              <a:t>/22</a:t>
-            </a:r>
+              <a:t>/</a:t>
+            </a:r>
+            <a:r>
+              <a:rPr lang="en-US" dirty="0"/>
+              <a:t>24</a:t>
+            </a:r>
+            <a:endParaRPr lang="ru-RU" dirty="0"/>
           </a:p>
         </p:txBody>
       </p:sp>
@@ -9131,10 +9450,10 @@
       </p:sp>
       <p:pic>
         <p:nvPicPr>
-          <p:cNvPr id="5" name="Рисунок 4">
+          <p:cNvPr id="4" name="Рисунок 3">
             <a:extLst>
               <a:ext uri="{FF2B5EF4-FFF2-40B4-BE49-F238E27FC236}">
-                <a16:creationId xmlns:a16="http://schemas.microsoft.com/office/drawing/2014/main" id="{139B1644-46B2-45DC-8298-F9E57AF4A5DD}"/>
+                <a16:creationId xmlns:a16="http://schemas.microsoft.com/office/drawing/2014/main" id="{11C305C3-2AF9-4EB0-AC15-67BA953E820C}"/>
               </a:ext>
             </a:extLst>
           </p:cNvPr>
@@ -9151,8 +9470,8 @@
         </p:blipFill>
         <p:spPr>
           <a:xfrm>
-            <a:off x="575705" y="1857155"/>
-            <a:ext cx="7992590" cy="3143689"/>
+            <a:off x="298771" y="1757129"/>
+            <a:ext cx="8592749" cy="3343742"/>
           </a:xfrm>
           <a:prstGeom prst="rect">
             <a:avLst/>
@@ -9162,7 +9481,7 @@
     </p:spTree>
     <p:extLst>
       <p:ext uri="{BB962C8B-B14F-4D97-AF65-F5344CB8AC3E}">
-        <p14:creationId xmlns:p14="http://schemas.microsoft.com/office/powerpoint/2010/main" val="1229579044"/>
+        <p14:creationId xmlns:p14="http://schemas.microsoft.com/office/powerpoint/2010/main" val="4211303515"/>
       </p:ext>
     </p:extLst>
   </p:cSld>
@@ -9305,7 +9624,7 @@
                 <a:latin typeface="Elektra Text Pro"/>
                 <a:cs typeface="Arial" pitchFamily="34" charset="0"/>
               </a:rPr>
-              <a:t>ДИАГРАММА ВАРИАНТОВ ИСПОЛЬЗОВАНИЯ</a:t>
+              <a:t>ОШИБКИ СИСТЕМЫ</a:t>
             </a:r>
           </a:p>
         </p:txBody>
@@ -9340,7 +9659,7 @@
             </a:fld>
             <a:r>
               <a:rPr lang="ru-RU" dirty="0"/>
-              <a:t>/22</a:t>
+              <a:t>/24</a:t>
             </a:r>
           </a:p>
         </p:txBody>
@@ -9405,12 +9724,47 @@
           </a:p>
         </p:txBody>
       </p:sp>
+      <p:sp>
+        <p:nvSpPr>
+          <p:cNvPr id="3" name="TextBox 2">
+            <a:extLst>
+              <a:ext uri="{FF2B5EF4-FFF2-40B4-BE49-F238E27FC236}">
+                <a16:creationId xmlns:a16="http://schemas.microsoft.com/office/drawing/2014/main" id="{3D5C646E-6034-41B1-BE54-88C038B83991}"/>
+              </a:ext>
+            </a:extLst>
+          </p:cNvPr>
+          <p:cNvSpPr txBox="1"/>
+          <p:nvPr/>
+        </p:nvSpPr>
+        <p:spPr>
+          <a:xfrm>
+            <a:off x="277018" y="1471314"/>
+            <a:ext cx="8853722" cy="400110"/>
+          </a:xfrm>
+          <a:prstGeom prst="rect">
+            <a:avLst/>
+          </a:prstGeom>
+          <a:noFill/>
+        </p:spPr>
+        <p:txBody>
+          <a:bodyPr wrap="square" rtlCol="0">
+            <a:spAutoFit/>
+          </a:bodyPr>
+          <a:lstStyle/>
+          <a:p>
+            <a:r>
+              <a:rPr lang="ru-RU" sz="2000" dirty="0"/>
+              <a:t>Наибольшие ошибки – у эксклюзивных и премиальных автомобилей:</a:t>
+            </a:r>
+          </a:p>
+        </p:txBody>
+      </p:sp>
       <p:pic>
         <p:nvPicPr>
-          <p:cNvPr id="8" name="Рисунок 7">
+          <p:cNvPr id="5" name="Рисунок 4">
             <a:extLst>
               <a:ext uri="{FF2B5EF4-FFF2-40B4-BE49-F238E27FC236}">
-                <a16:creationId xmlns:a16="http://schemas.microsoft.com/office/drawing/2014/main" id="{F223A095-487F-4D31-A38C-22BB18C2EE0E}"/>
+                <a16:creationId xmlns:a16="http://schemas.microsoft.com/office/drawing/2014/main" id="{E911B982-E3E6-45DC-95E4-B8B73D4977DC}"/>
               </a:ext>
             </a:extLst>
           </p:cNvPr>
@@ -9427,8 +9781,8 @@
         </p:blipFill>
         <p:spPr>
           <a:xfrm>
-            <a:off x="275625" y="1256997"/>
-            <a:ext cx="8592749" cy="4344006"/>
+            <a:off x="742415" y="2447788"/>
+            <a:ext cx="7659169" cy="1962424"/>
           </a:xfrm>
           <a:prstGeom prst="rect">
             <a:avLst/>
@@ -9438,7 +9792,7 @@
     </p:spTree>
     <p:extLst>
       <p:ext uri="{BB962C8B-B14F-4D97-AF65-F5344CB8AC3E}">
-        <p14:creationId xmlns:p14="http://schemas.microsoft.com/office/powerpoint/2010/main" val="2317276453"/>
+        <p14:creationId xmlns:p14="http://schemas.microsoft.com/office/powerpoint/2010/main" val="1695126567"/>
       </p:ext>
     </p:extLst>
   </p:cSld>
@@ -9581,7 +9935,7 @@
                 <a:latin typeface="Elektra Text Pro"/>
                 <a:cs typeface="Arial" pitchFamily="34" charset="0"/>
               </a:rPr>
-              <a:t>ДИАГРАММА ДЕЯТЕЛЬНОСТИ</a:t>
+              <a:t>СТРУКТУРНАЯ СХЕМА СИСТЕМЫ</a:t>
             </a:r>
           </a:p>
         </p:txBody>
@@ -9616,7 +9970,7 @@
             </a:fld>
             <a:r>
               <a:rPr lang="ru-RU" dirty="0"/>
-              <a:t>/22</a:t>
+              <a:t>/24</a:t>
             </a:r>
           </a:p>
         </p:txBody>
@@ -9683,10 +10037,10 @@
       </p:sp>
       <p:pic>
         <p:nvPicPr>
-          <p:cNvPr id="4" name="Рисунок 3">
+          <p:cNvPr id="5" name="Рисунок 4">
             <a:extLst>
               <a:ext uri="{FF2B5EF4-FFF2-40B4-BE49-F238E27FC236}">
-                <a16:creationId xmlns:a16="http://schemas.microsoft.com/office/drawing/2014/main" id="{949C61B5-814B-460F-AD87-9B6EB6CF8CAF}"/>
+                <a16:creationId xmlns:a16="http://schemas.microsoft.com/office/drawing/2014/main" id="{139B1644-46B2-45DC-8298-F9E57AF4A5DD}"/>
               </a:ext>
             </a:extLst>
           </p:cNvPr>
@@ -9703,8 +10057,8 @@
         </p:blipFill>
         <p:spPr>
           <a:xfrm>
-            <a:off x="1166337" y="1261760"/>
-            <a:ext cx="6811326" cy="4334480"/>
+            <a:off x="575705" y="1857155"/>
+            <a:ext cx="7992590" cy="3143689"/>
           </a:xfrm>
           <a:prstGeom prst="rect">
             <a:avLst/>
@@ -9714,7 +10068,7 @@
     </p:spTree>
     <p:extLst>
       <p:ext uri="{BB962C8B-B14F-4D97-AF65-F5344CB8AC3E}">
-        <p14:creationId xmlns:p14="http://schemas.microsoft.com/office/powerpoint/2010/main" val="336376215"/>
+        <p14:creationId xmlns:p14="http://schemas.microsoft.com/office/powerpoint/2010/main" val="1229579044"/>
       </p:ext>
     </p:extLst>
   </p:cSld>
@@ -10027,7 +10381,7 @@
             </a:r>
             <a:r>
               <a:rPr lang="en-US" dirty="0"/>
-              <a:t>22</a:t>
+              <a:t>24</a:t>
             </a:r>
             <a:endParaRPr lang="ru-RU" dirty="0"/>
           </a:p>
@@ -10239,7 +10593,7 @@
                 <a:latin typeface="Elektra Text Pro"/>
                 <a:cs typeface="Arial" pitchFamily="34" charset="0"/>
               </a:rPr>
-              <a:t>ЭКРАННАЯ ФОРМА</a:t>
+              <a:t>ДИАГРАММА ВАРИАНТОВ ИСПОЛЬЗОВАНИЯ</a:t>
             </a:r>
           </a:p>
         </p:txBody>
@@ -10252,8 +10606,8 @@
         </p:nvSpPr>
         <p:spPr>
           <a:xfrm>
-            <a:off x="7956376" y="6165306"/>
-            <a:ext cx="916301" cy="369332"/>
+            <a:off x="8100393" y="6165306"/>
+            <a:ext cx="791128" cy="369332"/>
           </a:xfrm>
           <a:prstGeom prst="rect">
             <a:avLst/>
@@ -10274,7 +10628,7 @@
             </a:fld>
             <a:r>
               <a:rPr lang="ru-RU" dirty="0"/>
-              <a:t>/22</a:t>
+              <a:t>/24</a:t>
             </a:r>
           </a:p>
         </p:txBody>
@@ -10341,10 +10695,10 @@
       </p:sp>
       <p:pic>
         <p:nvPicPr>
-          <p:cNvPr id="5" name="Рисунок 4">
+          <p:cNvPr id="8" name="Рисунок 7">
             <a:extLst>
               <a:ext uri="{FF2B5EF4-FFF2-40B4-BE49-F238E27FC236}">
-                <a16:creationId xmlns:a16="http://schemas.microsoft.com/office/drawing/2014/main" id="{A0054E4B-FFFD-4579-B7BA-1BE37B3D0549}"/>
+                <a16:creationId xmlns:a16="http://schemas.microsoft.com/office/drawing/2014/main" id="{F223A095-487F-4D31-A38C-22BB18C2EE0E}"/>
               </a:ext>
             </a:extLst>
           </p:cNvPr>
@@ -10361,8 +10715,8 @@
         </p:blipFill>
         <p:spPr>
           <a:xfrm>
-            <a:off x="593331" y="1128738"/>
-            <a:ext cx="7956376" cy="4928551"/>
+            <a:off x="275625" y="1256997"/>
+            <a:ext cx="8592749" cy="4344006"/>
           </a:xfrm>
           <a:prstGeom prst="rect">
             <a:avLst/>
@@ -10372,7 +10726,7 @@
     </p:spTree>
     <p:extLst>
       <p:ext uri="{BB962C8B-B14F-4D97-AF65-F5344CB8AC3E}">
-        <p14:creationId xmlns:p14="http://schemas.microsoft.com/office/powerpoint/2010/main" val="2198158696"/>
+        <p14:creationId xmlns:p14="http://schemas.microsoft.com/office/powerpoint/2010/main" val="2317276453"/>
       </p:ext>
     </p:extLst>
   </p:cSld>
@@ -10387,13 +10741,7 @@
   <p:cSld>
     <p:spTree>
       <p:nvGrpSpPr>
-        <p:cNvPr id="1" name="">
-          <a:extLst>
-            <a:ext uri="{FF2B5EF4-FFF2-40B4-BE49-F238E27FC236}">
-              <a16:creationId xmlns:a16="http://schemas.microsoft.com/office/drawing/2014/main" id="{9C021088-9979-3297-05B4-024523158C40}"/>
-            </a:ext>
-          </a:extLst>
-        </p:cNvPr>
+        <p:cNvPr id="1" name=""/>
         <p:cNvGrpSpPr/>
         <p:nvPr/>
       </p:nvGrpSpPr>
@@ -10407,13 +10755,7 @@
       </p:grpSpPr>
       <p:sp>
         <p:nvSpPr>
-          <p:cNvPr id="10" name="Нижний колонтитул 9">
-            <a:extLst>
-              <a:ext uri="{FF2B5EF4-FFF2-40B4-BE49-F238E27FC236}">
-                <a16:creationId xmlns:a16="http://schemas.microsoft.com/office/drawing/2014/main" id="{227729D0-5232-6312-77D0-100FA508D3DE}"/>
-              </a:ext>
-            </a:extLst>
-          </p:cNvPr>
+          <p:cNvPr id="10" name="Нижний колонтитул 9"/>
           <p:cNvSpPr>
             <a:spLocks noGrp="1"/>
           </p:cNvSpPr>
@@ -10450,13 +10792,7 @@
       </p:sp>
       <p:sp>
         <p:nvSpPr>
-          <p:cNvPr id="6" name="Прямоугольник 5">
-            <a:extLst>
-              <a:ext uri="{FF2B5EF4-FFF2-40B4-BE49-F238E27FC236}">
-                <a16:creationId xmlns:a16="http://schemas.microsoft.com/office/drawing/2014/main" id="{BE31CD7A-93C1-C01A-2183-B6BAFD644C7D}"/>
-              </a:ext>
-            </a:extLst>
-          </p:cNvPr>
+          <p:cNvPr id="6" name="Прямоугольник 5"/>
           <p:cNvSpPr/>
           <p:nvPr/>
         </p:nvSpPr>
@@ -10504,13 +10840,7 @@
       </p:sp>
       <p:sp>
         <p:nvSpPr>
-          <p:cNvPr id="2" name="Заголовок 1">
-            <a:extLst>
-              <a:ext uri="{FF2B5EF4-FFF2-40B4-BE49-F238E27FC236}">
-                <a16:creationId xmlns:a16="http://schemas.microsoft.com/office/drawing/2014/main" id="{33FC3FC9-C003-ACE0-0930-1195F5008B87}"/>
-              </a:ext>
-            </a:extLst>
-          </p:cNvPr>
+          <p:cNvPr id="2" name="Заголовок 1"/>
           <p:cNvSpPr>
             <a:spLocks noGrp="1"/>
           </p:cNvSpPr>
@@ -10539,27 +10869,21 @@
                 <a:latin typeface="Elektra Text Pro"/>
                 <a:cs typeface="Arial" pitchFamily="34" charset="0"/>
               </a:rPr>
-              <a:t>ЭКРАННАЯ ФОРМА</a:t>
-            </a:r>
-          </a:p>
-        </p:txBody>
-      </p:sp>
-      <p:sp>
-        <p:nvSpPr>
-          <p:cNvPr id="9" name="TextBox 8">
-            <a:extLst>
-              <a:ext uri="{FF2B5EF4-FFF2-40B4-BE49-F238E27FC236}">
-                <a16:creationId xmlns:a16="http://schemas.microsoft.com/office/drawing/2014/main" id="{534AD733-89AD-0FA3-9A38-9831BCC70B86}"/>
-              </a:ext>
-            </a:extLst>
-          </p:cNvPr>
+              <a:t>ДИАГРАММА ДЕЯТЕЛЬНОСТИ</a:t>
+            </a:r>
+          </a:p>
+        </p:txBody>
+      </p:sp>
+      <p:sp>
+        <p:nvSpPr>
+          <p:cNvPr id="9" name="TextBox 8"/>
           <p:cNvSpPr txBox="1"/>
           <p:nvPr/>
         </p:nvSpPr>
         <p:spPr>
           <a:xfrm>
-            <a:off x="7956376" y="6165306"/>
-            <a:ext cx="916301" cy="369332"/>
+            <a:off x="8100393" y="6165306"/>
+            <a:ext cx="791128" cy="369332"/>
           </a:xfrm>
           <a:prstGeom prst="rect">
             <a:avLst/>
@@ -10580,20 +10904,14 @@
             </a:fld>
             <a:r>
               <a:rPr lang="ru-RU" dirty="0"/>
-              <a:t>/22</a:t>
-            </a:r>
-          </a:p>
-        </p:txBody>
-      </p:sp>
-      <p:sp>
-        <p:nvSpPr>
-          <p:cNvPr id="11" name="Заголовок 1">
-            <a:extLst>
-              <a:ext uri="{FF2B5EF4-FFF2-40B4-BE49-F238E27FC236}">
-                <a16:creationId xmlns:a16="http://schemas.microsoft.com/office/drawing/2014/main" id="{F8B64A0F-7C28-498F-AE82-B6C49B5DB168}"/>
-              </a:ext>
-            </a:extLst>
-          </p:cNvPr>
+              <a:t>/24</a:t>
+            </a:r>
+          </a:p>
+        </p:txBody>
+      </p:sp>
+      <p:sp>
+        <p:nvSpPr>
+          <p:cNvPr id="11" name="Заголовок 1"/>
           <p:cNvSpPr txBox="1">
             <a:spLocks/>
           </p:cNvSpPr>
@@ -10656,7 +10974,7 @@
           <p:cNvPr id="4" name="Рисунок 3">
             <a:extLst>
               <a:ext uri="{FF2B5EF4-FFF2-40B4-BE49-F238E27FC236}">
-                <a16:creationId xmlns:a16="http://schemas.microsoft.com/office/drawing/2014/main" id="{54600216-65C4-2B2F-7C80-5B7CFAC7C267}"/>
+                <a16:creationId xmlns:a16="http://schemas.microsoft.com/office/drawing/2014/main" id="{949C61B5-814B-460F-AD87-9B6EB6CF8CAF}"/>
               </a:ext>
             </a:extLst>
           </p:cNvPr>
@@ -10673,8 +10991,8 @@
         </p:blipFill>
         <p:spPr>
           <a:xfrm>
-            <a:off x="3317270" y="1114790"/>
-            <a:ext cx="2508497" cy="4959195"/>
+            <a:off x="1166337" y="1261760"/>
+            <a:ext cx="6811326" cy="4334480"/>
           </a:xfrm>
           <a:prstGeom prst="rect">
             <a:avLst/>
@@ -10684,7 +11002,7 @@
     </p:spTree>
     <p:extLst>
       <p:ext uri="{BB962C8B-B14F-4D97-AF65-F5344CB8AC3E}">
-        <p14:creationId xmlns:p14="http://schemas.microsoft.com/office/powerpoint/2010/main" val="1713537609"/>
+        <p14:creationId xmlns:p14="http://schemas.microsoft.com/office/powerpoint/2010/main" val="336376215"/>
       </p:ext>
     </p:extLst>
   </p:cSld>
@@ -10735,27 +11053,14 @@
           <a:lstStyle/>
           <a:p>
             <a:pPr algn="l"/>
-            <a:r>
-              <a:rPr lang="ru-RU" sz="1400">
-                <a:solidFill>
-                  <a:schemeClr val="tx1">
-                    <a:lumMod val="75000"/>
-                    <a:lumOff val="25000"/>
-                  </a:schemeClr>
-                </a:solidFill>
-                <a:latin typeface="Elektra Text Pro"/>
-                <a:cs typeface="Arial" pitchFamily="34" charset="0"/>
-              </a:rPr>
-              <a:t>Веб-приложение прогнозирования стоимости легкового автомобиля</a:t>
-            </a:r>
-            <a:endParaRPr lang="ru-RU" sz="1400" dirty="0">
+            <a:endParaRPr lang="ru-RU" sz="1400" b="1" dirty="0">
               <a:solidFill>
                 <a:schemeClr val="tx1">
-                  <a:lumMod val="75000"/>
-                  <a:lumOff val="25000"/>
+                  <a:lumMod val="50000"/>
+                  <a:lumOff val="50000"/>
                 </a:schemeClr>
               </a:solidFill>
-              <a:latin typeface="Elektra Text Pro"/>
+              <a:latin typeface="Arial" pitchFamily="34" charset="0"/>
               <a:cs typeface="Arial" pitchFamily="34" charset="0"/>
             </a:endParaRPr>
           </a:p>
@@ -10776,7 +11081,9 @@
             <a:avLst/>
           </a:prstGeom>
           <a:solidFill>
-            <a:srgbClr val="E6E6E6"/>
+            <a:schemeClr val="bg1">
+              <a:lumMod val="85000"/>
+            </a:schemeClr>
           </a:solidFill>
           <a:ln>
             <a:noFill/>
@@ -10819,6 +11126,605 @@
         </p:nvSpPr>
         <p:spPr>
           <a:xfrm>
+            <a:off x="251519" y="355605"/>
+            <a:ext cx="8640001" cy="720725"/>
+          </a:xfrm>
+          <a:solidFill>
+            <a:srgbClr val="E6E6E6"/>
+          </a:solidFill>
+        </p:spPr>
+        <p:txBody>
+          <a:bodyPr>
+            <a:noAutofit/>
+          </a:bodyPr>
+          <a:lstStyle/>
+          <a:p>
+            <a:pPr algn="ctr"/>
+            <a:r>
+              <a:rPr lang="ru-RU" sz="1800" b="1" dirty="0">
+                <a:latin typeface="Elektra Text Pro"/>
+                <a:cs typeface="Arial" pitchFamily="34" charset="0"/>
+              </a:rPr>
+              <a:t>ЭКРАННАЯ ФОРМА</a:t>
+            </a:r>
+          </a:p>
+        </p:txBody>
+      </p:sp>
+      <p:sp>
+        <p:nvSpPr>
+          <p:cNvPr id="9" name="TextBox 8"/>
+          <p:cNvSpPr txBox="1"/>
+          <p:nvPr/>
+        </p:nvSpPr>
+        <p:spPr>
+          <a:xfrm>
+            <a:off x="7956376" y="6165306"/>
+            <a:ext cx="916301" cy="369332"/>
+          </a:xfrm>
+          <a:prstGeom prst="rect">
+            <a:avLst/>
+          </a:prstGeom>
+          <a:noFill/>
+        </p:spPr>
+        <p:txBody>
+          <a:bodyPr wrap="square" rtlCol="0">
+            <a:spAutoFit/>
+          </a:bodyPr>
+          <a:lstStyle/>
+          <a:p>
+            <a:pPr algn="r"/>
+            <a:fld id="{249A5D52-88F9-4971-91E7-95B02B6DE201}" type="slidenum">
+              <a:rPr lang="ru-RU" smtClean="0"/>
+              <a:pPr algn="r"/>
+              <a:t>22</a:t>
+            </a:fld>
+            <a:r>
+              <a:rPr lang="ru-RU" dirty="0"/>
+              <a:t>/24</a:t>
+            </a:r>
+          </a:p>
+        </p:txBody>
+      </p:sp>
+      <p:sp>
+        <p:nvSpPr>
+          <p:cNvPr id="11" name="Заголовок 1"/>
+          <p:cNvSpPr txBox="1">
+            <a:spLocks/>
+          </p:cNvSpPr>
+          <p:nvPr/>
+        </p:nvSpPr>
+        <p:spPr>
+          <a:xfrm>
+            <a:off x="251520" y="6112445"/>
+            <a:ext cx="7200800" cy="520850"/>
+          </a:xfrm>
+          <a:prstGeom prst="rect">
+            <a:avLst/>
+          </a:prstGeom>
+          <a:solidFill>
+            <a:srgbClr val="E6E6E6"/>
+          </a:solidFill>
+        </p:spPr>
+        <p:txBody>
+          <a:bodyPr vert="horz" lIns="91440" tIns="45720" rIns="91440" bIns="45720" rtlCol="0" anchor="ctr">
+            <a:noAutofit/>
+          </a:bodyPr>
+          <a:lstStyle>
+            <a:lvl1pPr algn="l" defTabSz="914400" rtl="0" eaLnBrk="1" latinLnBrk="0" hangingPunct="1">
+              <a:lnSpc>
+                <a:spcPct val="90000"/>
+              </a:lnSpc>
+              <a:spcBef>
+                <a:spcPct val="0"/>
+              </a:spcBef>
+              <a:buNone/>
+              <a:defRPr sz="4400" kern="1200">
+                <a:solidFill>
+                  <a:schemeClr val="tx1"/>
+                </a:solidFill>
+                <a:latin typeface="+mj-lt"/>
+                <a:ea typeface="+mj-ea"/>
+                <a:cs typeface="+mj-cs"/>
+              </a:defRPr>
+            </a:lvl1pPr>
+          </a:lstStyle>
+          <a:p>
+            <a:r>
+              <a:rPr lang="ru-RU" sz="1400" dirty="0">
+                <a:solidFill>
+                  <a:schemeClr val="tx1">
+                    <a:lumMod val="75000"/>
+                    <a:lumOff val="25000"/>
+                  </a:schemeClr>
+                </a:solidFill>
+                <a:latin typeface="Elektra Text Pro"/>
+                <a:cs typeface="Arial" pitchFamily="34" charset="0"/>
+              </a:rPr>
+              <a:t>Веб-приложение прогнозирования стоимости легкового автомобиля</a:t>
+            </a:r>
+          </a:p>
+        </p:txBody>
+      </p:sp>
+      <p:pic>
+        <p:nvPicPr>
+          <p:cNvPr id="5" name="Рисунок 4">
+            <a:extLst>
+              <a:ext uri="{FF2B5EF4-FFF2-40B4-BE49-F238E27FC236}">
+                <a16:creationId xmlns:a16="http://schemas.microsoft.com/office/drawing/2014/main" id="{A0054E4B-FFFD-4579-B7BA-1BE37B3D0549}"/>
+              </a:ext>
+            </a:extLst>
+          </p:cNvPr>
+          <p:cNvPicPr>
+            <a:picLocks noChangeAspect="1"/>
+          </p:cNvPicPr>
+          <p:nvPr/>
+        </p:nvPicPr>
+        <p:blipFill>
+          <a:blip r:embed="rId3"/>
+          <a:stretch>
+            <a:fillRect/>
+          </a:stretch>
+        </p:blipFill>
+        <p:spPr>
+          <a:xfrm>
+            <a:off x="593331" y="1128738"/>
+            <a:ext cx="7956376" cy="4928551"/>
+          </a:xfrm>
+          <a:prstGeom prst="rect">
+            <a:avLst/>
+          </a:prstGeom>
+        </p:spPr>
+      </p:pic>
+    </p:spTree>
+    <p:extLst>
+      <p:ext uri="{BB962C8B-B14F-4D97-AF65-F5344CB8AC3E}">
+        <p14:creationId xmlns:p14="http://schemas.microsoft.com/office/powerpoint/2010/main" val="2198158696"/>
+      </p:ext>
+    </p:extLst>
+  </p:cSld>
+  <p:clrMapOvr>
+    <a:masterClrMapping/>
+  </p:clrMapOvr>
+</p:sld>
+</file>
+
+<file path=ppt/slides/slide23.xml><?xml version="1.0" encoding="utf-8"?>
+<p:sld xmlns:a="http://schemas.openxmlformats.org/drawingml/2006/main" xmlns:r="http://schemas.openxmlformats.org/officeDocument/2006/relationships" xmlns:p="http://schemas.openxmlformats.org/presentationml/2006/main">
+  <p:cSld>
+    <p:spTree>
+      <p:nvGrpSpPr>
+        <p:cNvPr id="1" name="">
+          <a:extLst>
+            <a:ext uri="{FF2B5EF4-FFF2-40B4-BE49-F238E27FC236}">
+              <a16:creationId xmlns:a16="http://schemas.microsoft.com/office/drawing/2014/main" id="{9C021088-9979-3297-05B4-024523158C40}"/>
+            </a:ext>
+          </a:extLst>
+        </p:cNvPr>
+        <p:cNvGrpSpPr/>
+        <p:nvPr/>
+      </p:nvGrpSpPr>
+      <p:grpSpPr>
+        <a:xfrm>
+          <a:off x="0" y="0"/>
+          <a:ext cx="0" cy="0"/>
+          <a:chOff x="0" y="0"/>
+          <a:chExt cx="0" cy="0"/>
+        </a:xfrm>
+      </p:grpSpPr>
+      <p:sp>
+        <p:nvSpPr>
+          <p:cNvPr id="10" name="Нижний колонтитул 9">
+            <a:extLst>
+              <a:ext uri="{FF2B5EF4-FFF2-40B4-BE49-F238E27FC236}">
+                <a16:creationId xmlns:a16="http://schemas.microsoft.com/office/drawing/2014/main" id="{227729D0-5232-6312-77D0-100FA508D3DE}"/>
+              </a:ext>
+            </a:extLst>
+          </p:cNvPr>
+          <p:cNvSpPr>
+            <a:spLocks noGrp="1"/>
+          </p:cNvSpPr>
+          <p:nvPr>
+            <p:ph type="ftr" sz="quarter" idx="11"/>
+          </p:nvPr>
+        </p:nvSpPr>
+        <p:spPr>
+          <a:xfrm>
+            <a:off x="251520" y="6093295"/>
+            <a:ext cx="8640000" cy="540000"/>
+          </a:xfrm>
+          <a:solidFill>
+            <a:srgbClr val="E6E6E6"/>
+          </a:solidFill>
+        </p:spPr>
+        <p:txBody>
+          <a:bodyPr/>
+          <a:lstStyle/>
+          <a:p>
+            <a:pPr algn="l"/>
+            <a:endParaRPr lang="ru-RU" sz="1400" b="1" dirty="0">
+              <a:solidFill>
+                <a:schemeClr val="tx1">
+                  <a:lumMod val="50000"/>
+                  <a:lumOff val="50000"/>
+                </a:schemeClr>
+              </a:solidFill>
+              <a:latin typeface="Arial" pitchFamily="34" charset="0"/>
+              <a:cs typeface="Arial" pitchFamily="34" charset="0"/>
+            </a:endParaRPr>
+          </a:p>
+        </p:txBody>
+      </p:sp>
+      <p:sp>
+        <p:nvSpPr>
+          <p:cNvPr id="6" name="Прямоугольник 5">
+            <a:extLst>
+              <a:ext uri="{FF2B5EF4-FFF2-40B4-BE49-F238E27FC236}">
+                <a16:creationId xmlns:a16="http://schemas.microsoft.com/office/drawing/2014/main" id="{BE31CD7A-93C1-C01A-2183-B6BAFD644C7D}"/>
+              </a:ext>
+            </a:extLst>
+          </p:cNvPr>
+          <p:cNvSpPr/>
+          <p:nvPr/>
+        </p:nvSpPr>
+        <p:spPr>
+          <a:xfrm>
+            <a:off x="251520" y="342900"/>
+            <a:ext cx="8640000" cy="720000"/>
+          </a:xfrm>
+          <a:prstGeom prst="rect">
+            <a:avLst/>
+          </a:prstGeom>
+          <a:solidFill>
+            <a:schemeClr val="bg1">
+              <a:lumMod val="85000"/>
+            </a:schemeClr>
+          </a:solidFill>
+          <a:ln>
+            <a:noFill/>
+          </a:ln>
+        </p:spPr>
+        <p:style>
+          <a:lnRef idx="2">
+            <a:schemeClr val="accent1">
+              <a:shade val="50000"/>
+            </a:schemeClr>
+          </a:lnRef>
+          <a:fillRef idx="1">
+            <a:schemeClr val="accent1"/>
+          </a:fillRef>
+          <a:effectRef idx="0">
+            <a:schemeClr val="accent1"/>
+          </a:effectRef>
+          <a:fontRef idx="minor">
+            <a:schemeClr val="lt1"/>
+          </a:fontRef>
+        </p:style>
+        <p:txBody>
+          <a:bodyPr rtlCol="0" anchor="ctr"/>
+          <a:lstStyle/>
+          <a:p>
+            <a:pPr algn="ctr"/>
+            <a:endParaRPr lang="ru-RU"/>
+          </a:p>
+        </p:txBody>
+      </p:sp>
+      <p:sp>
+        <p:nvSpPr>
+          <p:cNvPr id="2" name="Заголовок 1">
+            <a:extLst>
+              <a:ext uri="{FF2B5EF4-FFF2-40B4-BE49-F238E27FC236}">
+                <a16:creationId xmlns:a16="http://schemas.microsoft.com/office/drawing/2014/main" id="{33FC3FC9-C003-ACE0-0930-1195F5008B87}"/>
+              </a:ext>
+            </a:extLst>
+          </p:cNvPr>
+          <p:cNvSpPr>
+            <a:spLocks noGrp="1"/>
+          </p:cNvSpPr>
+          <p:nvPr>
+            <p:ph type="title"/>
+          </p:nvPr>
+        </p:nvSpPr>
+        <p:spPr>
+          <a:xfrm>
+            <a:off x="251519" y="355605"/>
+            <a:ext cx="8640001" cy="720725"/>
+          </a:xfrm>
+          <a:solidFill>
+            <a:srgbClr val="E6E6E6"/>
+          </a:solidFill>
+        </p:spPr>
+        <p:txBody>
+          <a:bodyPr>
+            <a:noAutofit/>
+          </a:bodyPr>
+          <a:lstStyle/>
+          <a:p>
+            <a:pPr algn="ctr"/>
+            <a:r>
+              <a:rPr lang="ru-RU" sz="1800" b="1" dirty="0">
+                <a:latin typeface="Elektra Text Pro"/>
+                <a:cs typeface="Arial" pitchFamily="34" charset="0"/>
+              </a:rPr>
+              <a:t>ЭКРАННАЯ ФОРМА</a:t>
+            </a:r>
+          </a:p>
+        </p:txBody>
+      </p:sp>
+      <p:sp>
+        <p:nvSpPr>
+          <p:cNvPr id="9" name="TextBox 8">
+            <a:extLst>
+              <a:ext uri="{FF2B5EF4-FFF2-40B4-BE49-F238E27FC236}">
+                <a16:creationId xmlns:a16="http://schemas.microsoft.com/office/drawing/2014/main" id="{534AD733-89AD-0FA3-9A38-9831BCC70B86}"/>
+              </a:ext>
+            </a:extLst>
+          </p:cNvPr>
+          <p:cNvSpPr txBox="1"/>
+          <p:nvPr/>
+        </p:nvSpPr>
+        <p:spPr>
+          <a:xfrm>
+            <a:off x="7956376" y="6165306"/>
+            <a:ext cx="916301" cy="369332"/>
+          </a:xfrm>
+          <a:prstGeom prst="rect">
+            <a:avLst/>
+          </a:prstGeom>
+          <a:noFill/>
+        </p:spPr>
+        <p:txBody>
+          <a:bodyPr wrap="square" rtlCol="0">
+            <a:spAutoFit/>
+          </a:bodyPr>
+          <a:lstStyle/>
+          <a:p>
+            <a:pPr algn="r"/>
+            <a:fld id="{249A5D52-88F9-4971-91E7-95B02B6DE201}" type="slidenum">
+              <a:rPr lang="ru-RU" smtClean="0"/>
+              <a:pPr algn="r"/>
+              <a:t>23</a:t>
+            </a:fld>
+            <a:r>
+              <a:rPr lang="ru-RU" dirty="0"/>
+              <a:t>/24</a:t>
+            </a:r>
+          </a:p>
+        </p:txBody>
+      </p:sp>
+      <p:sp>
+        <p:nvSpPr>
+          <p:cNvPr id="11" name="Заголовок 1">
+            <a:extLst>
+              <a:ext uri="{FF2B5EF4-FFF2-40B4-BE49-F238E27FC236}">
+                <a16:creationId xmlns:a16="http://schemas.microsoft.com/office/drawing/2014/main" id="{F8B64A0F-7C28-498F-AE82-B6C49B5DB168}"/>
+              </a:ext>
+            </a:extLst>
+          </p:cNvPr>
+          <p:cNvSpPr txBox="1">
+            <a:spLocks/>
+          </p:cNvSpPr>
+          <p:nvPr/>
+        </p:nvSpPr>
+        <p:spPr>
+          <a:xfrm>
+            <a:off x="251520" y="6112445"/>
+            <a:ext cx="7200800" cy="520850"/>
+          </a:xfrm>
+          <a:prstGeom prst="rect">
+            <a:avLst/>
+          </a:prstGeom>
+          <a:solidFill>
+            <a:srgbClr val="E6E6E6"/>
+          </a:solidFill>
+        </p:spPr>
+        <p:txBody>
+          <a:bodyPr vert="horz" lIns="91440" tIns="45720" rIns="91440" bIns="45720" rtlCol="0" anchor="ctr">
+            <a:noAutofit/>
+          </a:bodyPr>
+          <a:lstStyle>
+            <a:lvl1pPr algn="l" defTabSz="914400" rtl="0" eaLnBrk="1" latinLnBrk="0" hangingPunct="1">
+              <a:lnSpc>
+                <a:spcPct val="90000"/>
+              </a:lnSpc>
+              <a:spcBef>
+                <a:spcPct val="0"/>
+              </a:spcBef>
+              <a:buNone/>
+              <a:defRPr sz="4400" kern="1200">
+                <a:solidFill>
+                  <a:schemeClr val="tx1"/>
+                </a:solidFill>
+                <a:latin typeface="+mj-lt"/>
+                <a:ea typeface="+mj-ea"/>
+                <a:cs typeface="+mj-cs"/>
+              </a:defRPr>
+            </a:lvl1pPr>
+          </a:lstStyle>
+          <a:p>
+            <a:r>
+              <a:rPr lang="ru-RU" sz="1400" dirty="0">
+                <a:solidFill>
+                  <a:schemeClr val="tx1">
+                    <a:lumMod val="75000"/>
+                    <a:lumOff val="25000"/>
+                  </a:schemeClr>
+                </a:solidFill>
+                <a:latin typeface="Elektra Text Pro"/>
+                <a:cs typeface="Arial" pitchFamily="34" charset="0"/>
+              </a:rPr>
+              <a:t>Веб-приложение прогнозирования стоимости легкового автомобиля</a:t>
+            </a:r>
+          </a:p>
+        </p:txBody>
+      </p:sp>
+      <p:pic>
+        <p:nvPicPr>
+          <p:cNvPr id="4" name="Рисунок 3">
+            <a:extLst>
+              <a:ext uri="{FF2B5EF4-FFF2-40B4-BE49-F238E27FC236}">
+                <a16:creationId xmlns:a16="http://schemas.microsoft.com/office/drawing/2014/main" id="{54600216-65C4-2B2F-7C80-5B7CFAC7C267}"/>
+              </a:ext>
+            </a:extLst>
+          </p:cNvPr>
+          <p:cNvPicPr>
+            <a:picLocks noChangeAspect="1"/>
+          </p:cNvPicPr>
+          <p:nvPr/>
+        </p:nvPicPr>
+        <p:blipFill>
+          <a:blip r:embed="rId3"/>
+          <a:stretch>
+            <a:fillRect/>
+          </a:stretch>
+        </p:blipFill>
+        <p:spPr>
+          <a:xfrm>
+            <a:off x="3317270" y="1114790"/>
+            <a:ext cx="2508497" cy="4959195"/>
+          </a:xfrm>
+          <a:prstGeom prst="rect">
+            <a:avLst/>
+          </a:prstGeom>
+        </p:spPr>
+      </p:pic>
+    </p:spTree>
+    <p:extLst>
+      <p:ext uri="{BB962C8B-B14F-4D97-AF65-F5344CB8AC3E}">
+        <p14:creationId xmlns:p14="http://schemas.microsoft.com/office/powerpoint/2010/main" val="1713537609"/>
+      </p:ext>
+    </p:extLst>
+  </p:cSld>
+  <p:clrMapOvr>
+    <a:masterClrMapping/>
+  </p:clrMapOvr>
+</p:sld>
+</file>
+
+<file path=ppt/slides/slide24.xml><?xml version="1.0" encoding="utf-8"?>
+<p:sld xmlns:a="http://schemas.openxmlformats.org/drawingml/2006/main" xmlns:r="http://schemas.openxmlformats.org/officeDocument/2006/relationships" xmlns:p="http://schemas.openxmlformats.org/presentationml/2006/main">
+  <p:cSld>
+    <p:spTree>
+      <p:nvGrpSpPr>
+        <p:cNvPr id="1" name=""/>
+        <p:cNvGrpSpPr/>
+        <p:nvPr/>
+      </p:nvGrpSpPr>
+      <p:grpSpPr>
+        <a:xfrm>
+          <a:off x="0" y="0"/>
+          <a:ext cx="0" cy="0"/>
+          <a:chOff x="0" y="0"/>
+          <a:chExt cx="0" cy="0"/>
+        </a:xfrm>
+      </p:grpSpPr>
+      <p:sp>
+        <p:nvSpPr>
+          <p:cNvPr id="10" name="Нижний колонтитул 9"/>
+          <p:cNvSpPr>
+            <a:spLocks noGrp="1"/>
+          </p:cNvSpPr>
+          <p:nvPr>
+            <p:ph type="ftr" sz="quarter" idx="11"/>
+          </p:nvPr>
+        </p:nvSpPr>
+        <p:spPr>
+          <a:xfrm>
+            <a:off x="251520" y="6093295"/>
+            <a:ext cx="8640000" cy="540000"/>
+          </a:xfrm>
+          <a:solidFill>
+            <a:srgbClr val="E6E6E6"/>
+          </a:solidFill>
+        </p:spPr>
+        <p:txBody>
+          <a:bodyPr/>
+          <a:lstStyle/>
+          <a:p>
+            <a:pPr algn="l"/>
+            <a:r>
+              <a:rPr lang="ru-RU" sz="1400">
+                <a:solidFill>
+                  <a:schemeClr val="tx1">
+                    <a:lumMod val="75000"/>
+                    <a:lumOff val="25000"/>
+                  </a:schemeClr>
+                </a:solidFill>
+                <a:latin typeface="Elektra Text Pro"/>
+                <a:cs typeface="Arial" pitchFamily="34" charset="0"/>
+              </a:rPr>
+              <a:t>Веб-приложение прогнозирования стоимости легкового автомобиля</a:t>
+            </a:r>
+            <a:endParaRPr lang="ru-RU" sz="1400" dirty="0">
+              <a:solidFill>
+                <a:schemeClr val="tx1">
+                  <a:lumMod val="75000"/>
+                  <a:lumOff val="25000"/>
+                </a:schemeClr>
+              </a:solidFill>
+              <a:latin typeface="Elektra Text Pro"/>
+              <a:cs typeface="Arial" pitchFamily="34" charset="0"/>
+            </a:endParaRPr>
+          </a:p>
+        </p:txBody>
+      </p:sp>
+      <p:sp>
+        <p:nvSpPr>
+          <p:cNvPr id="6" name="Прямоугольник 5"/>
+          <p:cNvSpPr/>
+          <p:nvPr/>
+        </p:nvSpPr>
+        <p:spPr>
+          <a:xfrm>
+            <a:off x="251520" y="342900"/>
+            <a:ext cx="8640000" cy="720000"/>
+          </a:xfrm>
+          <a:prstGeom prst="rect">
+            <a:avLst/>
+          </a:prstGeom>
+          <a:solidFill>
+            <a:srgbClr val="E6E6E6"/>
+          </a:solidFill>
+          <a:ln>
+            <a:noFill/>
+          </a:ln>
+        </p:spPr>
+        <p:style>
+          <a:lnRef idx="2">
+            <a:schemeClr val="accent1">
+              <a:shade val="50000"/>
+            </a:schemeClr>
+          </a:lnRef>
+          <a:fillRef idx="1">
+            <a:schemeClr val="accent1"/>
+          </a:fillRef>
+          <a:effectRef idx="0">
+            <a:schemeClr val="accent1"/>
+          </a:effectRef>
+          <a:fontRef idx="minor">
+            <a:schemeClr val="lt1"/>
+          </a:fontRef>
+        </p:style>
+        <p:txBody>
+          <a:bodyPr rtlCol="0" anchor="ctr"/>
+          <a:lstStyle/>
+          <a:p>
+            <a:pPr algn="ctr"/>
+            <a:endParaRPr lang="ru-RU"/>
+          </a:p>
+        </p:txBody>
+      </p:sp>
+      <p:sp>
+        <p:nvSpPr>
+          <p:cNvPr id="2" name="Заголовок 1"/>
+          <p:cNvSpPr>
+            <a:spLocks noGrp="1"/>
+          </p:cNvSpPr>
+          <p:nvPr>
+            <p:ph type="title"/>
+          </p:nvPr>
+        </p:nvSpPr>
+        <p:spPr>
+          <a:xfrm>
             <a:off x="251520" y="355605"/>
             <a:ext cx="8640000" cy="720725"/>
           </a:xfrm>
@@ -11063,11 +11969,11 @@
             <a:fld id="{249A5D52-88F9-4971-91E7-95B02B6DE201}" type="slidenum">
               <a:rPr lang="ru-RU" smtClean="0"/>
               <a:pPr algn="r"/>
-              <a:t>22</a:t>
+              <a:t>24</a:t>
             </a:fld>
             <a:r>
               <a:rPr lang="ru-RU" dirty="0"/>
-              <a:t>/22</a:t>
+              <a:t>/24</a:t>
             </a:r>
           </a:p>
         </p:txBody>
@@ -11627,7 +12533,7 @@
             </a:r>
             <a:r>
               <a:rPr lang="en-US" dirty="0"/>
-              <a:t>22</a:t>
+              <a:t>24</a:t>
             </a:r>
             <a:endParaRPr lang="ru-RU" dirty="0"/>
           </a:p>
@@ -11969,7 +12875,7 @@
             </a:r>
             <a:r>
               <a:rPr lang="en-US" dirty="0"/>
-              <a:t>22</a:t>
+              <a:t>24</a:t>
             </a:r>
             <a:endParaRPr lang="ru-RU" dirty="0"/>
           </a:p>
@@ -12356,7 +13262,7 @@
             </a:r>
             <a:r>
               <a:rPr lang="en-US" dirty="0"/>
-              <a:t>22</a:t>
+              <a:t>24</a:t>
             </a:r>
             <a:endParaRPr lang="ru-RU" dirty="0"/>
           </a:p>
@@ -12660,7 +13566,7 @@
             </a:r>
             <a:r>
               <a:rPr lang="en-US" dirty="0"/>
-              <a:t>22</a:t>
+              <a:t>24</a:t>
             </a:r>
             <a:endParaRPr lang="ru-RU" dirty="0"/>
           </a:p>
@@ -13098,7 +14004,7 @@
             </a:r>
             <a:r>
               <a:rPr lang="en-US" dirty="0"/>
-              <a:t>22</a:t>
+              <a:t>24</a:t>
             </a:r>
             <a:endParaRPr lang="ru-RU" dirty="0"/>
           </a:p>
@@ -13399,7 +14305,7 @@
             </a:r>
             <a:r>
               <a:rPr lang="en-US" dirty="0"/>
-              <a:t>22</a:t>
+              <a:t>24</a:t>
             </a:r>
             <a:endParaRPr lang="ru-RU" dirty="0"/>
           </a:p>
@@ -13710,7 +14616,7 @@
             </a:r>
             <a:r>
               <a:rPr lang="en-US" dirty="0"/>
-              <a:t>22</a:t>
+              <a:t>24</a:t>
             </a:r>
             <a:endParaRPr lang="ru-RU" dirty="0"/>
           </a:p>
@@ -13794,7 +14700,7 @@
         </p:nvSpPr>
         <p:spPr>
           <a:xfrm>
-            <a:off x="290166" y="3633541"/>
+            <a:off x="215927" y="4124363"/>
             <a:ext cx="8601354" cy="2270630"/>
           </a:xfrm>
         </p:spPr>
@@ -13853,88 +14759,13 @@
               <a:rPr lang="ru-RU" sz="1800" b="1" dirty="0">
                 <a:latin typeface="Elektra Text Pro" panose="02000503030000020004"/>
               </a:rPr>
-              <a:t>22994 автомобилях</a:t>
+              <a:t>24994 автомобилях</a:t>
             </a:r>
             <a:r>
               <a:rPr lang="ru-RU" sz="1800" dirty="0">
                 <a:latin typeface="Elektra Text Pro" panose="02000503030000020004"/>
               </a:rPr>
               <a:t> в Самарской области.</a:t>
-            </a:r>
-          </a:p>
-          <a:p>
-            <a:pPr marL="0" indent="0" algn="l">
-              <a:buNone/>
-            </a:pPr>
-            <a:r>
-              <a:rPr lang="ru-RU" sz="1800" dirty="0">
-                <a:latin typeface="Elektra Text Pro" panose="02000503030000020004"/>
-              </a:rPr>
-              <a:t>Из карточки каждого автомобиля были извлечены ключевые характеристики:</a:t>
-            </a:r>
-          </a:p>
-          <a:p>
-            <a:pPr>
-              <a:spcBef>
-                <a:spcPts val="0"/>
-              </a:spcBef>
-            </a:pPr>
-            <a:r>
-              <a:rPr lang="ru-RU" sz="1800" dirty="0">
-                <a:latin typeface="Elektra Text Pro" panose="02000503030000020004"/>
-              </a:rPr>
-              <a:t>Бренд и модель;</a:t>
-            </a:r>
-          </a:p>
-          <a:p>
-            <a:pPr>
-              <a:spcBef>
-                <a:spcPts val="0"/>
-              </a:spcBef>
-            </a:pPr>
-            <a:r>
-              <a:rPr lang="ru-RU" sz="1800" dirty="0">
-                <a:latin typeface="Elektra Text Pro" panose="02000503030000020004"/>
-              </a:rPr>
-              <a:t>Эксплуатационные характеристики (год выпуска, пробег, состояние);</a:t>
-            </a:r>
-          </a:p>
-          <a:p>
-            <a:pPr>
-              <a:spcBef>
-                <a:spcPts val="0"/>
-              </a:spcBef>
-            </a:pPr>
-            <a:r>
-              <a:rPr lang="ru-RU" sz="1800" dirty="0">
-                <a:latin typeface="Elektra Text Pro" panose="02000503030000020004"/>
-              </a:rPr>
-              <a:t>Технические характеристики (мощность, объем двигателя и т.д.);</a:t>
-            </a:r>
-          </a:p>
-          <a:p>
-            <a:pPr>
-              <a:spcBef>
-                <a:spcPts val="0"/>
-              </a:spcBef>
-            </a:pPr>
-            <a:r>
-              <a:rPr lang="ru-RU" sz="1800" dirty="0">
-                <a:latin typeface="Elektra Text Pro" panose="02000503030000020004"/>
-              </a:rPr>
-              <a:t>Цена – </a:t>
-            </a:r>
-            <a:r>
-              <a:rPr lang="ru-RU" sz="1800" dirty="0" err="1">
-                <a:latin typeface="Elektra Text Pro" panose="02000503030000020004"/>
-              </a:rPr>
-              <a:t>таргет</a:t>
-            </a:r>
-            <a:r>
-              <a:rPr lang="ru-RU" sz="1800" dirty="0">
-                <a:latin typeface="Elektra Text Pro" panose="02000503030000020004"/>
-              </a:rPr>
-              <a:t>.</a:t>
             </a:r>
           </a:p>
         </p:txBody>
@@ -13961,7 +14792,7 @@
         </p:blipFill>
         <p:spPr>
           <a:xfrm>
-            <a:off x="1072934" y="1146598"/>
+            <a:off x="1072934" y="1524600"/>
             <a:ext cx="6887341" cy="2389486"/>
           </a:xfrm>
           <a:prstGeom prst="rect">
